--- a/VideoSessionsMaterials/getting-user-input.pptx
+++ b/VideoSessionsMaterials/getting-user-input.pptx
@@ -5,16 +5,18 @@
     <p:sldMasterId id="2147483648" r:id="rId1"/>
   </p:sldMasterIdLst>
   <p:notesMasterIdLst>
-    <p:notesMasterId r:id="rId9"/>
+    <p:notesMasterId r:id="rId11"/>
   </p:notesMasterIdLst>
   <p:sldIdLst>
     <p:sldId id="364" r:id="rId2"/>
-    <p:sldId id="326" r:id="rId3"/>
-    <p:sldId id="367" r:id="rId4"/>
-    <p:sldId id="368" r:id="rId5"/>
-    <p:sldId id="369" r:id="rId6"/>
-    <p:sldId id="366" r:id="rId7"/>
-    <p:sldId id="322" r:id="rId8"/>
+    <p:sldId id="370" r:id="rId3"/>
+    <p:sldId id="371" r:id="rId4"/>
+    <p:sldId id="326" r:id="rId5"/>
+    <p:sldId id="367" r:id="rId6"/>
+    <p:sldId id="368" r:id="rId7"/>
+    <p:sldId id="369" r:id="rId8"/>
+    <p:sldId id="366" r:id="rId9"/>
+    <p:sldId id="322" r:id="rId10"/>
   </p:sldIdLst>
   <p:sldSz cx="17327563" cy="9747250"/>
   <p:notesSz cx="6858000" cy="9144000"/>
@@ -229,7 +231,7 @@
             <a:fld id="{DDC063FE-8627-9A42-970F-0BBEEB02B587}" type="datetimeFigureOut">
               <a:rPr lang="en-US" smtClean="0"/>
               <a:pPr/>
-              <a:t>12/4/13</a:t>
+              <a:t>12/5/13</a:t>
             </a:fld>
             <a:endParaRPr lang="en-US" dirty="0"/>
           </a:p>
@@ -649,7 +651,7 @@
             <a:fld id="{3560C2FB-C494-1A46-A471-884A4E75440F}" type="slidenum">
               <a:rPr lang="en-US" smtClean="0"/>
               <a:pPr/>
-              <a:t>2</a:t>
+              <a:t>4</a:t>
             </a:fld>
             <a:endParaRPr lang="en-US" dirty="0"/>
           </a:p>
@@ -734,7 +736,7 @@
             <a:fld id="{3560C2FB-C494-1A46-A471-884A4E75440F}" type="slidenum">
               <a:rPr lang="en-US" smtClean="0"/>
               <a:pPr/>
-              <a:t>3</a:t>
+              <a:t>5</a:t>
             </a:fld>
             <a:endParaRPr lang="en-US" dirty="0"/>
           </a:p>
@@ -819,7 +821,7 @@
             <a:fld id="{3560C2FB-C494-1A46-A471-884A4E75440F}" type="slidenum">
               <a:rPr lang="en-US" smtClean="0"/>
               <a:pPr/>
-              <a:t>4</a:t>
+              <a:t>6</a:t>
             </a:fld>
             <a:endParaRPr lang="en-US" dirty="0"/>
           </a:p>
@@ -904,7 +906,7 @@
             <a:fld id="{3560C2FB-C494-1A46-A471-884A4E75440F}" type="slidenum">
               <a:rPr lang="en-US" smtClean="0"/>
               <a:pPr/>
-              <a:t>5</a:t>
+              <a:t>7</a:t>
             </a:fld>
             <a:endParaRPr lang="en-US" dirty="0"/>
           </a:p>
@@ -978,7 +980,7 @@
               <a:pPr algn="r" eaLnBrk="0" hangingPunct="0">
                 <a:defRPr/>
               </a:pPr>
-              <a:t>6</a:t>
+              <a:t>8</a:t>
             </a:fld>
             <a:endParaRPr lang="en-US" sz="1200" dirty="0">
               <a:ea typeface="ＭＳ Ｐゴシック" pitchFamily="34" charset="-128"/>
@@ -1100,7 +1102,7 @@
             <a:fld id="{3560C2FB-C494-1A46-A471-884A4E75440F}" type="slidenum">
               <a:rPr lang="en-US" smtClean="0"/>
               <a:pPr/>
-              <a:t>7</a:t>
+              <a:t>9</a:t>
             </a:fld>
             <a:endParaRPr lang="en-US" dirty="0"/>
           </a:p>
@@ -5457,7 +5459,7 @@
       </p:grpSpPr>
       <p:sp>
         <p:nvSpPr>
-          <p:cNvPr id="3" name="Title 2"/>
+          <p:cNvPr id="56321" name="Title 1"/>
           <p:cNvSpPr>
             <a:spLocks noGrp="1"/>
           </p:cNvSpPr>
@@ -5465,22 +5467,29 @@
             <p:ph type="title"/>
           </p:nvPr>
         </p:nvSpPr>
-        <p:spPr/>
+        <p:spPr>
+          <a:xfrm>
+            <a:off x="541338" y="300038"/>
+            <a:ext cx="14724062" cy="1449387"/>
+          </a:xfrm>
+        </p:spPr>
         <p:txBody>
           <a:bodyPr/>
           <a:lstStyle/>
           <a:p>
             <a:r>
-              <a:rPr lang="en-US" dirty="0" smtClean="0"/>
-              <a:t>Title</a:t>
-            </a:r>
-            <a:endParaRPr lang="en-US" dirty="0"/>
-          </a:p>
-        </p:txBody>
-      </p:sp>
-      <p:sp>
-        <p:nvSpPr>
-          <p:cNvPr id="4" name="Content Placeholder 3"/>
+              <a:rPr lang="en-US">
+                <a:latin typeface="Arial" charset="0"/>
+                <a:ea typeface="ＭＳ Ｐゴシック" charset="0"/>
+              </a:rPr>
+              <a:t>Dynamic Search Criteria</a:t>
+            </a:r>
+          </a:p>
+        </p:txBody>
+      </p:sp>
+      <p:sp>
+        <p:nvSpPr>
+          <p:cNvPr id="56322" name="Content Placeholder 2"/>
           <p:cNvSpPr>
             <a:spLocks noGrp="1"/>
           </p:cNvSpPr>
@@ -5488,27 +5497,60 @@
             <p:ph idx="1"/>
           </p:nvPr>
         </p:nvSpPr>
-        <p:spPr/>
-        <p:txBody>
-          <a:bodyPr>
-            <a:normAutofit/>
-          </a:bodyPr>
+        <p:spPr>
+          <a:xfrm>
+            <a:off x="541338" y="1911350"/>
+            <a:ext cx="15878175" cy="6202363"/>
+          </a:xfrm>
+        </p:spPr>
+        <p:txBody>
+          <a:bodyPr/>
           <a:lstStyle/>
           <a:p>
             <a:r>
-              <a:rPr lang="en-US" sz="3200" dirty="0" smtClean="0"/>
-              <a:t>Content</a:t>
-            </a:r>
-          </a:p>
-          <a:p>
-            <a:endParaRPr lang="en-US" sz="3200" dirty="0"/>
+              <a:rPr lang="en-US" sz="3000">
+                <a:latin typeface="Arial" charset="0"/>
+                <a:ea typeface="ＭＳ Ｐゴシック" charset="0"/>
+              </a:rPr>
+              <a:t>In many cases, you will be getting search criteria dynamically</a:t>
+            </a:r>
+          </a:p>
+          <a:p>
+            <a:pPr lvl="1"/>
+            <a:r>
+              <a:rPr lang="en-US" sz="3000">
+                <a:latin typeface="Arial" charset="0"/>
+                <a:ea typeface="ＭＳ Ｐゴシック" charset="0"/>
+              </a:rPr>
+              <a:t>From a user search</a:t>
+            </a:r>
+          </a:p>
+          <a:p>
+            <a:pPr lvl="1"/>
+            <a:r>
+              <a:rPr lang="en-US" sz="3000">
+                <a:latin typeface="Arial" charset="0"/>
+                <a:ea typeface="ＭＳ Ｐゴシック" charset="0"/>
+              </a:rPr>
+              <a:t>From metadata for the currently playing video</a:t>
+            </a:r>
+          </a:p>
+          <a:p>
+            <a:pPr lvl="1"/>
+            <a:r>
+              <a:rPr lang="en-US" sz="3000">
+                <a:latin typeface="Arial" charset="0"/>
+                <a:ea typeface="ＭＳ Ｐゴシック" charset="0"/>
+              </a:rPr>
+              <a:t>From other content on the page</a:t>
+            </a:r>
           </a:p>
         </p:txBody>
       </p:sp>
     </p:spTree>
     <p:extLst>
       <p:ext uri="{BB962C8B-B14F-4D97-AF65-F5344CB8AC3E}">
-        <p14:creationId xmlns:p14="http://schemas.microsoft.com/office/powerpoint/2010/main" val="1723545958"/>
+        <p14:creationId xmlns:p14="http://schemas.microsoft.com/office/powerpoint/2010/main" val="1480419295"/>
       </p:ext>
     </p:extLst>
   </p:cSld>
@@ -5544,7 +5586,7 @@
       </p:grpSpPr>
       <p:sp>
         <p:nvSpPr>
-          <p:cNvPr id="3" name="Title 2"/>
+          <p:cNvPr id="57345" name="Title 1"/>
           <p:cNvSpPr>
             <a:spLocks noGrp="1"/>
           </p:cNvSpPr>
@@ -5552,22 +5594,29 @@
             <p:ph type="title"/>
           </p:nvPr>
         </p:nvSpPr>
-        <p:spPr/>
+        <p:spPr>
+          <a:xfrm>
+            <a:off x="541338" y="300038"/>
+            <a:ext cx="14724062" cy="1449387"/>
+          </a:xfrm>
+        </p:spPr>
         <p:txBody>
           <a:bodyPr/>
           <a:lstStyle/>
           <a:p>
             <a:r>
-              <a:rPr lang="en-US" dirty="0" smtClean="0"/>
-              <a:t>Title</a:t>
-            </a:r>
-            <a:endParaRPr lang="en-US" dirty="0"/>
-          </a:p>
-        </p:txBody>
-      </p:sp>
-      <p:sp>
-        <p:nvSpPr>
-          <p:cNvPr id="4" name="Content Placeholder 3"/>
+              <a:rPr lang="en-US">
+                <a:latin typeface="Arial" charset="0"/>
+                <a:ea typeface="ＭＳ Ｐゴシック" charset="0"/>
+              </a:rPr>
+              <a:t>The Media API and the Player API</a:t>
+            </a:r>
+          </a:p>
+        </p:txBody>
+      </p:sp>
+      <p:sp>
+        <p:nvSpPr>
+          <p:cNvPr id="57346" name="Content Placeholder 2"/>
           <p:cNvSpPr>
             <a:spLocks noGrp="1"/>
           </p:cNvSpPr>
@@ -5575,27 +5624,644 @@
             <p:ph idx="1"/>
           </p:nvPr>
         </p:nvSpPr>
-        <p:spPr/>
-        <p:txBody>
-          <a:bodyPr>
-            <a:normAutofit/>
+        <p:spPr>
+          <a:xfrm>
+            <a:off x="541338" y="1911350"/>
+            <a:ext cx="15878175" cy="6202363"/>
+          </a:xfrm>
+        </p:spPr>
+        <p:txBody>
+          <a:bodyPr/>
+          <a:lstStyle/>
+          <a:p>
+            <a:r>
+              <a:rPr lang="en-US" sz="3000">
+                <a:latin typeface="Arial" charset="0"/>
+                <a:ea typeface="ＭＳ Ｐゴシック" charset="0"/>
+              </a:rPr>
+              <a:t>In many cases, you will want to provide a way to play the videos – you can easily do this by using the Media API together with the Player API</a:t>
+            </a:r>
+          </a:p>
+          <a:p>
+            <a:endParaRPr lang="en-US">
+              <a:latin typeface="Arial" charset="0"/>
+              <a:ea typeface="ＭＳ Ｐゴシック" charset="0"/>
+            </a:endParaRPr>
+          </a:p>
+        </p:txBody>
+      </p:sp>
+      <p:sp>
+        <p:nvSpPr>
+          <p:cNvPr id="57347" name="Slide Number Placeholder 3"/>
+          <p:cNvSpPr>
+            <a:spLocks noGrp="1"/>
+          </p:cNvSpPr>
+          <p:nvPr>
+            <p:ph type="sldNum" sz="quarter" idx="10"/>
+          </p:nvPr>
+        </p:nvSpPr>
+        <p:spPr bwMode="auto">
+          <a:noFill/>
+          <a:extLst>
+            <a:ext uri="{909E8E84-426E-40dd-AFC4-6F175D3DCCD1}">
+              <a14:hiddenFill xmlns:a14="http://schemas.microsoft.com/office/drawing/2010/main">
+                <a:solidFill>
+                  <a:srgbClr val="FFFFFF"/>
+                </a:solidFill>
+              </a14:hiddenFill>
+            </a:ext>
+            <a:ext uri="{91240B29-F687-4f45-9708-019B960494DF}">
+              <a14:hiddenLine xmlns:a14="http://schemas.microsoft.com/office/drawing/2010/main" w="9525">
+                <a:solidFill>
+                  <a:srgbClr val="000000"/>
+                </a:solidFill>
+                <a:miter lim="800000"/>
+                <a:headEnd/>
+                <a:tailEnd/>
+              </a14:hiddenLine>
+            </a:ext>
+          </a:extLst>
+        </p:spPr>
+        <p:txBody>
+          <a:bodyPr/>
+          <a:lstStyle>
+            <a:lvl1pPr eaLnBrk="0" hangingPunct="0">
+              <a:defRPr sz="3000">
+                <a:solidFill>
+                  <a:schemeClr val="tx1"/>
+                </a:solidFill>
+                <a:latin typeface="Arial" charset="0"/>
+                <a:ea typeface="ＭＳ Ｐゴシック" charset="0"/>
+                <a:cs typeface="ＭＳ Ｐゴシック" charset="0"/>
+              </a:defRPr>
+            </a:lvl1pPr>
+            <a:lvl2pPr marL="742950" indent="-285750" eaLnBrk="0" hangingPunct="0">
+              <a:defRPr sz="3000">
+                <a:solidFill>
+                  <a:schemeClr val="tx1"/>
+                </a:solidFill>
+                <a:latin typeface="Arial" charset="0"/>
+                <a:ea typeface="ＭＳ Ｐゴシック" charset="0"/>
+              </a:defRPr>
+            </a:lvl2pPr>
+            <a:lvl3pPr marL="1143000" indent="-228600" eaLnBrk="0" hangingPunct="0">
+              <a:defRPr sz="3000">
+                <a:solidFill>
+                  <a:schemeClr val="tx1"/>
+                </a:solidFill>
+                <a:latin typeface="Arial" charset="0"/>
+                <a:ea typeface="ＭＳ Ｐゴシック" charset="0"/>
+              </a:defRPr>
+            </a:lvl3pPr>
+            <a:lvl4pPr marL="1600200" indent="-228600" eaLnBrk="0" hangingPunct="0">
+              <a:defRPr sz="3000">
+                <a:solidFill>
+                  <a:schemeClr val="tx1"/>
+                </a:solidFill>
+                <a:latin typeface="Arial" charset="0"/>
+                <a:ea typeface="ＭＳ Ｐゴシック" charset="0"/>
+              </a:defRPr>
+            </a:lvl4pPr>
+            <a:lvl5pPr marL="2057400" indent="-228600" eaLnBrk="0" hangingPunct="0">
+              <a:defRPr sz="3000">
+                <a:solidFill>
+                  <a:schemeClr val="tx1"/>
+                </a:solidFill>
+                <a:latin typeface="Arial" charset="0"/>
+                <a:ea typeface="ＭＳ Ｐゴシック" charset="0"/>
+              </a:defRPr>
+            </a:lvl5pPr>
+            <a:lvl6pPr marL="2514600" indent="-228600" defTabSz="773113" eaLnBrk="0" fontAlgn="base" hangingPunct="0">
+              <a:spcBef>
+                <a:spcPct val="0"/>
+              </a:spcBef>
+              <a:spcAft>
+                <a:spcPct val="0"/>
+              </a:spcAft>
+              <a:defRPr sz="3000">
+                <a:solidFill>
+                  <a:schemeClr val="tx1"/>
+                </a:solidFill>
+                <a:latin typeface="Arial" charset="0"/>
+                <a:ea typeface="ＭＳ Ｐゴシック" charset="0"/>
+              </a:defRPr>
+            </a:lvl6pPr>
+            <a:lvl7pPr marL="2971800" indent="-228600" defTabSz="773113" eaLnBrk="0" fontAlgn="base" hangingPunct="0">
+              <a:spcBef>
+                <a:spcPct val="0"/>
+              </a:spcBef>
+              <a:spcAft>
+                <a:spcPct val="0"/>
+              </a:spcAft>
+              <a:defRPr sz="3000">
+                <a:solidFill>
+                  <a:schemeClr val="tx1"/>
+                </a:solidFill>
+                <a:latin typeface="Arial" charset="0"/>
+                <a:ea typeface="ＭＳ Ｐゴシック" charset="0"/>
+              </a:defRPr>
+            </a:lvl7pPr>
+            <a:lvl8pPr marL="3429000" indent="-228600" defTabSz="773113" eaLnBrk="0" fontAlgn="base" hangingPunct="0">
+              <a:spcBef>
+                <a:spcPct val="0"/>
+              </a:spcBef>
+              <a:spcAft>
+                <a:spcPct val="0"/>
+              </a:spcAft>
+              <a:defRPr sz="3000">
+                <a:solidFill>
+                  <a:schemeClr val="tx1"/>
+                </a:solidFill>
+                <a:latin typeface="Arial" charset="0"/>
+                <a:ea typeface="ＭＳ Ｐゴシック" charset="0"/>
+              </a:defRPr>
+            </a:lvl8pPr>
+            <a:lvl9pPr marL="3886200" indent="-228600" defTabSz="773113" eaLnBrk="0" fontAlgn="base" hangingPunct="0">
+              <a:spcBef>
+                <a:spcPct val="0"/>
+              </a:spcBef>
+              <a:spcAft>
+                <a:spcPct val="0"/>
+              </a:spcAft>
+              <a:defRPr sz="3000">
+                <a:solidFill>
+                  <a:schemeClr val="tx1"/>
+                </a:solidFill>
+                <a:latin typeface="Arial" charset="0"/>
+                <a:ea typeface="ＭＳ Ｐゴシック" charset="0"/>
+              </a:defRPr>
+            </a:lvl9pPr>
+          </a:lstStyle>
+          <a:p>
+            <a:pPr eaLnBrk="1" hangingPunct="1"/>
+            <a:fld id="{BED688D4-BF7C-9B40-ACE9-B09FFDC48284}" type="slidenum">
+              <a:rPr lang="en-US" sz="1400">
+                <a:solidFill>
+                  <a:srgbClr val="FBFCFF"/>
+                </a:solidFill>
+              </a:rPr>
+              <a:pPr eaLnBrk="1" hangingPunct="1"/>
+              <a:t>3</a:t>
+            </a:fld>
+            <a:endParaRPr lang="en-US" sz="1400">
+              <a:solidFill>
+                <a:srgbClr val="FBFCFF"/>
+              </a:solidFill>
+            </a:endParaRPr>
+          </a:p>
+        </p:txBody>
+      </p:sp>
+      <p:sp>
+        <p:nvSpPr>
+          <p:cNvPr id="57348" name="TextBox 4"/>
+          <p:cNvSpPr txBox="1">
+            <a:spLocks noChangeArrowheads="1"/>
+          </p:cNvSpPr>
+          <p:nvPr/>
+        </p:nvSpPr>
+        <p:spPr bwMode="auto">
+          <a:xfrm>
+            <a:off x="1444625" y="3357563"/>
+            <a:ext cx="11733213" cy="4772025"/>
+          </a:xfrm>
+          <a:prstGeom prst="rect">
+            <a:avLst/>
+          </a:prstGeom>
+          <a:noFill/>
+          <a:ln>
+            <a:noFill/>
+          </a:ln>
+          <a:extLst>
+            <a:ext uri="{909E8E84-426E-40dd-AFC4-6F175D3DCCD1}">
+              <a14:hiddenFill xmlns:a14="http://schemas.microsoft.com/office/drawing/2010/main">
+                <a:solidFill>
+                  <a:srgbClr val="FFFFFF"/>
+                </a:solidFill>
+              </a14:hiddenFill>
+            </a:ext>
+            <a:ext uri="{91240B29-F687-4f45-9708-019B960494DF}">
+              <a14:hiddenLine xmlns:a14="http://schemas.microsoft.com/office/drawing/2010/main" w="9525">
+                <a:solidFill>
+                  <a:srgbClr val="000000"/>
+                </a:solidFill>
+                <a:miter lim="800000"/>
+                <a:headEnd/>
+                <a:tailEnd/>
+              </a14:hiddenLine>
+            </a:ext>
+          </a:extLst>
+        </p:spPr>
+        <p:txBody>
+          <a:bodyPr wrap="none" lIns="154707" tIns="77354" rIns="154707" bIns="77354">
+            <a:spAutoFit/>
           </a:bodyPr>
-          <a:lstStyle/>
-          <a:p>
-            <a:r>
-              <a:rPr lang="en-US" sz="3200" dirty="0" smtClean="0"/>
-              <a:t>Content</a:t>
-            </a:r>
-          </a:p>
-          <a:p>
-            <a:endParaRPr lang="en-US" sz="3200" dirty="0"/>
+          <a:lstStyle>
+            <a:lvl1pPr eaLnBrk="0" hangingPunct="0">
+              <a:defRPr sz="3000">
+                <a:solidFill>
+                  <a:schemeClr val="tx1"/>
+                </a:solidFill>
+                <a:latin typeface="Arial" charset="0"/>
+                <a:ea typeface="ＭＳ Ｐゴシック" charset="0"/>
+                <a:cs typeface="ＭＳ Ｐゴシック" charset="0"/>
+              </a:defRPr>
+            </a:lvl1pPr>
+            <a:lvl2pPr marL="742950" indent="-285750" eaLnBrk="0" hangingPunct="0">
+              <a:defRPr sz="3000">
+                <a:solidFill>
+                  <a:schemeClr val="tx1"/>
+                </a:solidFill>
+                <a:latin typeface="Arial" charset="0"/>
+                <a:ea typeface="ＭＳ Ｐゴシック" charset="0"/>
+              </a:defRPr>
+            </a:lvl2pPr>
+            <a:lvl3pPr marL="1143000" indent="-228600" eaLnBrk="0" hangingPunct="0">
+              <a:defRPr sz="3000">
+                <a:solidFill>
+                  <a:schemeClr val="tx1"/>
+                </a:solidFill>
+                <a:latin typeface="Arial" charset="0"/>
+                <a:ea typeface="ＭＳ Ｐゴシック" charset="0"/>
+              </a:defRPr>
+            </a:lvl3pPr>
+            <a:lvl4pPr marL="1600200" indent="-228600" eaLnBrk="0" hangingPunct="0">
+              <a:defRPr sz="3000">
+                <a:solidFill>
+                  <a:schemeClr val="tx1"/>
+                </a:solidFill>
+                <a:latin typeface="Arial" charset="0"/>
+                <a:ea typeface="ＭＳ Ｐゴシック" charset="0"/>
+              </a:defRPr>
+            </a:lvl4pPr>
+            <a:lvl5pPr marL="2057400" indent="-228600" eaLnBrk="0" hangingPunct="0">
+              <a:defRPr sz="3000">
+                <a:solidFill>
+                  <a:schemeClr val="tx1"/>
+                </a:solidFill>
+                <a:latin typeface="Arial" charset="0"/>
+                <a:ea typeface="ＭＳ Ｐゴシック" charset="0"/>
+              </a:defRPr>
+            </a:lvl5pPr>
+            <a:lvl6pPr marL="2514600" indent="-228600" defTabSz="773113" eaLnBrk="0" fontAlgn="base" hangingPunct="0">
+              <a:spcBef>
+                <a:spcPct val="0"/>
+              </a:spcBef>
+              <a:spcAft>
+                <a:spcPct val="0"/>
+              </a:spcAft>
+              <a:defRPr sz="3000">
+                <a:solidFill>
+                  <a:schemeClr val="tx1"/>
+                </a:solidFill>
+                <a:latin typeface="Arial" charset="0"/>
+                <a:ea typeface="ＭＳ Ｐゴシック" charset="0"/>
+              </a:defRPr>
+            </a:lvl6pPr>
+            <a:lvl7pPr marL="2971800" indent="-228600" defTabSz="773113" eaLnBrk="0" fontAlgn="base" hangingPunct="0">
+              <a:spcBef>
+                <a:spcPct val="0"/>
+              </a:spcBef>
+              <a:spcAft>
+                <a:spcPct val="0"/>
+              </a:spcAft>
+              <a:defRPr sz="3000">
+                <a:solidFill>
+                  <a:schemeClr val="tx1"/>
+                </a:solidFill>
+                <a:latin typeface="Arial" charset="0"/>
+                <a:ea typeface="ＭＳ Ｐゴシック" charset="0"/>
+              </a:defRPr>
+            </a:lvl7pPr>
+            <a:lvl8pPr marL="3429000" indent="-228600" defTabSz="773113" eaLnBrk="0" fontAlgn="base" hangingPunct="0">
+              <a:spcBef>
+                <a:spcPct val="0"/>
+              </a:spcBef>
+              <a:spcAft>
+                <a:spcPct val="0"/>
+              </a:spcAft>
+              <a:defRPr sz="3000">
+                <a:solidFill>
+                  <a:schemeClr val="tx1"/>
+                </a:solidFill>
+                <a:latin typeface="Arial" charset="0"/>
+                <a:ea typeface="ＭＳ Ｐゴシック" charset="0"/>
+              </a:defRPr>
+            </a:lvl8pPr>
+            <a:lvl9pPr marL="3886200" indent="-228600" defTabSz="773113" eaLnBrk="0" fontAlgn="base" hangingPunct="0">
+              <a:spcBef>
+                <a:spcPct val="0"/>
+              </a:spcBef>
+              <a:spcAft>
+                <a:spcPct val="0"/>
+              </a:spcAft>
+              <a:defRPr sz="3000">
+                <a:solidFill>
+                  <a:schemeClr val="tx1"/>
+                </a:solidFill>
+                <a:latin typeface="Arial" charset="0"/>
+                <a:ea typeface="ＭＳ Ｐゴシック" charset="0"/>
+              </a:defRPr>
+            </a:lvl9pPr>
+          </a:lstStyle>
+          <a:p>
+            <a:pPr eaLnBrk="1" hangingPunct="1"/>
+            <a:r>
+              <a:rPr lang="en-US">
+                <a:latin typeface="Consolas" charset="0"/>
+                <a:cs typeface="Consolas" charset="0"/>
+              </a:rPr>
+              <a:t>onSearchResponse(data) {</a:t>
+            </a:r>
+          </a:p>
+          <a:p>
+            <a:pPr eaLnBrk="1" hangingPunct="1"/>
+            <a:r>
+              <a:rPr lang="en-US">
+                <a:latin typeface="Consolas" charset="0"/>
+                <a:cs typeface="Consolas" charset="0"/>
+              </a:rPr>
+              <a:t>…</a:t>
+            </a:r>
+          </a:p>
+          <a:p>
+            <a:pPr eaLnBrk="1" hangingPunct="1"/>
+            <a:r>
+              <a:rPr lang="en-US">
+                <a:latin typeface="Consolas" charset="0"/>
+                <a:cs typeface="Consolas" charset="0"/>
+              </a:rPr>
+              <a:t>  str += "&lt;a onclick=\"</a:t>
+            </a:r>
+            <a:r>
+              <a:rPr lang="en-US">
+                <a:solidFill>
+                  <a:srgbClr val="FF0000"/>
+                </a:solidFill>
+                <a:latin typeface="Consolas" charset="0"/>
+                <a:cs typeface="Consolas" charset="0"/>
+              </a:rPr>
+              <a:t>playVideo(" + video.id +")\</a:t>
+            </a:r>
+            <a:r>
+              <a:rPr lang="en-US">
+                <a:latin typeface="Consolas" charset="0"/>
+                <a:cs typeface="Consolas" charset="0"/>
+              </a:rPr>
+              <a:t>"&gt;";</a:t>
+            </a:r>
+          </a:p>
+          <a:p>
+            <a:pPr eaLnBrk="1" hangingPunct="1"/>
+            <a:r>
+              <a:rPr lang="en-US">
+                <a:latin typeface="Consolas" charset="0"/>
+                <a:cs typeface="Consolas" charset="0"/>
+              </a:rPr>
+              <a:t>… </a:t>
+            </a:r>
+          </a:p>
+          <a:p>
+            <a:pPr eaLnBrk="1" hangingPunct="1"/>
+            <a:r>
+              <a:rPr lang="en-US">
+                <a:latin typeface="Consolas" charset="0"/>
+                <a:cs typeface="Consolas" charset="0"/>
+              </a:rPr>
+              <a:t>}</a:t>
+            </a:r>
+          </a:p>
+          <a:p>
+            <a:pPr eaLnBrk="1" hangingPunct="1"/>
+            <a:endParaRPr lang="en-US">
+              <a:latin typeface="Consolas" charset="0"/>
+              <a:cs typeface="Consolas" charset="0"/>
+            </a:endParaRPr>
+          </a:p>
+          <a:p>
+            <a:pPr eaLnBrk="1" hangingPunct="1"/>
+            <a:r>
+              <a:rPr lang="en-US">
+                <a:latin typeface="Consolas" charset="0"/>
+                <a:cs typeface="Consolas" charset="0"/>
+              </a:rPr>
+              <a:t>function </a:t>
+            </a:r>
+            <a:r>
+              <a:rPr lang="en-US">
+                <a:solidFill>
+                  <a:srgbClr val="FF0000"/>
+                </a:solidFill>
+                <a:latin typeface="Consolas" charset="0"/>
+                <a:cs typeface="Consolas" charset="0"/>
+              </a:rPr>
+              <a:t>playVideo(id) </a:t>
+            </a:r>
+            <a:r>
+              <a:rPr lang="en-US">
+                <a:latin typeface="Consolas" charset="0"/>
+                <a:cs typeface="Consolas" charset="0"/>
+              </a:rPr>
+              <a:t>{</a:t>
+            </a:r>
+          </a:p>
+          <a:p>
+            <a:pPr eaLnBrk="1" hangingPunct="1"/>
+            <a:r>
+              <a:rPr lang="en-US">
+                <a:latin typeface="Consolas" charset="0"/>
+                <a:cs typeface="Consolas" charset="0"/>
+              </a:rPr>
+              <a:t>  videoPlayer.loadVideo(id);</a:t>
+            </a:r>
+          </a:p>
+          <a:p>
+            <a:pPr eaLnBrk="1" hangingPunct="1"/>
+            <a:r>
+              <a:rPr lang="en-US">
+                <a:latin typeface="Consolas" charset="0"/>
+                <a:cs typeface="Consolas" charset="0"/>
+              </a:rPr>
+              <a:t>}</a:t>
+            </a:r>
+          </a:p>
+          <a:p>
+            <a:pPr eaLnBrk="1" hangingPunct="1"/>
+            <a:endParaRPr lang="en-US">
+              <a:latin typeface="Monaco" charset="0"/>
+              <a:cs typeface="Monaco" charset="0"/>
+            </a:endParaRPr>
+          </a:p>
+        </p:txBody>
+      </p:sp>
+      <p:sp>
+        <p:nvSpPr>
+          <p:cNvPr id="57349" name="TextBox 5"/>
+          <p:cNvSpPr txBox="1">
+            <a:spLocks noChangeArrowheads="1"/>
+          </p:cNvSpPr>
+          <p:nvPr/>
+        </p:nvSpPr>
+        <p:spPr bwMode="auto">
+          <a:xfrm>
+            <a:off x="1993900" y="8231188"/>
+            <a:ext cx="11942763" cy="679450"/>
+          </a:xfrm>
+          <a:prstGeom prst="rect">
+            <a:avLst/>
+          </a:prstGeom>
+          <a:noFill/>
+          <a:ln>
+            <a:noFill/>
+          </a:ln>
+          <a:extLst>
+            <a:ext uri="{909E8E84-426E-40dd-AFC4-6F175D3DCCD1}">
+              <a14:hiddenFill xmlns:a14="http://schemas.microsoft.com/office/drawing/2010/main">
+                <a:solidFill>
+                  <a:srgbClr val="FFFFFF"/>
+                </a:solidFill>
+              </a14:hiddenFill>
+            </a:ext>
+            <a:ext uri="{91240B29-F687-4f45-9708-019B960494DF}">
+              <a14:hiddenLine xmlns:a14="http://schemas.microsoft.com/office/drawing/2010/main" w="9525">
+                <a:solidFill>
+                  <a:srgbClr val="000000"/>
+                </a:solidFill>
+                <a:miter lim="800000"/>
+                <a:headEnd/>
+                <a:tailEnd/>
+              </a14:hiddenLine>
+            </a:ext>
+          </a:extLst>
+        </p:spPr>
+        <p:txBody>
+          <a:bodyPr wrap="none" lIns="154707" tIns="77354" rIns="154707" bIns="77354">
+            <a:spAutoFit/>
+          </a:bodyPr>
+          <a:lstStyle>
+            <a:lvl1pPr eaLnBrk="0" hangingPunct="0">
+              <a:defRPr sz="3000">
+                <a:solidFill>
+                  <a:schemeClr val="tx1"/>
+                </a:solidFill>
+                <a:latin typeface="Arial" charset="0"/>
+                <a:ea typeface="ＭＳ Ｐゴシック" charset="0"/>
+                <a:cs typeface="ＭＳ Ｐゴシック" charset="0"/>
+              </a:defRPr>
+            </a:lvl1pPr>
+            <a:lvl2pPr marL="742950" indent="-285750" eaLnBrk="0" hangingPunct="0">
+              <a:defRPr sz="3000">
+                <a:solidFill>
+                  <a:schemeClr val="tx1"/>
+                </a:solidFill>
+                <a:latin typeface="Arial" charset="0"/>
+                <a:ea typeface="ＭＳ Ｐゴシック" charset="0"/>
+              </a:defRPr>
+            </a:lvl2pPr>
+            <a:lvl3pPr marL="1143000" indent="-228600" eaLnBrk="0" hangingPunct="0">
+              <a:defRPr sz="3000">
+                <a:solidFill>
+                  <a:schemeClr val="tx1"/>
+                </a:solidFill>
+                <a:latin typeface="Arial" charset="0"/>
+                <a:ea typeface="ＭＳ Ｐゴシック" charset="0"/>
+              </a:defRPr>
+            </a:lvl3pPr>
+            <a:lvl4pPr marL="1600200" indent="-228600" eaLnBrk="0" hangingPunct="0">
+              <a:defRPr sz="3000">
+                <a:solidFill>
+                  <a:schemeClr val="tx1"/>
+                </a:solidFill>
+                <a:latin typeface="Arial" charset="0"/>
+                <a:ea typeface="ＭＳ Ｐゴシック" charset="0"/>
+              </a:defRPr>
+            </a:lvl4pPr>
+            <a:lvl5pPr marL="2057400" indent="-228600" eaLnBrk="0" hangingPunct="0">
+              <a:defRPr sz="3000">
+                <a:solidFill>
+                  <a:schemeClr val="tx1"/>
+                </a:solidFill>
+                <a:latin typeface="Arial" charset="0"/>
+                <a:ea typeface="ＭＳ Ｐゴシック" charset="0"/>
+              </a:defRPr>
+            </a:lvl5pPr>
+            <a:lvl6pPr marL="2514600" indent="-228600" defTabSz="773113" eaLnBrk="0" fontAlgn="base" hangingPunct="0">
+              <a:spcBef>
+                <a:spcPct val="0"/>
+              </a:spcBef>
+              <a:spcAft>
+                <a:spcPct val="0"/>
+              </a:spcAft>
+              <a:defRPr sz="3000">
+                <a:solidFill>
+                  <a:schemeClr val="tx1"/>
+                </a:solidFill>
+                <a:latin typeface="Arial" charset="0"/>
+                <a:ea typeface="ＭＳ Ｐゴシック" charset="0"/>
+              </a:defRPr>
+            </a:lvl6pPr>
+            <a:lvl7pPr marL="2971800" indent="-228600" defTabSz="773113" eaLnBrk="0" fontAlgn="base" hangingPunct="0">
+              <a:spcBef>
+                <a:spcPct val="0"/>
+              </a:spcBef>
+              <a:spcAft>
+                <a:spcPct val="0"/>
+              </a:spcAft>
+              <a:defRPr sz="3000">
+                <a:solidFill>
+                  <a:schemeClr val="tx1"/>
+                </a:solidFill>
+                <a:latin typeface="Arial" charset="0"/>
+                <a:ea typeface="ＭＳ Ｐゴシック" charset="0"/>
+              </a:defRPr>
+            </a:lvl7pPr>
+            <a:lvl8pPr marL="3429000" indent="-228600" defTabSz="773113" eaLnBrk="0" fontAlgn="base" hangingPunct="0">
+              <a:spcBef>
+                <a:spcPct val="0"/>
+              </a:spcBef>
+              <a:spcAft>
+                <a:spcPct val="0"/>
+              </a:spcAft>
+              <a:defRPr sz="3000">
+                <a:solidFill>
+                  <a:schemeClr val="tx1"/>
+                </a:solidFill>
+                <a:latin typeface="Arial" charset="0"/>
+                <a:ea typeface="ＭＳ Ｐゴシック" charset="0"/>
+              </a:defRPr>
+            </a:lvl8pPr>
+            <a:lvl9pPr marL="3886200" indent="-228600" defTabSz="773113" eaLnBrk="0" fontAlgn="base" hangingPunct="0">
+              <a:spcBef>
+                <a:spcPct val="0"/>
+              </a:spcBef>
+              <a:spcAft>
+                <a:spcPct val="0"/>
+              </a:spcAft>
+              <a:defRPr sz="3000">
+                <a:solidFill>
+                  <a:schemeClr val="tx1"/>
+                </a:solidFill>
+                <a:latin typeface="Arial" charset="0"/>
+                <a:ea typeface="ＭＳ Ｐゴシック" charset="0"/>
+              </a:defRPr>
+            </a:lvl9pPr>
+          </a:lstStyle>
+          <a:p>
+            <a:pPr eaLnBrk="1" hangingPunct="1"/>
+            <a:r>
+              <a:rPr lang="en-US" sz="3400"/>
+              <a:t>Take the companion course: </a:t>
+            </a:r>
+            <a:r>
+              <a:rPr lang="en-US" sz="3400" i="1"/>
+              <a:t>Developing with the Player API</a:t>
+            </a:r>
           </a:p>
         </p:txBody>
       </p:sp>
     </p:spTree>
     <p:extLst>
       <p:ext uri="{BB962C8B-B14F-4D97-AF65-F5344CB8AC3E}">
-        <p14:creationId xmlns:p14="http://schemas.microsoft.com/office/powerpoint/2010/main" val="2108713422"/>
+        <p14:creationId xmlns:p14="http://schemas.microsoft.com/office/powerpoint/2010/main" val="555172548"/>
       </p:ext>
     </p:extLst>
   </p:cSld>
@@ -5682,7 +6348,7 @@
     </p:spTree>
     <p:extLst>
       <p:ext uri="{BB962C8B-B14F-4D97-AF65-F5344CB8AC3E}">
-        <p14:creationId xmlns:p14="http://schemas.microsoft.com/office/powerpoint/2010/main" val="2805855639"/>
+        <p14:creationId xmlns:p14="http://schemas.microsoft.com/office/powerpoint/2010/main" val="1723545958"/>
       </p:ext>
     </p:extLst>
   </p:cSld>
@@ -5769,7 +6435,7 @@
     </p:spTree>
     <p:extLst>
       <p:ext uri="{BB962C8B-B14F-4D97-AF65-F5344CB8AC3E}">
-        <p14:creationId xmlns:p14="http://schemas.microsoft.com/office/powerpoint/2010/main" val="2514608167"/>
+        <p14:creationId xmlns:p14="http://schemas.microsoft.com/office/powerpoint/2010/main" val="2108713422"/>
       </p:ext>
     </p:extLst>
   </p:cSld>
@@ -5805,65 +6471,12 @@
       </p:grpSpPr>
       <p:sp>
         <p:nvSpPr>
-          <p:cNvPr id="303106" name="Slide Number Placeholder 3"/>
-          <p:cNvSpPr txBox="1">
-            <a:spLocks noGrp="1"/>
-          </p:cNvSpPr>
-          <p:nvPr/>
-        </p:nvSpPr>
-        <p:spPr bwMode="auto">
-          <a:xfrm>
-            <a:off x="315868" y="9189943"/>
-            <a:ext cx="866378" cy="541514"/>
-          </a:xfrm>
-          <a:prstGeom prst="rect">
-            <a:avLst/>
-          </a:prstGeom>
-          <a:noFill/>
-          <a:ln>
-            <a:miter lim="800000"/>
-            <a:headEnd/>
-            <a:tailEnd/>
-          </a:ln>
-        </p:spPr>
-        <p:txBody>
-          <a:bodyPr lIns="154707" tIns="77354" rIns="154707" bIns="77354"/>
-          <a:lstStyle/>
-          <a:p>
-            <a:pPr eaLnBrk="0" hangingPunct="0">
-              <a:defRPr/>
-            </a:pPr>
-            <a:fld id="{1BD3BB7B-F997-4B7C-BCBE-A063D59C732E}" type="slidenum">
-              <a:rPr lang="en-US" sz="1500" b="1">
-                <a:solidFill>
-                  <a:srgbClr val="7B7B7B"/>
-                </a:solidFill>
-                <a:ea typeface="ＭＳ Ｐゴシック" pitchFamily="34" charset="-128"/>
-                <a:cs typeface="+mn-cs"/>
-              </a:rPr>
-              <a:pPr eaLnBrk="0" hangingPunct="0">
-                <a:defRPr/>
-              </a:pPr>
-              <a:t>6</a:t>
-            </a:fld>
-            <a:endParaRPr lang="en-US" sz="1500" b="1" dirty="0">
-              <a:solidFill>
-                <a:srgbClr val="7B7B7B"/>
-              </a:solidFill>
-              <a:ea typeface="ＭＳ Ｐゴシック" pitchFamily="34" charset="-128"/>
-              <a:cs typeface="+mn-cs"/>
-            </a:endParaRPr>
-          </a:p>
-        </p:txBody>
-      </p:sp>
-      <p:sp>
-        <p:nvSpPr>
-          <p:cNvPr id="5" name="Text Placeholder 4"/>
-          <p:cNvSpPr>
-            <a:spLocks noGrp="1"/>
-          </p:cNvSpPr>
-          <p:nvPr>
-            <p:ph type="body" sz="quarter" idx="10"/>
+          <p:cNvPr id="3" name="Title 2"/>
+          <p:cNvSpPr>
+            <a:spLocks noGrp="1"/>
+          </p:cNvSpPr>
+          <p:nvPr>
+            <p:ph type="title"/>
           </p:nvPr>
         </p:nvSpPr>
         <p:spPr/>
@@ -5873,31 +6486,49 @@
           <a:p>
             <a:r>
               <a:rPr lang="en-US" dirty="0" smtClean="0"/>
-              <a:t>Demo </a:t>
-            </a:r>
-            <a:r>
-              <a:rPr lang="en-US" dirty="0" smtClean="0"/>
-              <a:t>5: Using User Input as Limiting </a:t>
-            </a:r>
-            <a:r>
-              <a:rPr lang="en-US" dirty="0" err="1" smtClean="0"/>
-              <a:t>Parametes</a:t>
-            </a:r>
-            <a:endParaRPr lang="en-US" dirty="0" smtClean="0"/>
+              <a:t>Title</a:t>
+            </a:r>
+            <a:endParaRPr lang="en-US" dirty="0"/>
+          </a:p>
+        </p:txBody>
+      </p:sp>
+      <p:sp>
+        <p:nvSpPr>
+          <p:cNvPr id="4" name="Content Placeholder 3"/>
+          <p:cNvSpPr>
+            <a:spLocks noGrp="1"/>
+          </p:cNvSpPr>
+          <p:nvPr>
+            <p:ph idx="1"/>
+          </p:nvPr>
+        </p:nvSpPr>
+        <p:spPr/>
+        <p:txBody>
+          <a:bodyPr>
+            <a:normAutofit/>
+          </a:bodyPr>
+          <a:lstStyle/>
+          <a:p>
+            <a:r>
+              <a:rPr lang="en-US" sz="3200" dirty="0" smtClean="0"/>
+              <a:t>Content</a:t>
+            </a:r>
+          </a:p>
+          <a:p>
+            <a:endParaRPr lang="en-US" sz="3200" dirty="0"/>
           </a:p>
         </p:txBody>
       </p:sp>
     </p:spTree>
     <p:extLst>
       <p:ext uri="{BB962C8B-B14F-4D97-AF65-F5344CB8AC3E}">
-        <p14:creationId xmlns:p14="http://schemas.microsoft.com/office/powerpoint/2010/main" val="3539376714"/>
+        <p14:creationId xmlns:p14="http://schemas.microsoft.com/office/powerpoint/2010/main" val="2805855639"/>
       </p:ext>
     </p:extLst>
   </p:cSld>
   <p:clrMapOvr>
     <a:masterClrMapping/>
   </p:clrMapOvr>
-  <p:transition xmlns:p14="http://schemas.microsoft.com/office/powerpoint/2010/main"/>
   <p:timing>
     <p:tnLst>
       <p:par>
@@ -5927,6 +6558,215 @@
       </p:grpSpPr>
       <p:sp>
         <p:nvSpPr>
+          <p:cNvPr id="3" name="Title 2"/>
+          <p:cNvSpPr>
+            <a:spLocks noGrp="1"/>
+          </p:cNvSpPr>
+          <p:nvPr>
+            <p:ph type="title"/>
+          </p:nvPr>
+        </p:nvSpPr>
+        <p:spPr/>
+        <p:txBody>
+          <a:bodyPr/>
+          <a:lstStyle/>
+          <a:p>
+            <a:r>
+              <a:rPr lang="en-US" dirty="0" smtClean="0"/>
+              <a:t>Title</a:t>
+            </a:r>
+            <a:endParaRPr lang="en-US" dirty="0"/>
+          </a:p>
+        </p:txBody>
+      </p:sp>
+      <p:sp>
+        <p:nvSpPr>
+          <p:cNvPr id="4" name="Content Placeholder 3"/>
+          <p:cNvSpPr>
+            <a:spLocks noGrp="1"/>
+          </p:cNvSpPr>
+          <p:nvPr>
+            <p:ph idx="1"/>
+          </p:nvPr>
+        </p:nvSpPr>
+        <p:spPr/>
+        <p:txBody>
+          <a:bodyPr>
+            <a:normAutofit/>
+          </a:bodyPr>
+          <a:lstStyle/>
+          <a:p>
+            <a:r>
+              <a:rPr lang="en-US" sz="3200" dirty="0" smtClean="0"/>
+              <a:t>Content</a:t>
+            </a:r>
+          </a:p>
+          <a:p>
+            <a:endParaRPr lang="en-US" sz="3200" dirty="0"/>
+          </a:p>
+        </p:txBody>
+      </p:sp>
+    </p:spTree>
+    <p:extLst>
+      <p:ext uri="{BB962C8B-B14F-4D97-AF65-F5344CB8AC3E}">
+        <p14:creationId xmlns:p14="http://schemas.microsoft.com/office/powerpoint/2010/main" val="2514608167"/>
+      </p:ext>
+    </p:extLst>
+  </p:cSld>
+  <p:clrMapOvr>
+    <a:masterClrMapping/>
+  </p:clrMapOvr>
+  <p:timing>
+    <p:tnLst>
+      <p:par>
+        <p:cTn xmlns:p14="http://schemas.microsoft.com/office/powerpoint/2010/main" id="1" dur="indefinite" restart="never" nodeType="tmRoot"/>
+      </p:par>
+    </p:tnLst>
+  </p:timing>
+</p:sld>
+</file>
+
+<file path=ppt/slides/slide8.xml><?xml version="1.0" encoding="utf-8"?>
+<p:sld xmlns:a="http://schemas.openxmlformats.org/drawingml/2006/main" xmlns:r="http://schemas.openxmlformats.org/officeDocument/2006/relationships" xmlns:p="http://schemas.openxmlformats.org/presentationml/2006/main">
+  <p:cSld>
+    <p:spTree>
+      <p:nvGrpSpPr>
+        <p:cNvPr id="1" name=""/>
+        <p:cNvGrpSpPr/>
+        <p:nvPr/>
+      </p:nvGrpSpPr>
+      <p:grpSpPr>
+        <a:xfrm>
+          <a:off x="0" y="0"/>
+          <a:ext cx="0" cy="0"/>
+          <a:chOff x="0" y="0"/>
+          <a:chExt cx="0" cy="0"/>
+        </a:xfrm>
+      </p:grpSpPr>
+      <p:sp>
+        <p:nvSpPr>
+          <p:cNvPr id="303106" name="Slide Number Placeholder 3"/>
+          <p:cNvSpPr txBox="1">
+            <a:spLocks noGrp="1"/>
+          </p:cNvSpPr>
+          <p:nvPr/>
+        </p:nvSpPr>
+        <p:spPr bwMode="auto">
+          <a:xfrm>
+            <a:off x="315868" y="9189943"/>
+            <a:ext cx="866378" cy="541514"/>
+          </a:xfrm>
+          <a:prstGeom prst="rect">
+            <a:avLst/>
+          </a:prstGeom>
+          <a:noFill/>
+          <a:ln>
+            <a:miter lim="800000"/>
+            <a:headEnd/>
+            <a:tailEnd/>
+          </a:ln>
+        </p:spPr>
+        <p:txBody>
+          <a:bodyPr lIns="154707" tIns="77354" rIns="154707" bIns="77354"/>
+          <a:lstStyle/>
+          <a:p>
+            <a:pPr eaLnBrk="0" hangingPunct="0">
+              <a:defRPr/>
+            </a:pPr>
+            <a:fld id="{1BD3BB7B-F997-4B7C-BCBE-A063D59C732E}" type="slidenum">
+              <a:rPr lang="en-US" sz="1500" b="1">
+                <a:solidFill>
+                  <a:srgbClr val="7B7B7B"/>
+                </a:solidFill>
+                <a:ea typeface="ＭＳ Ｐゴシック" pitchFamily="34" charset="-128"/>
+                <a:cs typeface="+mn-cs"/>
+              </a:rPr>
+              <a:pPr eaLnBrk="0" hangingPunct="0">
+                <a:defRPr/>
+              </a:pPr>
+              <a:t>8</a:t>
+            </a:fld>
+            <a:endParaRPr lang="en-US" sz="1500" b="1" dirty="0">
+              <a:solidFill>
+                <a:srgbClr val="7B7B7B"/>
+              </a:solidFill>
+              <a:ea typeface="ＭＳ Ｐゴシック" pitchFamily="34" charset="-128"/>
+              <a:cs typeface="+mn-cs"/>
+            </a:endParaRPr>
+          </a:p>
+        </p:txBody>
+      </p:sp>
+      <p:sp>
+        <p:nvSpPr>
+          <p:cNvPr id="5" name="Text Placeholder 4"/>
+          <p:cNvSpPr>
+            <a:spLocks noGrp="1"/>
+          </p:cNvSpPr>
+          <p:nvPr>
+            <p:ph type="body" sz="quarter" idx="10"/>
+          </p:nvPr>
+        </p:nvSpPr>
+        <p:spPr/>
+        <p:txBody>
+          <a:bodyPr/>
+          <a:lstStyle/>
+          <a:p>
+            <a:r>
+              <a:rPr lang="en-US" dirty="0" smtClean="0"/>
+              <a:t>Demo 5: Using User Input as </a:t>
+            </a:r>
+            <a:r>
+              <a:rPr lang="en-US" smtClean="0"/>
+              <a:t>Limiting </a:t>
+            </a:r>
+            <a:r>
+              <a:rPr lang="en-US" smtClean="0"/>
+              <a:t>Parameters</a:t>
+            </a:r>
+            <a:endParaRPr lang="en-US" dirty="0" smtClean="0"/>
+          </a:p>
+        </p:txBody>
+      </p:sp>
+    </p:spTree>
+    <p:extLst>
+      <p:ext uri="{BB962C8B-B14F-4D97-AF65-F5344CB8AC3E}">
+        <p14:creationId xmlns:p14="http://schemas.microsoft.com/office/powerpoint/2010/main" val="3539376714"/>
+      </p:ext>
+    </p:extLst>
+  </p:cSld>
+  <p:clrMapOvr>
+    <a:masterClrMapping/>
+  </p:clrMapOvr>
+  <p:transition xmlns:p14="http://schemas.microsoft.com/office/powerpoint/2010/main"/>
+  <p:timing>
+    <p:tnLst>
+      <p:par>
+        <p:cTn xmlns:p14="http://schemas.microsoft.com/office/powerpoint/2010/main" id="1" dur="indefinite" restart="never" nodeType="tmRoot"/>
+      </p:par>
+    </p:tnLst>
+  </p:timing>
+</p:sld>
+</file>
+
+<file path=ppt/slides/slide9.xml><?xml version="1.0" encoding="utf-8"?>
+<p:sld xmlns:a="http://schemas.openxmlformats.org/drawingml/2006/main" xmlns:r="http://schemas.openxmlformats.org/officeDocument/2006/relationships" xmlns:p="http://schemas.openxmlformats.org/presentationml/2006/main">
+  <p:cSld>
+    <p:spTree>
+      <p:nvGrpSpPr>
+        <p:cNvPr id="1" name=""/>
+        <p:cNvGrpSpPr/>
+        <p:nvPr/>
+      </p:nvGrpSpPr>
+      <p:grpSpPr>
+        <a:xfrm>
+          <a:off x="0" y="0"/>
+          <a:ext cx="0" cy="0"/>
+          <a:chOff x="0" y="0"/>
+          <a:chExt cx="0" cy="0"/>
+        </a:xfrm>
+      </p:grpSpPr>
+      <p:sp>
+        <p:nvSpPr>
           <p:cNvPr id="3" name="Text Placeholder 2"/>
           <p:cNvSpPr>
             <a:spLocks noGrp="1"/>
@@ -6001,7 +6841,7 @@
               <a:pPr>
                 <a:defRPr/>
               </a:pPr>
-              <a:t>7</a:t>
+              <a:t>9</a:t>
             </a:fld>
             <a:endParaRPr lang="en-US" dirty="0"/>
           </a:p>

--- a/VideoSessionsMaterials/getting-user-input.pptx
+++ b/VideoSessionsMaterials/getting-user-input.pptx
@@ -1,22 +1,17 @@
 
 <file path=ppt/presentation.xml><?xml version="1.0" encoding="utf-8"?>
-<p:presentation xmlns:a="http://schemas.openxmlformats.org/drawingml/2006/main" xmlns:r="http://schemas.openxmlformats.org/officeDocument/2006/relationships" xmlns:p="http://schemas.openxmlformats.org/presentationml/2006/main" showSpecialPlsOnTitleSld="0" saveSubsetFonts="1" autoCompressPictures="0">
+<p:presentation xmlns:a="http://schemas.openxmlformats.org/drawingml/2006/main" xmlns:r="http://schemas.openxmlformats.org/officeDocument/2006/relationships" xmlns:mc="http://schemas.openxmlformats.org/markup-compatibility/2006" xmlns:mv="urn:schemas-microsoft-com:mac:vml" xmlns:p="http://schemas.openxmlformats.org/presentationml/2006/main" mc:Ignorable="mv" mc:PreserveAttributes="mv:*" showSpecialPlsOnTitleSld="0" saveSubsetFonts="1" autoCompressPictures="0">
   <p:sldMasterIdLst>
     <p:sldMasterId id="2147483648" r:id="rId1"/>
   </p:sldMasterIdLst>
   <p:notesMasterIdLst>
-    <p:notesMasterId r:id="rId11"/>
+    <p:notesMasterId r:id="rId6"/>
   </p:notesMasterIdLst>
   <p:sldIdLst>
     <p:sldId id="364" r:id="rId2"/>
     <p:sldId id="370" r:id="rId3"/>
-    <p:sldId id="371" r:id="rId4"/>
-    <p:sldId id="326" r:id="rId5"/>
-    <p:sldId id="367" r:id="rId6"/>
-    <p:sldId id="368" r:id="rId7"/>
-    <p:sldId id="369" r:id="rId8"/>
-    <p:sldId id="366" r:id="rId9"/>
-    <p:sldId id="322" r:id="rId10"/>
+    <p:sldId id="366" r:id="rId4"/>
+    <p:sldId id="322" r:id="rId5"/>
   </p:sldIdLst>
   <p:sldSz cx="17327563" cy="9747250"/>
   <p:notesSz cx="6858000" cy="9144000"/>
@@ -149,7 +144,7 @@
 </file>
 
 <file path=ppt/notesMasters/notesMaster1.xml><?xml version="1.0" encoding="utf-8"?>
-<p:notesMaster xmlns:a="http://schemas.openxmlformats.org/drawingml/2006/main" xmlns:r="http://schemas.openxmlformats.org/officeDocument/2006/relationships" xmlns:p="http://schemas.openxmlformats.org/presentationml/2006/main">
+<p:notesMaster xmlns:a="http://schemas.openxmlformats.org/drawingml/2006/main" xmlns:r="http://schemas.openxmlformats.org/officeDocument/2006/relationships" xmlns:mc="http://schemas.openxmlformats.org/markup-compatibility/2006" xmlns:mv="urn:schemas-microsoft-com:mac:vml" xmlns:p="http://schemas.openxmlformats.org/presentationml/2006/main" mc:Ignorable="mv" mc:PreserveAttributes="mv:*">
   <p:cSld>
     <p:bg>
       <p:bgRef idx="1001">
@@ -231,7 +226,7 @@
             <a:fld id="{DDC063FE-8627-9A42-970F-0BBEEB02B587}" type="datetimeFigureOut">
               <a:rPr lang="en-US" smtClean="0"/>
               <a:pPr/>
-              <a:t>12/5/13</a:t>
+              <a:t>12/9/13</a:t>
             </a:fld>
             <a:endParaRPr lang="en-US" dirty="0"/>
           </a:p>
@@ -400,7 +395,7 @@
     </p:spTree>
     <p:extLst>
       <p:ext uri="{BB962C8B-B14F-4D97-AF65-F5344CB8AC3E}">
-        <p14:creationId xmlns:p14="http://schemas.microsoft.com/office/powerpoint/2010/main" val="4045051341"/>
+        <p14:creationId xmlns:p14="http://schemas.microsoft.com/office/powerpoint/2010/main" xmlns:p="http://schemas.openxmlformats.org/presentationml/2006/main" xmlns:r="http://schemas.openxmlformats.org/officeDocument/2006/relationships" xmlns:a="http://schemas.openxmlformats.org/drawingml/2006/main" xmlns="" val="4045051341"/>
       </p:ext>
     </p:extLst>
   </p:cSld>
@@ -501,7 +496,7 @@
 </file>
 
 <file path=ppt/notesSlides/notesSlide1.xml><?xml version="1.0" encoding="utf-8"?>
-<p:notes xmlns:a="http://schemas.openxmlformats.org/drawingml/2006/main" xmlns:r="http://schemas.openxmlformats.org/officeDocument/2006/relationships" xmlns:p="http://schemas.openxmlformats.org/presentationml/2006/main">
+<p:notes xmlns:a="http://schemas.openxmlformats.org/drawingml/2006/main" xmlns:r="http://schemas.openxmlformats.org/officeDocument/2006/relationships" xmlns:mc="http://schemas.openxmlformats.org/markup-compatibility/2006" xmlns:mv="urn:schemas-microsoft-com:mac:vml" xmlns:p="http://schemas.openxmlformats.org/presentationml/2006/main" mc:Ignorable="mv" mc:PreserveAttributes="mv:*">
   <p:cSld>
     <p:spTree>
       <p:nvGrpSpPr>
@@ -575,7 +570,7 @@
     </p:spTree>
     <p:extLst>
       <p:ext uri="{BB962C8B-B14F-4D97-AF65-F5344CB8AC3E}">
-        <p14:creationId xmlns:p14="http://schemas.microsoft.com/office/powerpoint/2010/main" val="3250658828"/>
+        <p14:creationId xmlns:p14="http://schemas.microsoft.com/office/powerpoint/2010/main" xmlns:p="http://schemas.openxmlformats.org/presentationml/2006/main" xmlns:r="http://schemas.openxmlformats.org/officeDocument/2006/relationships" xmlns:a="http://schemas.openxmlformats.org/drawingml/2006/main" xmlns="" val="3250658828"/>
       </p:ext>
     </p:extLst>
   </p:cSld>
@@ -586,7 +581,7 @@
 </file>
 
 <file path=ppt/notesSlides/notesSlide2.xml><?xml version="1.0" encoding="utf-8"?>
-<p:notes xmlns:a="http://schemas.openxmlformats.org/drawingml/2006/main" xmlns:r="http://schemas.openxmlformats.org/officeDocument/2006/relationships" xmlns:p="http://schemas.openxmlformats.org/presentationml/2006/main">
+<p:notes xmlns:a="http://schemas.openxmlformats.org/drawingml/2006/main" xmlns:r="http://schemas.openxmlformats.org/officeDocument/2006/relationships" xmlns:mc="http://schemas.openxmlformats.org/markup-compatibility/2006" xmlns:mv="urn:schemas-microsoft-com:mac:vml" xmlns:p="http://schemas.openxmlformats.org/presentationml/2006/main" mc:Ignorable="mv" mc:PreserveAttributes="mv:*">
   <p:cSld>
     <p:spTree>
       <p:nvGrpSpPr>
@@ -604,65 +599,91 @@
       </p:grpSpPr>
       <p:sp>
         <p:nvSpPr>
-          <p:cNvPr id="2" name="Slide Image Placeholder 1"/>
-          <p:cNvSpPr>
-            <a:spLocks noGrp="1" noRot="1" noChangeAspect="1"/>
+          <p:cNvPr id="304129" name="Rectangle 7"/>
+          <p:cNvSpPr txBox="1">
+            <a:spLocks noGrp="1" noChangeArrowheads="1"/>
+          </p:cNvSpPr>
+          <p:nvPr/>
+        </p:nvSpPr>
+        <p:spPr bwMode="auto">
+          <a:xfrm>
+            <a:off x="3886200" y="8686489"/>
+            <a:ext cx="2971800" cy="457512"/>
+          </a:xfrm>
+          <a:prstGeom prst="rect">
+            <a:avLst/>
+          </a:prstGeom>
+          <a:noFill/>
+          <a:ln>
+            <a:miter lim="800000"/>
+            <a:headEnd/>
+            <a:tailEnd/>
+          </a:ln>
+        </p:spPr>
+        <p:txBody>
+          <a:bodyPr anchor="b"/>
+          <a:lstStyle/>
+          <a:p>
+            <a:pPr algn="r" eaLnBrk="0" hangingPunct="0">
+              <a:defRPr/>
+            </a:pPr>
+            <a:fld id="{5639B2D1-4F62-47BF-B141-83C0868A9AB5}" type="slidenum">
+              <a:rPr lang="en-US" sz="1200">
+                <a:ea typeface="ＭＳ Ｐゴシック" pitchFamily="34" charset="-128"/>
+                <a:cs typeface="+mn-cs"/>
+              </a:rPr>
+              <a:pPr algn="r" eaLnBrk="0" hangingPunct="0">
+                <a:defRPr/>
+              </a:pPr>
+              <a:t>3</a:t>
+            </a:fld>
+            <a:endParaRPr lang="en-US" sz="1200" dirty="0">
+              <a:ea typeface="ＭＳ Ｐゴシック" pitchFamily="34" charset="-128"/>
+              <a:cs typeface="+mn-cs"/>
+            </a:endParaRPr>
+          </a:p>
+        </p:txBody>
+      </p:sp>
+      <p:sp>
+        <p:nvSpPr>
+          <p:cNvPr id="97282" name="Rectangle 2"/>
+          <p:cNvSpPr>
+            <a:spLocks noGrp="1" noRot="1" noChangeAspect="1" noChangeArrowheads="1" noTextEdit="1"/>
           </p:cNvSpPr>
           <p:nvPr>
             <p:ph type="sldImg"/>
           </p:nvPr>
         </p:nvSpPr>
-        <p:spPr/>
-      </p:sp>
-      <p:sp>
-        <p:nvSpPr>
-          <p:cNvPr id="3" name="Notes Placeholder 2"/>
-          <p:cNvSpPr>
-            <a:spLocks noGrp="1"/>
+        <p:spPr>
+          <a:ln/>
+        </p:spPr>
+      </p:sp>
+      <p:sp>
+        <p:nvSpPr>
+          <p:cNvPr id="97283" name="Rectangle 3"/>
+          <p:cNvSpPr>
+            <a:spLocks noGrp="1" noChangeArrowheads="1"/>
           </p:cNvSpPr>
           <p:nvPr>
             <p:ph type="body" idx="1"/>
           </p:nvPr>
         </p:nvSpPr>
-        <p:spPr/>
+        <p:spPr>
+          <a:noFill/>
+          <a:ln/>
+        </p:spPr>
         <p:txBody>
           <a:bodyPr/>
           <a:lstStyle/>
           <a:p>
-            <a:endParaRPr lang="en-US"/>
-          </a:p>
-        </p:txBody>
-      </p:sp>
-      <p:sp>
-        <p:nvSpPr>
-          <p:cNvPr id="4" name="Slide Number Placeholder 3"/>
-          <p:cNvSpPr>
-            <a:spLocks noGrp="1"/>
-          </p:cNvSpPr>
-          <p:nvPr>
-            <p:ph type="sldNum" sz="quarter" idx="10"/>
-          </p:nvPr>
-        </p:nvSpPr>
-        <p:spPr/>
-        <p:txBody>
-          <a:bodyPr/>
-          <a:lstStyle/>
-          <a:p>
-            <a:fld id="{3560C2FB-C494-1A46-A471-884A4E75440F}" type="slidenum">
-              <a:rPr lang="en-US" smtClean="0"/>
-              <a:pPr/>
-              <a:t>4</a:t>
-            </a:fld>
-            <a:endParaRPr lang="en-US" dirty="0"/>
+            <a:pPr eaLnBrk="1" hangingPunct="1"/>
+            <a:endParaRPr lang="en-US" dirty="0" smtClean="0">
+              <a:ea typeface="ＭＳ Ｐゴシック"/>
+            </a:endParaRPr>
           </a:p>
         </p:txBody>
       </p:sp>
     </p:spTree>
-    <p:extLst>
-      <p:ext uri="{BB962C8B-B14F-4D97-AF65-F5344CB8AC3E}">
-        <p14:creationId xmlns:p14="http://schemas.microsoft.com/office/powerpoint/2010/main" val="963676054"/>
-      </p:ext>
-    </p:extLst>
   </p:cSld>
   <p:clrMapOvr>
     <a:masterClrMapping/>
@@ -671,7 +692,7 @@
 </file>
 
 <file path=ppt/notesSlides/notesSlide3.xml><?xml version="1.0" encoding="utf-8"?>
-<p:notes xmlns:a="http://schemas.openxmlformats.org/drawingml/2006/main" xmlns:r="http://schemas.openxmlformats.org/officeDocument/2006/relationships" xmlns:p="http://schemas.openxmlformats.org/presentationml/2006/main">
+<p:notes xmlns:a="http://schemas.openxmlformats.org/drawingml/2006/main" xmlns:r="http://schemas.openxmlformats.org/officeDocument/2006/relationships" xmlns:mc="http://schemas.openxmlformats.org/markup-compatibility/2006" xmlns:mv="urn:schemas-microsoft-com:mac:vml" xmlns:p="http://schemas.openxmlformats.org/presentationml/2006/main" mc:Ignorable="mv" mc:PreserveAttributes="mv:*">
   <p:cSld>
     <p:spTree>
       <p:nvGrpSpPr>
@@ -736,7 +757,7 @@
             <a:fld id="{3560C2FB-C494-1A46-A471-884A4E75440F}" type="slidenum">
               <a:rPr lang="en-US" smtClean="0"/>
               <a:pPr/>
-              <a:t>5</a:t>
+              <a:t>4</a:t>
             </a:fld>
             <a:endParaRPr lang="en-US" dirty="0"/>
           </a:p>
@@ -745,373 +766,7 @@
     </p:spTree>
     <p:extLst>
       <p:ext uri="{BB962C8B-B14F-4D97-AF65-F5344CB8AC3E}">
-        <p14:creationId xmlns:p14="http://schemas.microsoft.com/office/powerpoint/2010/main" val="963676054"/>
-      </p:ext>
-    </p:extLst>
-  </p:cSld>
-  <p:clrMapOvr>
-    <a:masterClrMapping/>
-  </p:clrMapOvr>
-</p:notes>
-</file>
-
-<file path=ppt/notesSlides/notesSlide4.xml><?xml version="1.0" encoding="utf-8"?>
-<p:notes xmlns:a="http://schemas.openxmlformats.org/drawingml/2006/main" xmlns:r="http://schemas.openxmlformats.org/officeDocument/2006/relationships" xmlns:p="http://schemas.openxmlformats.org/presentationml/2006/main">
-  <p:cSld>
-    <p:spTree>
-      <p:nvGrpSpPr>
-        <p:cNvPr id="1" name=""/>
-        <p:cNvGrpSpPr/>
-        <p:nvPr/>
-      </p:nvGrpSpPr>
-      <p:grpSpPr>
-        <a:xfrm>
-          <a:off x="0" y="0"/>
-          <a:ext cx="0" cy="0"/>
-          <a:chOff x="0" y="0"/>
-          <a:chExt cx="0" cy="0"/>
-        </a:xfrm>
-      </p:grpSpPr>
-      <p:sp>
-        <p:nvSpPr>
-          <p:cNvPr id="2" name="Slide Image Placeholder 1"/>
-          <p:cNvSpPr>
-            <a:spLocks noGrp="1" noRot="1" noChangeAspect="1"/>
-          </p:cNvSpPr>
-          <p:nvPr>
-            <p:ph type="sldImg"/>
-          </p:nvPr>
-        </p:nvSpPr>
-        <p:spPr/>
-      </p:sp>
-      <p:sp>
-        <p:nvSpPr>
-          <p:cNvPr id="3" name="Notes Placeholder 2"/>
-          <p:cNvSpPr>
-            <a:spLocks noGrp="1"/>
-          </p:cNvSpPr>
-          <p:nvPr>
-            <p:ph type="body" idx="1"/>
-          </p:nvPr>
-        </p:nvSpPr>
-        <p:spPr/>
-        <p:txBody>
-          <a:bodyPr/>
-          <a:lstStyle/>
-          <a:p>
-            <a:endParaRPr lang="en-US"/>
-          </a:p>
-        </p:txBody>
-      </p:sp>
-      <p:sp>
-        <p:nvSpPr>
-          <p:cNvPr id="4" name="Slide Number Placeholder 3"/>
-          <p:cNvSpPr>
-            <a:spLocks noGrp="1"/>
-          </p:cNvSpPr>
-          <p:nvPr>
-            <p:ph type="sldNum" sz="quarter" idx="10"/>
-          </p:nvPr>
-        </p:nvSpPr>
-        <p:spPr/>
-        <p:txBody>
-          <a:bodyPr/>
-          <a:lstStyle/>
-          <a:p>
-            <a:fld id="{3560C2FB-C494-1A46-A471-884A4E75440F}" type="slidenum">
-              <a:rPr lang="en-US" smtClean="0"/>
-              <a:pPr/>
-              <a:t>6</a:t>
-            </a:fld>
-            <a:endParaRPr lang="en-US" dirty="0"/>
-          </a:p>
-        </p:txBody>
-      </p:sp>
-    </p:spTree>
-    <p:extLst>
-      <p:ext uri="{BB962C8B-B14F-4D97-AF65-F5344CB8AC3E}">
-        <p14:creationId xmlns:p14="http://schemas.microsoft.com/office/powerpoint/2010/main" val="963676054"/>
-      </p:ext>
-    </p:extLst>
-  </p:cSld>
-  <p:clrMapOvr>
-    <a:masterClrMapping/>
-  </p:clrMapOvr>
-</p:notes>
-</file>
-
-<file path=ppt/notesSlides/notesSlide5.xml><?xml version="1.0" encoding="utf-8"?>
-<p:notes xmlns:a="http://schemas.openxmlformats.org/drawingml/2006/main" xmlns:r="http://schemas.openxmlformats.org/officeDocument/2006/relationships" xmlns:p="http://schemas.openxmlformats.org/presentationml/2006/main">
-  <p:cSld>
-    <p:spTree>
-      <p:nvGrpSpPr>
-        <p:cNvPr id="1" name=""/>
-        <p:cNvGrpSpPr/>
-        <p:nvPr/>
-      </p:nvGrpSpPr>
-      <p:grpSpPr>
-        <a:xfrm>
-          <a:off x="0" y="0"/>
-          <a:ext cx="0" cy="0"/>
-          <a:chOff x="0" y="0"/>
-          <a:chExt cx="0" cy="0"/>
-        </a:xfrm>
-      </p:grpSpPr>
-      <p:sp>
-        <p:nvSpPr>
-          <p:cNvPr id="2" name="Slide Image Placeholder 1"/>
-          <p:cNvSpPr>
-            <a:spLocks noGrp="1" noRot="1" noChangeAspect="1"/>
-          </p:cNvSpPr>
-          <p:nvPr>
-            <p:ph type="sldImg"/>
-          </p:nvPr>
-        </p:nvSpPr>
-        <p:spPr/>
-      </p:sp>
-      <p:sp>
-        <p:nvSpPr>
-          <p:cNvPr id="3" name="Notes Placeholder 2"/>
-          <p:cNvSpPr>
-            <a:spLocks noGrp="1"/>
-          </p:cNvSpPr>
-          <p:nvPr>
-            <p:ph type="body" idx="1"/>
-          </p:nvPr>
-        </p:nvSpPr>
-        <p:spPr/>
-        <p:txBody>
-          <a:bodyPr/>
-          <a:lstStyle/>
-          <a:p>
-            <a:endParaRPr lang="en-US"/>
-          </a:p>
-        </p:txBody>
-      </p:sp>
-      <p:sp>
-        <p:nvSpPr>
-          <p:cNvPr id="4" name="Slide Number Placeholder 3"/>
-          <p:cNvSpPr>
-            <a:spLocks noGrp="1"/>
-          </p:cNvSpPr>
-          <p:nvPr>
-            <p:ph type="sldNum" sz="quarter" idx="10"/>
-          </p:nvPr>
-        </p:nvSpPr>
-        <p:spPr/>
-        <p:txBody>
-          <a:bodyPr/>
-          <a:lstStyle/>
-          <a:p>
-            <a:fld id="{3560C2FB-C494-1A46-A471-884A4E75440F}" type="slidenum">
-              <a:rPr lang="en-US" smtClean="0"/>
-              <a:pPr/>
-              <a:t>7</a:t>
-            </a:fld>
-            <a:endParaRPr lang="en-US" dirty="0"/>
-          </a:p>
-        </p:txBody>
-      </p:sp>
-    </p:spTree>
-    <p:extLst>
-      <p:ext uri="{BB962C8B-B14F-4D97-AF65-F5344CB8AC3E}">
-        <p14:creationId xmlns:p14="http://schemas.microsoft.com/office/powerpoint/2010/main" val="963676054"/>
-      </p:ext>
-    </p:extLst>
-  </p:cSld>
-  <p:clrMapOvr>
-    <a:masterClrMapping/>
-  </p:clrMapOvr>
-</p:notes>
-</file>
-
-<file path=ppt/notesSlides/notesSlide6.xml><?xml version="1.0" encoding="utf-8"?>
-<p:notes xmlns:a="http://schemas.openxmlformats.org/drawingml/2006/main" xmlns:r="http://schemas.openxmlformats.org/officeDocument/2006/relationships" xmlns:p="http://schemas.openxmlformats.org/presentationml/2006/main">
-  <p:cSld>
-    <p:spTree>
-      <p:nvGrpSpPr>
-        <p:cNvPr id="1" name=""/>
-        <p:cNvGrpSpPr/>
-        <p:nvPr/>
-      </p:nvGrpSpPr>
-      <p:grpSpPr>
-        <a:xfrm>
-          <a:off x="0" y="0"/>
-          <a:ext cx="0" cy="0"/>
-          <a:chOff x="0" y="0"/>
-          <a:chExt cx="0" cy="0"/>
-        </a:xfrm>
-      </p:grpSpPr>
-      <p:sp>
-        <p:nvSpPr>
-          <p:cNvPr id="304129" name="Rectangle 7"/>
-          <p:cNvSpPr txBox="1">
-            <a:spLocks noGrp="1" noChangeArrowheads="1"/>
-          </p:cNvSpPr>
-          <p:nvPr/>
-        </p:nvSpPr>
-        <p:spPr bwMode="auto">
-          <a:xfrm>
-            <a:off x="3886200" y="8686489"/>
-            <a:ext cx="2971800" cy="457512"/>
-          </a:xfrm>
-          <a:prstGeom prst="rect">
-            <a:avLst/>
-          </a:prstGeom>
-          <a:noFill/>
-          <a:ln>
-            <a:miter lim="800000"/>
-            <a:headEnd/>
-            <a:tailEnd/>
-          </a:ln>
-        </p:spPr>
-        <p:txBody>
-          <a:bodyPr anchor="b"/>
-          <a:lstStyle/>
-          <a:p>
-            <a:pPr algn="r" eaLnBrk="0" hangingPunct="0">
-              <a:defRPr/>
-            </a:pPr>
-            <a:fld id="{5639B2D1-4F62-47BF-B141-83C0868A9AB5}" type="slidenum">
-              <a:rPr lang="en-US" sz="1200">
-                <a:ea typeface="ＭＳ Ｐゴシック" pitchFamily="34" charset="-128"/>
-                <a:cs typeface="+mn-cs"/>
-              </a:rPr>
-              <a:pPr algn="r" eaLnBrk="0" hangingPunct="0">
-                <a:defRPr/>
-              </a:pPr>
-              <a:t>8</a:t>
-            </a:fld>
-            <a:endParaRPr lang="en-US" sz="1200" dirty="0">
-              <a:ea typeface="ＭＳ Ｐゴシック" pitchFamily="34" charset="-128"/>
-              <a:cs typeface="+mn-cs"/>
-            </a:endParaRPr>
-          </a:p>
-        </p:txBody>
-      </p:sp>
-      <p:sp>
-        <p:nvSpPr>
-          <p:cNvPr id="97282" name="Rectangle 2"/>
-          <p:cNvSpPr>
-            <a:spLocks noGrp="1" noRot="1" noChangeAspect="1" noChangeArrowheads="1" noTextEdit="1"/>
-          </p:cNvSpPr>
-          <p:nvPr>
-            <p:ph type="sldImg"/>
-          </p:nvPr>
-        </p:nvSpPr>
-        <p:spPr>
-          <a:ln/>
-        </p:spPr>
-      </p:sp>
-      <p:sp>
-        <p:nvSpPr>
-          <p:cNvPr id="97283" name="Rectangle 3"/>
-          <p:cNvSpPr>
-            <a:spLocks noGrp="1" noChangeArrowheads="1"/>
-          </p:cNvSpPr>
-          <p:nvPr>
-            <p:ph type="body" idx="1"/>
-          </p:nvPr>
-        </p:nvSpPr>
-        <p:spPr>
-          <a:noFill/>
-          <a:ln/>
-        </p:spPr>
-        <p:txBody>
-          <a:bodyPr/>
-          <a:lstStyle/>
-          <a:p>
-            <a:pPr eaLnBrk="1" hangingPunct="1"/>
-            <a:endParaRPr lang="en-US" dirty="0" smtClean="0">
-              <a:ea typeface="ＭＳ Ｐゴシック"/>
-            </a:endParaRPr>
-          </a:p>
-        </p:txBody>
-      </p:sp>
-    </p:spTree>
-  </p:cSld>
-  <p:clrMapOvr>
-    <a:masterClrMapping/>
-  </p:clrMapOvr>
-</p:notes>
-</file>
-
-<file path=ppt/notesSlides/notesSlide7.xml><?xml version="1.0" encoding="utf-8"?>
-<p:notes xmlns:a="http://schemas.openxmlformats.org/drawingml/2006/main" xmlns:r="http://schemas.openxmlformats.org/officeDocument/2006/relationships" xmlns:p="http://schemas.openxmlformats.org/presentationml/2006/main">
-  <p:cSld>
-    <p:spTree>
-      <p:nvGrpSpPr>
-        <p:cNvPr id="1" name=""/>
-        <p:cNvGrpSpPr/>
-        <p:nvPr/>
-      </p:nvGrpSpPr>
-      <p:grpSpPr>
-        <a:xfrm>
-          <a:off x="0" y="0"/>
-          <a:ext cx="0" cy="0"/>
-          <a:chOff x="0" y="0"/>
-          <a:chExt cx="0" cy="0"/>
-        </a:xfrm>
-      </p:grpSpPr>
-      <p:sp>
-        <p:nvSpPr>
-          <p:cNvPr id="2" name="Slide Image Placeholder 1"/>
-          <p:cNvSpPr>
-            <a:spLocks noGrp="1" noRot="1" noChangeAspect="1"/>
-          </p:cNvSpPr>
-          <p:nvPr>
-            <p:ph type="sldImg"/>
-          </p:nvPr>
-        </p:nvSpPr>
-        <p:spPr/>
-      </p:sp>
-      <p:sp>
-        <p:nvSpPr>
-          <p:cNvPr id="3" name="Notes Placeholder 2"/>
-          <p:cNvSpPr>
-            <a:spLocks noGrp="1"/>
-          </p:cNvSpPr>
-          <p:nvPr>
-            <p:ph type="body" idx="1"/>
-          </p:nvPr>
-        </p:nvSpPr>
-        <p:spPr/>
-        <p:txBody>
-          <a:bodyPr/>
-          <a:lstStyle/>
-          <a:p>
-            <a:endParaRPr lang="en-US"/>
-          </a:p>
-        </p:txBody>
-      </p:sp>
-      <p:sp>
-        <p:nvSpPr>
-          <p:cNvPr id="4" name="Slide Number Placeholder 3"/>
-          <p:cNvSpPr>
-            <a:spLocks noGrp="1"/>
-          </p:cNvSpPr>
-          <p:nvPr>
-            <p:ph type="sldNum" sz="quarter" idx="10"/>
-          </p:nvPr>
-        </p:nvSpPr>
-        <p:spPr/>
-        <p:txBody>
-          <a:bodyPr/>
-          <a:lstStyle/>
-          <a:p>
-            <a:fld id="{3560C2FB-C494-1A46-A471-884A4E75440F}" type="slidenum">
-              <a:rPr lang="en-US" smtClean="0"/>
-              <a:pPr/>
-              <a:t>9</a:t>
-            </a:fld>
-            <a:endParaRPr lang="en-US" dirty="0"/>
-          </a:p>
-        </p:txBody>
-      </p:sp>
-    </p:spTree>
-    <p:extLst>
-      <p:ext uri="{BB962C8B-B14F-4D97-AF65-F5344CB8AC3E}">
-        <p14:creationId xmlns:p14="http://schemas.microsoft.com/office/powerpoint/2010/main" val="1443086944"/>
+        <p14:creationId xmlns:p14="http://schemas.microsoft.com/office/powerpoint/2010/main" xmlns:p="http://schemas.openxmlformats.org/presentationml/2006/main" xmlns:r="http://schemas.openxmlformats.org/officeDocument/2006/relationships" xmlns:a="http://schemas.openxmlformats.org/drawingml/2006/main" xmlns="" val="1443086944"/>
       </p:ext>
     </p:extLst>
   </p:cSld>
@@ -1122,7 +777,7 @@
 </file>
 
 <file path=ppt/slideLayouts/slideLayout1.xml><?xml version="1.0" encoding="utf-8"?>
-<p:sldLayout xmlns:a="http://schemas.openxmlformats.org/drawingml/2006/main" xmlns:r="http://schemas.openxmlformats.org/officeDocument/2006/relationships" xmlns:p="http://schemas.openxmlformats.org/presentationml/2006/main" type="title" preserve="1">
+<p:sldLayout xmlns:a="http://schemas.openxmlformats.org/drawingml/2006/main" xmlns:r="http://schemas.openxmlformats.org/officeDocument/2006/relationships" xmlns:mc="http://schemas.openxmlformats.org/markup-compatibility/2006" xmlns:mv="urn:schemas-microsoft-com:mac:vml" xmlns:p="http://schemas.openxmlformats.org/presentationml/2006/main" mc:Ignorable="mv" mc:PreserveAttributes="mv:*" type="title" preserve="1">
   <p:cSld name="Title Slide">
     <p:bg>
       <p:bgPr>
@@ -1346,7 +1001,7 @@
 </file>
 
 <file path=ppt/slideLayouts/slideLayout10.xml><?xml version="1.0" encoding="utf-8"?>
-<p:sldLayout xmlns:a="http://schemas.openxmlformats.org/drawingml/2006/main" xmlns:r="http://schemas.openxmlformats.org/officeDocument/2006/relationships" xmlns:p="http://schemas.openxmlformats.org/presentationml/2006/main" preserve="1" userDrawn="1">
+<p:sldLayout xmlns:a="http://schemas.openxmlformats.org/drawingml/2006/main" xmlns:r="http://schemas.openxmlformats.org/officeDocument/2006/relationships" xmlns:mc="http://schemas.openxmlformats.org/markup-compatibility/2006" xmlns:mv="urn:schemas-microsoft-com:mac:vml" xmlns:p="http://schemas.openxmlformats.org/presentationml/2006/main" mc:Ignorable="mv" mc:PreserveAttributes="mv:*" preserve="1" userDrawn="1">
   <p:cSld name="Impact Slide - Pink">
     <p:bg>
       <p:bgPr>
@@ -1419,7 +1074,7 @@
 </file>
 
 <file path=ppt/slideLayouts/slideLayout11.xml><?xml version="1.0" encoding="utf-8"?>
-<p:sldLayout xmlns:a="http://schemas.openxmlformats.org/drawingml/2006/main" xmlns:r="http://schemas.openxmlformats.org/officeDocument/2006/relationships" xmlns:p="http://schemas.openxmlformats.org/presentationml/2006/main" preserve="1" userDrawn="1">
+<p:sldLayout xmlns:a="http://schemas.openxmlformats.org/drawingml/2006/main" xmlns:r="http://schemas.openxmlformats.org/officeDocument/2006/relationships" xmlns:mc="http://schemas.openxmlformats.org/markup-compatibility/2006" xmlns:mv="urn:schemas-microsoft-com:mac:vml" xmlns:p="http://schemas.openxmlformats.org/presentationml/2006/main" mc:Ignorable="mv" mc:PreserveAttributes="mv:*" preserve="1" userDrawn="1">
   <p:cSld name="Quote Slide - Neutral">
     <p:bg>
       <p:bgPr>
@@ -1578,7 +1233,7 @@
 </file>
 
 <file path=ppt/slideLayouts/slideLayout12.xml><?xml version="1.0" encoding="utf-8"?>
-<p:sldLayout xmlns:a="http://schemas.openxmlformats.org/drawingml/2006/main" xmlns:r="http://schemas.openxmlformats.org/officeDocument/2006/relationships" xmlns:p="http://schemas.openxmlformats.org/presentationml/2006/main" preserve="1" userDrawn="1">
+<p:sldLayout xmlns:a="http://schemas.openxmlformats.org/drawingml/2006/main" xmlns:r="http://schemas.openxmlformats.org/officeDocument/2006/relationships" xmlns:mc="http://schemas.openxmlformats.org/markup-compatibility/2006" xmlns:mv="urn:schemas-microsoft-com:mac:vml" xmlns:p="http://schemas.openxmlformats.org/presentationml/2006/main" mc:Ignorable="mv" mc:PreserveAttributes="mv:*" preserve="1" userDrawn="1">
   <p:cSld name="Quote Slide - Teal">
     <p:bg>
       <p:bgPr>
@@ -1731,7 +1386,7 @@
 </file>
 
 <file path=ppt/slideLayouts/slideLayout13.xml><?xml version="1.0" encoding="utf-8"?>
-<p:sldLayout xmlns:a="http://schemas.openxmlformats.org/drawingml/2006/main" xmlns:r="http://schemas.openxmlformats.org/officeDocument/2006/relationships" xmlns:p="http://schemas.openxmlformats.org/presentationml/2006/main" preserve="1" userDrawn="1">
+<p:sldLayout xmlns:a="http://schemas.openxmlformats.org/drawingml/2006/main" xmlns:r="http://schemas.openxmlformats.org/officeDocument/2006/relationships" xmlns:mc="http://schemas.openxmlformats.org/markup-compatibility/2006" xmlns:mv="urn:schemas-microsoft-com:mac:vml" xmlns:p="http://schemas.openxmlformats.org/presentationml/2006/main" mc:Ignorable="mv" mc:PreserveAttributes="mv:*" preserve="1" userDrawn="1">
   <p:cSld name="Quote Slide - Green">
     <p:bg>
       <p:bgPr>
@@ -1884,7 +1539,7 @@
 </file>
 
 <file path=ppt/slideLayouts/slideLayout14.xml><?xml version="1.0" encoding="utf-8"?>
-<p:sldLayout xmlns:a="http://schemas.openxmlformats.org/drawingml/2006/main" xmlns:r="http://schemas.openxmlformats.org/officeDocument/2006/relationships" xmlns:p="http://schemas.openxmlformats.org/presentationml/2006/main" preserve="1" userDrawn="1">
+<p:sldLayout xmlns:a="http://schemas.openxmlformats.org/drawingml/2006/main" xmlns:r="http://schemas.openxmlformats.org/officeDocument/2006/relationships" xmlns:mc="http://schemas.openxmlformats.org/markup-compatibility/2006" xmlns:mv="urn:schemas-microsoft-com:mac:vml" xmlns:p="http://schemas.openxmlformats.org/presentationml/2006/main" mc:Ignorable="mv" mc:PreserveAttributes="mv:*" preserve="1" userDrawn="1">
   <p:cSld name="Orange Quote Slide">
     <p:bg>
       <p:bgPr>
@@ -2037,7 +1692,7 @@
 </file>
 
 <file path=ppt/slideLayouts/slideLayout15.xml><?xml version="1.0" encoding="utf-8"?>
-<p:sldLayout xmlns:a="http://schemas.openxmlformats.org/drawingml/2006/main" xmlns:r="http://schemas.openxmlformats.org/officeDocument/2006/relationships" xmlns:p="http://schemas.openxmlformats.org/presentationml/2006/main" preserve="1" userDrawn="1">
+<p:sldLayout xmlns:a="http://schemas.openxmlformats.org/drawingml/2006/main" xmlns:r="http://schemas.openxmlformats.org/officeDocument/2006/relationships" xmlns:mc="http://schemas.openxmlformats.org/markup-compatibility/2006" xmlns:mv="urn:schemas-microsoft-com:mac:vml" xmlns:p="http://schemas.openxmlformats.org/presentationml/2006/main" mc:Ignorable="mv" mc:PreserveAttributes="mv:*" preserve="1" userDrawn="1">
   <p:cSld name="Quote Slide - Pink">
     <p:bg>
       <p:bgPr>
@@ -2190,7 +1845,7 @@
 </file>
 
 <file path=ppt/slideLayouts/slideLayout16.xml><?xml version="1.0" encoding="utf-8"?>
-<p:sldLayout xmlns:a="http://schemas.openxmlformats.org/drawingml/2006/main" xmlns:r="http://schemas.openxmlformats.org/officeDocument/2006/relationships" xmlns:p="http://schemas.openxmlformats.org/presentationml/2006/main" preserve="1" userDrawn="1">
+<p:sldLayout xmlns:a="http://schemas.openxmlformats.org/drawingml/2006/main" xmlns:r="http://schemas.openxmlformats.org/officeDocument/2006/relationships" xmlns:mc="http://schemas.openxmlformats.org/markup-compatibility/2006" xmlns:mv="urn:schemas-microsoft-com:mac:vml" xmlns:p="http://schemas.openxmlformats.org/presentationml/2006/main" mc:Ignorable="mv" mc:PreserveAttributes="mv:*" preserve="1" userDrawn="1">
   <p:cSld name="Thank You - Teal">
     <p:bg>
       <p:bgPr>
@@ -2321,7 +1976,7 @@
 </file>
 
 <file path=ppt/slideLayouts/slideLayout17.xml><?xml version="1.0" encoding="utf-8"?>
-<p:sldLayout xmlns:a="http://schemas.openxmlformats.org/drawingml/2006/main" xmlns:r="http://schemas.openxmlformats.org/officeDocument/2006/relationships" xmlns:p="http://schemas.openxmlformats.org/presentationml/2006/main" preserve="1" userDrawn="1">
+<p:sldLayout xmlns:a="http://schemas.openxmlformats.org/drawingml/2006/main" xmlns:r="http://schemas.openxmlformats.org/officeDocument/2006/relationships" xmlns:mc="http://schemas.openxmlformats.org/markup-compatibility/2006" xmlns:mv="urn:schemas-microsoft-com:mac:vml" xmlns:p="http://schemas.openxmlformats.org/presentationml/2006/main" mc:Ignorable="mv" mc:PreserveAttributes="mv:*" preserve="1" userDrawn="1">
   <p:cSld name="Thank You - Green">
     <p:bg>
       <p:bgPr>
@@ -2452,7 +2107,7 @@
 </file>
 
 <file path=ppt/slideLayouts/slideLayout18.xml><?xml version="1.0" encoding="utf-8"?>
-<p:sldLayout xmlns:a="http://schemas.openxmlformats.org/drawingml/2006/main" xmlns:r="http://schemas.openxmlformats.org/officeDocument/2006/relationships" xmlns:p="http://schemas.openxmlformats.org/presentationml/2006/main" userDrawn="1">
+<p:sldLayout xmlns:a="http://schemas.openxmlformats.org/drawingml/2006/main" xmlns:r="http://schemas.openxmlformats.org/officeDocument/2006/relationships" xmlns:mc="http://schemas.openxmlformats.org/markup-compatibility/2006" xmlns:mv="urn:schemas-microsoft-com:mac:vml" xmlns:p="http://schemas.openxmlformats.org/presentationml/2006/main" mc:Ignorable="mv" mc:PreserveAttributes="mv:*" userDrawn="1">
   <p:cSld name="Thank You - Orange">
     <p:bg>
       <p:bgPr>
@@ -2583,7 +2238,7 @@
 </file>
 
 <file path=ppt/slideLayouts/slideLayout19.xml><?xml version="1.0" encoding="utf-8"?>
-<p:sldLayout xmlns:a="http://schemas.openxmlformats.org/drawingml/2006/main" xmlns:r="http://schemas.openxmlformats.org/officeDocument/2006/relationships" xmlns:p="http://schemas.openxmlformats.org/presentationml/2006/main" userDrawn="1">
+<p:sldLayout xmlns:a="http://schemas.openxmlformats.org/drawingml/2006/main" xmlns:r="http://schemas.openxmlformats.org/officeDocument/2006/relationships" xmlns:mc="http://schemas.openxmlformats.org/markup-compatibility/2006" xmlns:mv="urn:schemas-microsoft-com:mac:vml" xmlns:p="http://schemas.openxmlformats.org/presentationml/2006/main" mc:Ignorable="mv" mc:PreserveAttributes="mv:*" userDrawn="1">
   <p:cSld name="Thank You - Pink">
     <p:bg>
       <p:bgPr>
@@ -2714,7 +2369,7 @@
 </file>
 
 <file path=ppt/slideLayouts/slideLayout2.xml><?xml version="1.0" encoding="utf-8"?>
-<p:sldLayout xmlns:a="http://schemas.openxmlformats.org/drawingml/2006/main" xmlns:r="http://schemas.openxmlformats.org/officeDocument/2006/relationships" xmlns:p="http://schemas.openxmlformats.org/presentationml/2006/main" preserve="1" userDrawn="1">
+<p:sldLayout xmlns:a="http://schemas.openxmlformats.org/drawingml/2006/main" xmlns:r="http://schemas.openxmlformats.org/officeDocument/2006/relationships" xmlns:mc="http://schemas.openxmlformats.org/markup-compatibility/2006" xmlns:mv="urn:schemas-microsoft-com:mac:vml" xmlns:p="http://schemas.openxmlformats.org/presentationml/2006/main" mc:Ignorable="mv" mc:PreserveAttributes="mv:*" preserve="1" userDrawn="1">
   <p:cSld name="Title and Single Element">
     <p:spTree>
       <p:nvGrpSpPr>
@@ -3045,7 +2700,7 @@
 </file>
 
 <file path=ppt/slideLayouts/slideLayout3.xml><?xml version="1.0" encoding="utf-8"?>
-<p:sldLayout xmlns:a="http://schemas.openxmlformats.org/drawingml/2006/main" xmlns:r="http://schemas.openxmlformats.org/officeDocument/2006/relationships" xmlns:p="http://schemas.openxmlformats.org/presentationml/2006/main" preserve="1" userDrawn="1">
+<p:sldLayout xmlns:a="http://schemas.openxmlformats.org/drawingml/2006/main" xmlns:r="http://schemas.openxmlformats.org/officeDocument/2006/relationships" xmlns:mc="http://schemas.openxmlformats.org/markup-compatibility/2006" xmlns:mv="urn:schemas-microsoft-com:mac:vml" xmlns:p="http://schemas.openxmlformats.org/presentationml/2006/main" mc:Ignorable="mv" mc:PreserveAttributes="mv:*" preserve="1" userDrawn="1">
   <p:cSld name="Title and Two Element">
     <p:spTree>
       <p:nvGrpSpPr>
@@ -3437,7 +3092,7 @@
 </file>
 
 <file path=ppt/slideLayouts/slideLayout4.xml><?xml version="1.0" encoding="utf-8"?>
-<p:sldLayout xmlns:a="http://schemas.openxmlformats.org/drawingml/2006/main" xmlns:r="http://schemas.openxmlformats.org/officeDocument/2006/relationships" xmlns:p="http://schemas.openxmlformats.org/presentationml/2006/main" preserve="1" userDrawn="1">
+<p:sldLayout xmlns:a="http://schemas.openxmlformats.org/drawingml/2006/main" xmlns:r="http://schemas.openxmlformats.org/officeDocument/2006/relationships" xmlns:mc="http://schemas.openxmlformats.org/markup-compatibility/2006" xmlns:mv="urn:schemas-microsoft-com:mac:vml" xmlns:p="http://schemas.openxmlformats.org/presentationml/2006/main" mc:Ignorable="mv" mc:PreserveAttributes="mv:*" preserve="1" userDrawn="1">
   <p:cSld name="Title Only and Blank">
     <p:spTree>
       <p:nvGrpSpPr>
@@ -3711,7 +3366,7 @@
 </file>
 
 <file path=ppt/slideLayouts/slideLayout5.xml><?xml version="1.0" encoding="utf-8"?>
-<p:sldLayout xmlns:a="http://schemas.openxmlformats.org/drawingml/2006/main" xmlns:r="http://schemas.openxmlformats.org/officeDocument/2006/relationships" xmlns:p="http://schemas.openxmlformats.org/presentationml/2006/main" userDrawn="1">
+<p:sldLayout xmlns:a="http://schemas.openxmlformats.org/drawingml/2006/main" xmlns:r="http://schemas.openxmlformats.org/officeDocument/2006/relationships" xmlns:mc="http://schemas.openxmlformats.org/markup-compatibility/2006" xmlns:mv="urn:schemas-microsoft-com:mac:vml" xmlns:p="http://schemas.openxmlformats.org/presentationml/2006/main" mc:Ignorable="mv" mc:PreserveAttributes="mv:*" userDrawn="1">
   <p:cSld name="Left Text and Right Image">
     <p:spTree>
       <p:nvGrpSpPr>
@@ -4072,7 +3727,7 @@
 </file>
 
 <file path=ppt/slideLayouts/slideLayout6.xml><?xml version="1.0" encoding="utf-8"?>
-<p:sldLayout xmlns:a="http://schemas.openxmlformats.org/drawingml/2006/main" xmlns:r="http://schemas.openxmlformats.org/officeDocument/2006/relationships" xmlns:p="http://schemas.openxmlformats.org/presentationml/2006/main" preserve="1" userDrawn="1">
+<p:sldLayout xmlns:a="http://schemas.openxmlformats.org/drawingml/2006/main" xmlns:r="http://schemas.openxmlformats.org/officeDocument/2006/relationships" xmlns:mc="http://schemas.openxmlformats.org/markup-compatibility/2006" xmlns:mv="urn:schemas-microsoft-com:mac:vml" xmlns:p="http://schemas.openxmlformats.org/presentationml/2006/main" mc:Ignorable="mv" mc:PreserveAttributes="mv:*" preserve="1" userDrawn="1">
   <p:cSld name="Left Image and Right Text">
     <p:spTree>
       <p:nvGrpSpPr>
@@ -4433,7 +4088,7 @@
 </file>
 
 <file path=ppt/slideLayouts/slideLayout7.xml><?xml version="1.0" encoding="utf-8"?>
-<p:sldLayout xmlns:a="http://schemas.openxmlformats.org/drawingml/2006/main" xmlns:r="http://schemas.openxmlformats.org/officeDocument/2006/relationships" xmlns:p="http://schemas.openxmlformats.org/presentationml/2006/main" preserve="1" userDrawn="1">
+<p:sldLayout xmlns:a="http://schemas.openxmlformats.org/drawingml/2006/main" xmlns:r="http://schemas.openxmlformats.org/officeDocument/2006/relationships" xmlns:mc="http://schemas.openxmlformats.org/markup-compatibility/2006" xmlns:mv="urn:schemas-microsoft-com:mac:vml" xmlns:p="http://schemas.openxmlformats.org/presentationml/2006/main" mc:Ignorable="mv" mc:PreserveAttributes="mv:*" preserve="1" userDrawn="1">
   <p:cSld name="Impact Slide - Teal">
     <p:bg>
       <p:bgPr>
@@ -4528,7 +4183,7 @@
 </file>
 
 <file path=ppt/slideLayouts/slideLayout8.xml><?xml version="1.0" encoding="utf-8"?>
-<p:sldLayout xmlns:a="http://schemas.openxmlformats.org/drawingml/2006/main" xmlns:r="http://schemas.openxmlformats.org/officeDocument/2006/relationships" xmlns:p="http://schemas.openxmlformats.org/presentationml/2006/main" preserve="1" userDrawn="1">
+<p:sldLayout xmlns:a="http://schemas.openxmlformats.org/drawingml/2006/main" xmlns:r="http://schemas.openxmlformats.org/officeDocument/2006/relationships" xmlns:mc="http://schemas.openxmlformats.org/markup-compatibility/2006" xmlns:mv="urn:schemas-microsoft-com:mac:vml" xmlns:p="http://schemas.openxmlformats.org/presentationml/2006/main" mc:Ignorable="mv" mc:PreserveAttributes="mv:*" preserve="1" userDrawn="1">
   <p:cSld name="Impact Slide - Green">
     <p:bg>
       <p:bgPr>
@@ -4623,7 +4278,7 @@
 </file>
 
 <file path=ppt/slideLayouts/slideLayout9.xml><?xml version="1.0" encoding="utf-8"?>
-<p:sldLayout xmlns:a="http://schemas.openxmlformats.org/drawingml/2006/main" xmlns:r="http://schemas.openxmlformats.org/officeDocument/2006/relationships" xmlns:p="http://schemas.openxmlformats.org/presentationml/2006/main" preserve="1" userDrawn="1">
+<p:sldLayout xmlns:a="http://schemas.openxmlformats.org/drawingml/2006/main" xmlns:r="http://schemas.openxmlformats.org/officeDocument/2006/relationships" xmlns:mc="http://schemas.openxmlformats.org/markup-compatibility/2006" xmlns:mv="urn:schemas-microsoft-com:mac:vml" xmlns:p="http://schemas.openxmlformats.org/presentationml/2006/main" mc:Ignorable="mv" mc:PreserveAttributes="mv:*" preserve="1" userDrawn="1">
   <p:cSld name="Impact Slide - Orange">
     <p:bg>
       <p:bgPr>
@@ -4718,7 +4373,7 @@
 </file>
 
 <file path=ppt/slideMasters/slideMaster1.xml><?xml version="1.0" encoding="utf-8"?>
-<p:sldMaster xmlns:a="http://schemas.openxmlformats.org/drawingml/2006/main" xmlns:r="http://schemas.openxmlformats.org/officeDocument/2006/relationships" xmlns:p="http://schemas.openxmlformats.org/presentationml/2006/main">
+<p:sldMaster xmlns:a="http://schemas.openxmlformats.org/drawingml/2006/main" xmlns:r="http://schemas.openxmlformats.org/officeDocument/2006/relationships" xmlns:mc="http://schemas.openxmlformats.org/markup-compatibility/2006" xmlns:mv="urn:schemas-microsoft-com:mac:vml" xmlns:p="http://schemas.openxmlformats.org/presentationml/2006/main" mc:Ignorable="mv" mc:PreserveAttributes="mv:*">
   <p:cSld>
     <p:bg>
       <p:bgPr>
@@ -5340,7 +4995,7 @@
 </file>
 
 <file path=ppt/slides/slide1.xml><?xml version="1.0" encoding="utf-8"?>
-<p:sld xmlns:a="http://schemas.openxmlformats.org/drawingml/2006/main" xmlns:r="http://schemas.openxmlformats.org/officeDocument/2006/relationships" xmlns:p="http://schemas.openxmlformats.org/presentationml/2006/main">
+<p:sld xmlns:a="http://schemas.openxmlformats.org/drawingml/2006/main" xmlns:r="http://schemas.openxmlformats.org/officeDocument/2006/relationships" xmlns:mc="http://schemas.openxmlformats.org/markup-compatibility/2006" xmlns:mv="urn:schemas-microsoft-com:mac:vml" xmlns:p="http://schemas.openxmlformats.org/presentationml/2006/main" mc:Ignorable="mv" mc:PreserveAttributes="mv:*">
   <p:cSld>
     <p:spTree>
       <p:nvGrpSpPr>
@@ -5420,20 +5075,20 @@
     </p:spTree>
     <p:extLst>
       <p:ext uri="{BB962C8B-B14F-4D97-AF65-F5344CB8AC3E}">
-        <p14:creationId xmlns:p14="http://schemas.microsoft.com/office/powerpoint/2010/main" val="2352184382"/>
+        <p14:creationId xmlns:p14="http://schemas.microsoft.com/office/powerpoint/2010/main" xmlns:p="http://schemas.openxmlformats.org/presentationml/2006/main" xmlns:r="http://schemas.openxmlformats.org/officeDocument/2006/relationships" xmlns:a="http://schemas.openxmlformats.org/drawingml/2006/main" xmlns="" val="2352184382"/>
       </p:ext>
     </p:extLst>
   </p:cSld>
   <p:clrMapOvr>
     <a:masterClrMapping/>
   </p:clrMapOvr>
-  <p:transition xmlns:p14="http://schemas.microsoft.com/office/powerpoint/2010/main" spd="med">
+  <p:transition spd="med">
     <p:fade/>
   </p:transition>
   <p:timing>
     <p:tnLst>
       <p:par>
-        <p:cTn xmlns:p14="http://schemas.microsoft.com/office/powerpoint/2010/main" id="1" dur="indefinite" restart="never" nodeType="tmRoot"/>
+        <p:cTn id="1" dur="indefinite" restart="never" nodeType="tmRoot"/>
       </p:par>
     </p:tnLst>
   </p:timing>
@@ -5441,7 +5096,7 @@
 </file>
 
 <file path=ppt/slides/slide2.xml><?xml version="1.0" encoding="utf-8"?>
-<p:sld xmlns:a="http://schemas.openxmlformats.org/drawingml/2006/main" xmlns:r="http://schemas.openxmlformats.org/officeDocument/2006/relationships" xmlns:p="http://schemas.openxmlformats.org/presentationml/2006/main">
+<p:sld xmlns:a="http://schemas.openxmlformats.org/drawingml/2006/main" xmlns:r="http://schemas.openxmlformats.org/officeDocument/2006/relationships" xmlns:mc="http://schemas.openxmlformats.org/markup-compatibility/2006" xmlns:mv="urn:schemas-microsoft-com:mac:vml" xmlns:p="http://schemas.openxmlformats.org/presentationml/2006/main" mc:Ignorable="mv" mc:PreserveAttributes="mv:*">
   <p:cSld>
     <p:spTree>
       <p:nvGrpSpPr>
@@ -5508,7 +5163,7 @@
           <a:lstStyle/>
           <a:p>
             <a:r>
-              <a:rPr lang="en-US" sz="3000">
+              <a:rPr lang="en-US" sz="3000" dirty="0">
                 <a:latin typeface="Arial" charset="0"/>
                 <a:ea typeface="ＭＳ Ｐゴシック" charset="0"/>
               </a:rPr>
@@ -5518,17 +5173,42 @@
           <a:p>
             <a:pPr lvl="1"/>
             <a:r>
-              <a:rPr lang="en-US" sz="3000">
+              <a:rPr lang="en-US" sz="3000" dirty="0">
                 <a:latin typeface="Arial" charset="0"/>
                 <a:ea typeface="ＭＳ Ｐゴシック" charset="0"/>
               </a:rPr>
-              <a:t>From a user search</a:t>
-            </a:r>
+              <a:t>From</a:t>
+            </a:r>
+            <a:r>
+              <a:rPr lang="en-US" sz="3000" dirty="0" smtClean="0">
+                <a:latin typeface="Arial" charset="0"/>
+                <a:ea typeface="ＭＳ Ｐゴシック" charset="0"/>
+              </a:rPr>
+              <a:t> </a:t>
+            </a:r>
+            <a:r>
+              <a:rPr lang="en-US" sz="3000" smtClean="0">
+                <a:latin typeface="Arial" charset="0"/>
+                <a:ea typeface="ＭＳ Ｐゴシック" charset="0"/>
+              </a:rPr>
+              <a:t>user </a:t>
+            </a:r>
+            <a:r>
+              <a:rPr lang="en-US" sz="3000" smtClean="0">
+                <a:latin typeface="Arial" charset="0"/>
+                <a:ea typeface="ＭＳ Ｐゴシック" charset="0"/>
+              </a:rPr>
+              <a:t>input</a:t>
+            </a:r>
+            <a:endParaRPr lang="en-US" sz="3000" smtClean="0">
+              <a:latin typeface="Arial" charset="0"/>
+              <a:ea typeface="ＭＳ Ｐゴシック" charset="0"/>
+            </a:endParaRPr>
           </a:p>
           <a:p>
             <a:pPr lvl="1"/>
             <a:r>
-              <a:rPr lang="en-US" sz="3000">
+              <a:rPr lang="en-US" sz="3000" dirty="0">
                 <a:latin typeface="Arial" charset="0"/>
                 <a:ea typeface="ＭＳ Ｐゴシック" charset="0"/>
               </a:rPr>
@@ -5538,19 +5218,104 @@
           <a:p>
             <a:pPr lvl="1"/>
             <a:r>
-              <a:rPr lang="en-US" sz="3000">
+              <a:rPr lang="en-US" sz="3000" dirty="0">
                 <a:latin typeface="Arial" charset="0"/>
                 <a:ea typeface="ＭＳ Ｐゴシック" charset="0"/>
               </a:rPr>
-              <a:t>From other content on the page</a:t>
-            </a:r>
+              <a:t>From other content on the </a:t>
+            </a:r>
+            <a:r>
+              <a:rPr lang="en-US" sz="3000" dirty="0" smtClean="0">
+                <a:latin typeface="Arial" charset="0"/>
+                <a:ea typeface="ＭＳ Ｐゴシック" charset="0"/>
+              </a:rPr>
+              <a:t>page</a:t>
+            </a:r>
+          </a:p>
+          <a:p>
+            <a:r>
+              <a:rPr lang="en-US" sz="3000" dirty="0" smtClean="0">
+                <a:latin typeface="Arial" charset="0"/>
+                <a:ea typeface="ＭＳ Ｐゴシック" charset="0"/>
+              </a:rPr>
+              <a:t>So far search criteria has been hard</a:t>
+            </a:r>
+            <a:r>
+              <a:rPr lang="en-US" sz="3000" dirty="0" smtClean="0">
+                <a:latin typeface="Arial" charset="0"/>
+                <a:ea typeface="ＭＳ Ｐゴシック" charset="0"/>
+              </a:rPr>
+              <a:t> </a:t>
+            </a:r>
+            <a:r>
+              <a:rPr lang="en-US" sz="3000" dirty="0" smtClean="0">
+                <a:latin typeface="Arial" charset="0"/>
+                <a:ea typeface="ＭＳ Ｐゴシック" charset="0"/>
+              </a:rPr>
+              <a:t>coded. There are times when you want user input.</a:t>
+            </a:r>
+          </a:p>
+          <a:p>
+            <a:pPr lvl="1"/>
+            <a:r>
+              <a:rPr lang="en-US" sz="3000" dirty="0" smtClean="0">
+                <a:latin typeface="Arial" charset="0"/>
+                <a:ea typeface="ＭＳ Ｐゴシック" charset="0"/>
+              </a:rPr>
+              <a:t>Add HTML input fields for dynamic data</a:t>
+            </a:r>
+          </a:p>
+          <a:p>
+            <a:endParaRPr lang="en-US" sz="3000" dirty="0" smtClean="0">
+              <a:latin typeface="Arial" charset="0"/>
+              <a:ea typeface="ＭＳ Ｐゴシック" charset="0"/>
+            </a:endParaRPr>
+          </a:p>
+          <a:p>
+            <a:r>
+              <a:rPr lang="en-US" sz="3000" dirty="0" smtClean="0">
+                <a:latin typeface="Arial" charset="0"/>
+                <a:ea typeface="ＭＳ Ｐゴシック" charset="0"/>
+              </a:rPr>
+              <a:t>Example</a:t>
+            </a:r>
+          </a:p>
+          <a:p>
+            <a:pPr lvl="1"/>
+            <a:r>
+              <a:rPr lang="en-US" sz="3000" dirty="0" smtClean="0">
+                <a:latin typeface="Arial" charset="0"/>
+                <a:ea typeface="ＭＳ Ｐゴシック" charset="0"/>
+                <a:hlinkClick r:id="rId2"/>
+              </a:rPr>
+              <a:t>http://docs.brightcove.com/en/video-cloud/media/samples/</a:t>
+            </a:r>
+            <a:r>
+              <a:rPr lang="en-US" sz="3000" dirty="0" smtClean="0">
+                <a:latin typeface="Arial" charset="0"/>
+                <a:ea typeface="ＭＳ Ｐゴシック" charset="0"/>
+                <a:hlinkClick r:id="rId2"/>
+              </a:rPr>
+              <a:t>search_videos.html</a:t>
+            </a:r>
+            <a:r>
+              <a:rPr lang="en-US" sz="3000" dirty="0" smtClean="0">
+                <a:latin typeface="Arial" charset="0"/>
+                <a:ea typeface="ＭＳ Ｐゴシック" charset="0"/>
+              </a:rPr>
+              <a:t> </a:t>
+            </a:r>
+            <a:endParaRPr lang="en-US" sz="3000" dirty="0">
+              <a:latin typeface="Arial" charset="0"/>
+              <a:ea typeface="ＭＳ Ｐゴシック" charset="0"/>
+            </a:endParaRPr>
           </a:p>
         </p:txBody>
       </p:sp>
     </p:spTree>
     <p:extLst>
       <p:ext uri="{BB962C8B-B14F-4D97-AF65-F5344CB8AC3E}">
-        <p14:creationId xmlns:p14="http://schemas.microsoft.com/office/powerpoint/2010/main" val="1480419295"/>
+        <p14:creationId xmlns:p14="http://schemas.microsoft.com/office/powerpoint/2010/main" xmlns:p="http://schemas.openxmlformats.org/presentationml/2006/main" xmlns:r="http://schemas.openxmlformats.org/officeDocument/2006/relationships" xmlns:a="http://schemas.openxmlformats.org/drawingml/2006/main" xmlns="" val="1480419295"/>
       </p:ext>
     </p:extLst>
   </p:cSld>
@@ -5560,7 +5325,7 @@
   <p:timing>
     <p:tnLst>
       <p:par>
-        <p:cTn xmlns:p14="http://schemas.microsoft.com/office/powerpoint/2010/main" id="1" dur="indefinite" restart="never" nodeType="tmRoot"/>
+        <p:cTn id="1" dur="indefinite" restart="never" nodeType="tmRoot"/>
       </p:par>
     </p:tnLst>
   </p:timing>
@@ -5568,7 +5333,7 @@
 </file>
 
 <file path=ppt/slides/slide3.xml><?xml version="1.0" encoding="utf-8"?>
-<p:sld xmlns:a="http://schemas.openxmlformats.org/drawingml/2006/main" xmlns:r="http://schemas.openxmlformats.org/officeDocument/2006/relationships" xmlns:p="http://schemas.openxmlformats.org/presentationml/2006/main">
+<p:sld xmlns:a="http://schemas.openxmlformats.org/drawingml/2006/main" xmlns:r="http://schemas.openxmlformats.org/officeDocument/2006/relationships" xmlns:mc="http://schemas.openxmlformats.org/markup-compatibility/2006" xmlns:mv="urn:schemas-microsoft-com:mac:vml" xmlns:p="http://schemas.openxmlformats.org/presentationml/2006/main" mc:Ignorable="mv" mc:PreserveAttributes="mv:*">
   <p:cSld>
     <p:spTree>
       <p:nvGrpSpPr>
@@ -5586,692 +5351,104 @@
       </p:grpSpPr>
       <p:sp>
         <p:nvSpPr>
-          <p:cNvPr id="57345" name="Title 1"/>
-          <p:cNvSpPr>
-            <a:spLocks noGrp="1"/>
-          </p:cNvSpPr>
-          <p:nvPr>
-            <p:ph type="title"/>
-          </p:nvPr>
-        </p:nvSpPr>
-        <p:spPr>
-          <a:xfrm>
-            <a:off x="541338" y="300038"/>
-            <a:ext cx="14724062" cy="1449387"/>
-          </a:xfrm>
-        </p:spPr>
-        <p:txBody>
-          <a:bodyPr/>
-          <a:lstStyle/>
-          <a:p>
-            <a:r>
-              <a:rPr lang="en-US">
-                <a:latin typeface="Arial" charset="0"/>
-                <a:ea typeface="ＭＳ Ｐゴシック" charset="0"/>
-              </a:rPr>
-              <a:t>The Media API and the Player API</a:t>
-            </a:r>
-          </a:p>
-        </p:txBody>
-      </p:sp>
-      <p:sp>
-        <p:nvSpPr>
-          <p:cNvPr id="57346" name="Content Placeholder 2"/>
-          <p:cNvSpPr>
-            <a:spLocks noGrp="1"/>
-          </p:cNvSpPr>
-          <p:nvPr>
-            <p:ph idx="1"/>
-          </p:nvPr>
-        </p:nvSpPr>
-        <p:spPr>
-          <a:xfrm>
-            <a:off x="541338" y="1911350"/>
-            <a:ext cx="15878175" cy="6202363"/>
-          </a:xfrm>
-        </p:spPr>
-        <p:txBody>
-          <a:bodyPr/>
-          <a:lstStyle/>
-          <a:p>
-            <a:r>
-              <a:rPr lang="en-US" sz="3000">
-                <a:latin typeface="Arial" charset="0"/>
-                <a:ea typeface="ＭＳ Ｐゴシック" charset="0"/>
-              </a:rPr>
-              <a:t>In many cases, you will want to provide a way to play the videos – you can easily do this by using the Media API together with the Player API</a:t>
-            </a:r>
-          </a:p>
-          <a:p>
-            <a:endParaRPr lang="en-US">
-              <a:latin typeface="Arial" charset="0"/>
-              <a:ea typeface="ＭＳ Ｐゴシック" charset="0"/>
-            </a:endParaRPr>
-          </a:p>
-        </p:txBody>
-      </p:sp>
-      <p:sp>
-        <p:nvSpPr>
-          <p:cNvPr id="57347" name="Slide Number Placeholder 3"/>
-          <p:cNvSpPr>
-            <a:spLocks noGrp="1"/>
-          </p:cNvSpPr>
-          <p:nvPr>
-            <p:ph type="sldNum" sz="quarter" idx="10"/>
-          </p:nvPr>
-        </p:nvSpPr>
-        <p:spPr bwMode="auto">
-          <a:noFill/>
-          <a:extLst>
-            <a:ext uri="{909E8E84-426E-40dd-AFC4-6F175D3DCCD1}">
-              <a14:hiddenFill xmlns:a14="http://schemas.microsoft.com/office/drawing/2010/main">
-                <a:solidFill>
-                  <a:srgbClr val="FFFFFF"/>
-                </a:solidFill>
-              </a14:hiddenFill>
-            </a:ext>
-            <a:ext uri="{91240B29-F687-4f45-9708-019B960494DF}">
-              <a14:hiddenLine xmlns:a14="http://schemas.microsoft.com/office/drawing/2010/main" w="9525">
-                <a:solidFill>
-                  <a:srgbClr val="000000"/>
-                </a:solidFill>
-                <a:miter lim="800000"/>
-                <a:headEnd/>
-                <a:tailEnd/>
-              </a14:hiddenLine>
-            </a:ext>
-          </a:extLst>
-        </p:spPr>
-        <p:txBody>
-          <a:bodyPr/>
-          <a:lstStyle>
-            <a:lvl1pPr eaLnBrk="0" hangingPunct="0">
-              <a:defRPr sz="3000">
-                <a:solidFill>
-                  <a:schemeClr val="tx1"/>
-                </a:solidFill>
-                <a:latin typeface="Arial" charset="0"/>
-                <a:ea typeface="ＭＳ Ｐゴシック" charset="0"/>
-                <a:cs typeface="ＭＳ Ｐゴシック" charset="0"/>
-              </a:defRPr>
-            </a:lvl1pPr>
-            <a:lvl2pPr marL="742950" indent="-285750" eaLnBrk="0" hangingPunct="0">
-              <a:defRPr sz="3000">
-                <a:solidFill>
-                  <a:schemeClr val="tx1"/>
-                </a:solidFill>
-                <a:latin typeface="Arial" charset="0"/>
-                <a:ea typeface="ＭＳ Ｐゴシック" charset="0"/>
-              </a:defRPr>
-            </a:lvl2pPr>
-            <a:lvl3pPr marL="1143000" indent="-228600" eaLnBrk="0" hangingPunct="0">
-              <a:defRPr sz="3000">
-                <a:solidFill>
-                  <a:schemeClr val="tx1"/>
-                </a:solidFill>
-                <a:latin typeface="Arial" charset="0"/>
-                <a:ea typeface="ＭＳ Ｐゴシック" charset="0"/>
-              </a:defRPr>
-            </a:lvl3pPr>
-            <a:lvl4pPr marL="1600200" indent="-228600" eaLnBrk="0" hangingPunct="0">
-              <a:defRPr sz="3000">
-                <a:solidFill>
-                  <a:schemeClr val="tx1"/>
-                </a:solidFill>
-                <a:latin typeface="Arial" charset="0"/>
-                <a:ea typeface="ＭＳ Ｐゴシック" charset="0"/>
-              </a:defRPr>
-            </a:lvl4pPr>
-            <a:lvl5pPr marL="2057400" indent="-228600" eaLnBrk="0" hangingPunct="0">
-              <a:defRPr sz="3000">
-                <a:solidFill>
-                  <a:schemeClr val="tx1"/>
-                </a:solidFill>
-                <a:latin typeface="Arial" charset="0"/>
-                <a:ea typeface="ＭＳ Ｐゴシック" charset="0"/>
-              </a:defRPr>
-            </a:lvl5pPr>
-            <a:lvl6pPr marL="2514600" indent="-228600" defTabSz="773113" eaLnBrk="0" fontAlgn="base" hangingPunct="0">
-              <a:spcBef>
-                <a:spcPct val="0"/>
-              </a:spcBef>
-              <a:spcAft>
-                <a:spcPct val="0"/>
-              </a:spcAft>
-              <a:defRPr sz="3000">
-                <a:solidFill>
-                  <a:schemeClr val="tx1"/>
-                </a:solidFill>
-                <a:latin typeface="Arial" charset="0"/>
-                <a:ea typeface="ＭＳ Ｐゴシック" charset="0"/>
-              </a:defRPr>
-            </a:lvl6pPr>
-            <a:lvl7pPr marL="2971800" indent="-228600" defTabSz="773113" eaLnBrk="0" fontAlgn="base" hangingPunct="0">
-              <a:spcBef>
-                <a:spcPct val="0"/>
-              </a:spcBef>
-              <a:spcAft>
-                <a:spcPct val="0"/>
-              </a:spcAft>
-              <a:defRPr sz="3000">
-                <a:solidFill>
-                  <a:schemeClr val="tx1"/>
-                </a:solidFill>
-                <a:latin typeface="Arial" charset="0"/>
-                <a:ea typeface="ＭＳ Ｐゴシック" charset="0"/>
-              </a:defRPr>
-            </a:lvl7pPr>
-            <a:lvl8pPr marL="3429000" indent="-228600" defTabSz="773113" eaLnBrk="0" fontAlgn="base" hangingPunct="0">
-              <a:spcBef>
-                <a:spcPct val="0"/>
-              </a:spcBef>
-              <a:spcAft>
-                <a:spcPct val="0"/>
-              </a:spcAft>
-              <a:defRPr sz="3000">
-                <a:solidFill>
-                  <a:schemeClr val="tx1"/>
-                </a:solidFill>
-                <a:latin typeface="Arial" charset="0"/>
-                <a:ea typeface="ＭＳ Ｐゴシック" charset="0"/>
-              </a:defRPr>
-            </a:lvl8pPr>
-            <a:lvl9pPr marL="3886200" indent="-228600" defTabSz="773113" eaLnBrk="0" fontAlgn="base" hangingPunct="0">
-              <a:spcBef>
-                <a:spcPct val="0"/>
-              </a:spcBef>
-              <a:spcAft>
-                <a:spcPct val="0"/>
-              </a:spcAft>
-              <a:defRPr sz="3000">
-                <a:solidFill>
-                  <a:schemeClr val="tx1"/>
-                </a:solidFill>
-                <a:latin typeface="Arial" charset="0"/>
-                <a:ea typeface="ＭＳ Ｐゴシック" charset="0"/>
-              </a:defRPr>
-            </a:lvl9pPr>
-          </a:lstStyle>
-          <a:p>
-            <a:pPr eaLnBrk="1" hangingPunct="1"/>
-            <a:fld id="{BED688D4-BF7C-9B40-ACE9-B09FFDC48284}" type="slidenum">
-              <a:rPr lang="en-US" sz="1400">
-                <a:solidFill>
-                  <a:srgbClr val="FBFCFF"/>
-                </a:solidFill>
-              </a:rPr>
-              <a:pPr eaLnBrk="1" hangingPunct="1"/>
-              <a:t>3</a:t>
-            </a:fld>
-            <a:endParaRPr lang="en-US" sz="1400">
-              <a:solidFill>
-                <a:srgbClr val="FBFCFF"/>
-              </a:solidFill>
-            </a:endParaRPr>
-          </a:p>
-        </p:txBody>
-      </p:sp>
-      <p:sp>
-        <p:nvSpPr>
-          <p:cNvPr id="57348" name="TextBox 4"/>
+          <p:cNvPr id="303106" name="Slide Number Placeholder 3"/>
           <p:cNvSpPr txBox="1">
-            <a:spLocks noChangeArrowheads="1"/>
+            <a:spLocks noGrp="1"/>
           </p:cNvSpPr>
           <p:nvPr/>
         </p:nvSpPr>
         <p:spPr bwMode="auto">
           <a:xfrm>
-            <a:off x="1444625" y="3357563"/>
-            <a:ext cx="11733213" cy="4772025"/>
+            <a:off x="315868" y="9189943"/>
+            <a:ext cx="866378" cy="541514"/>
           </a:xfrm>
           <a:prstGeom prst="rect">
             <a:avLst/>
           </a:prstGeom>
           <a:noFill/>
           <a:ln>
-            <a:noFill/>
+            <a:miter lim="800000"/>
+            <a:headEnd/>
+            <a:tailEnd/>
           </a:ln>
-          <a:extLst>
-            <a:ext uri="{909E8E84-426E-40dd-AFC4-6F175D3DCCD1}">
-              <a14:hiddenFill xmlns:a14="http://schemas.microsoft.com/office/drawing/2010/main">
-                <a:solidFill>
-                  <a:srgbClr val="FFFFFF"/>
-                </a:solidFill>
-              </a14:hiddenFill>
-            </a:ext>
-            <a:ext uri="{91240B29-F687-4f45-9708-019B960494DF}">
-              <a14:hiddenLine xmlns:a14="http://schemas.microsoft.com/office/drawing/2010/main" w="9525">
-                <a:solidFill>
-                  <a:srgbClr val="000000"/>
-                </a:solidFill>
-                <a:miter lim="800000"/>
-                <a:headEnd/>
-                <a:tailEnd/>
-              </a14:hiddenLine>
-            </a:ext>
-          </a:extLst>
         </p:spPr>
         <p:txBody>
-          <a:bodyPr wrap="none" lIns="154707" tIns="77354" rIns="154707" bIns="77354">
-            <a:spAutoFit/>
-          </a:bodyPr>
-          <a:lstStyle>
-            <a:lvl1pPr eaLnBrk="0" hangingPunct="0">
-              <a:defRPr sz="3000">
-                <a:solidFill>
-                  <a:schemeClr val="tx1"/>
-                </a:solidFill>
-                <a:latin typeface="Arial" charset="0"/>
-                <a:ea typeface="ＭＳ Ｐゴシック" charset="0"/>
-                <a:cs typeface="ＭＳ Ｐゴシック" charset="0"/>
-              </a:defRPr>
-            </a:lvl1pPr>
-            <a:lvl2pPr marL="742950" indent="-285750" eaLnBrk="0" hangingPunct="0">
-              <a:defRPr sz="3000">
-                <a:solidFill>
-                  <a:schemeClr val="tx1"/>
-                </a:solidFill>
-                <a:latin typeface="Arial" charset="0"/>
-                <a:ea typeface="ＭＳ Ｐゴシック" charset="0"/>
-              </a:defRPr>
-            </a:lvl2pPr>
-            <a:lvl3pPr marL="1143000" indent="-228600" eaLnBrk="0" hangingPunct="0">
-              <a:defRPr sz="3000">
-                <a:solidFill>
-                  <a:schemeClr val="tx1"/>
-                </a:solidFill>
-                <a:latin typeface="Arial" charset="0"/>
-                <a:ea typeface="ＭＳ Ｐゴシック" charset="0"/>
-              </a:defRPr>
-            </a:lvl3pPr>
-            <a:lvl4pPr marL="1600200" indent="-228600" eaLnBrk="0" hangingPunct="0">
-              <a:defRPr sz="3000">
-                <a:solidFill>
-                  <a:schemeClr val="tx1"/>
-                </a:solidFill>
-                <a:latin typeface="Arial" charset="0"/>
-                <a:ea typeface="ＭＳ Ｐゴシック" charset="0"/>
-              </a:defRPr>
-            </a:lvl4pPr>
-            <a:lvl5pPr marL="2057400" indent="-228600" eaLnBrk="0" hangingPunct="0">
-              <a:defRPr sz="3000">
-                <a:solidFill>
-                  <a:schemeClr val="tx1"/>
-                </a:solidFill>
-                <a:latin typeface="Arial" charset="0"/>
-                <a:ea typeface="ＭＳ Ｐゴシック" charset="0"/>
-              </a:defRPr>
-            </a:lvl5pPr>
-            <a:lvl6pPr marL="2514600" indent="-228600" defTabSz="773113" eaLnBrk="0" fontAlgn="base" hangingPunct="0">
-              <a:spcBef>
-                <a:spcPct val="0"/>
-              </a:spcBef>
-              <a:spcAft>
-                <a:spcPct val="0"/>
-              </a:spcAft>
-              <a:defRPr sz="3000">
-                <a:solidFill>
-                  <a:schemeClr val="tx1"/>
-                </a:solidFill>
-                <a:latin typeface="Arial" charset="0"/>
-                <a:ea typeface="ＭＳ Ｐゴシック" charset="0"/>
-              </a:defRPr>
-            </a:lvl6pPr>
-            <a:lvl7pPr marL="2971800" indent="-228600" defTabSz="773113" eaLnBrk="0" fontAlgn="base" hangingPunct="0">
-              <a:spcBef>
-                <a:spcPct val="0"/>
-              </a:spcBef>
-              <a:spcAft>
-                <a:spcPct val="0"/>
-              </a:spcAft>
-              <a:defRPr sz="3000">
-                <a:solidFill>
-                  <a:schemeClr val="tx1"/>
-                </a:solidFill>
-                <a:latin typeface="Arial" charset="0"/>
-                <a:ea typeface="ＭＳ Ｐゴシック" charset="0"/>
-              </a:defRPr>
-            </a:lvl7pPr>
-            <a:lvl8pPr marL="3429000" indent="-228600" defTabSz="773113" eaLnBrk="0" fontAlgn="base" hangingPunct="0">
-              <a:spcBef>
-                <a:spcPct val="0"/>
-              </a:spcBef>
-              <a:spcAft>
-                <a:spcPct val="0"/>
-              </a:spcAft>
-              <a:defRPr sz="3000">
-                <a:solidFill>
-                  <a:schemeClr val="tx1"/>
-                </a:solidFill>
-                <a:latin typeface="Arial" charset="0"/>
-                <a:ea typeface="ＭＳ Ｐゴシック" charset="0"/>
-              </a:defRPr>
-            </a:lvl8pPr>
-            <a:lvl9pPr marL="3886200" indent="-228600" defTabSz="773113" eaLnBrk="0" fontAlgn="base" hangingPunct="0">
-              <a:spcBef>
-                <a:spcPct val="0"/>
-              </a:spcBef>
-              <a:spcAft>
-                <a:spcPct val="0"/>
-              </a:spcAft>
-              <a:defRPr sz="3000">
-                <a:solidFill>
-                  <a:schemeClr val="tx1"/>
-                </a:solidFill>
-                <a:latin typeface="Arial" charset="0"/>
-                <a:ea typeface="ＭＳ Ｐゴシック" charset="0"/>
-              </a:defRPr>
-            </a:lvl9pPr>
-          </a:lstStyle>
-          <a:p>
-            <a:pPr eaLnBrk="1" hangingPunct="1"/>
-            <a:r>
-              <a:rPr lang="en-US">
-                <a:latin typeface="Consolas" charset="0"/>
-                <a:cs typeface="Consolas" charset="0"/>
+          <a:bodyPr lIns="154707" tIns="77354" rIns="154707" bIns="77354"/>
+          <a:lstStyle/>
+          <a:p>
+            <a:pPr eaLnBrk="0" hangingPunct="0">
+              <a:defRPr/>
+            </a:pPr>
+            <a:fld id="{1BD3BB7B-F997-4B7C-BCBE-A063D59C732E}" type="slidenum">
+              <a:rPr lang="en-US" sz="1500" b="1">
+                <a:solidFill>
+                  <a:srgbClr val="7B7B7B"/>
+                </a:solidFill>
+                <a:ea typeface="ＭＳ Ｐゴシック" pitchFamily="34" charset="-128"/>
+                <a:cs typeface="+mn-cs"/>
               </a:rPr>
-              <a:t>onSearchResponse(data) {</a:t>
-            </a:r>
-          </a:p>
-          <a:p>
-            <a:pPr eaLnBrk="1" hangingPunct="1"/>
-            <a:r>
-              <a:rPr lang="en-US">
-                <a:latin typeface="Consolas" charset="0"/>
-                <a:cs typeface="Consolas" charset="0"/>
-              </a:rPr>
-              <a:t>…</a:t>
-            </a:r>
-          </a:p>
-          <a:p>
-            <a:pPr eaLnBrk="1" hangingPunct="1"/>
-            <a:r>
-              <a:rPr lang="en-US">
-                <a:latin typeface="Consolas" charset="0"/>
-                <a:cs typeface="Consolas" charset="0"/>
-              </a:rPr>
-              <a:t>  str += "&lt;a onclick=\"</a:t>
-            </a:r>
-            <a:r>
-              <a:rPr lang="en-US">
-                <a:solidFill>
-                  <a:srgbClr val="FF0000"/>
-                </a:solidFill>
-                <a:latin typeface="Consolas" charset="0"/>
-                <a:cs typeface="Consolas" charset="0"/>
-              </a:rPr>
-              <a:t>playVideo(" + video.id +")\</a:t>
-            </a:r>
-            <a:r>
-              <a:rPr lang="en-US">
-                <a:latin typeface="Consolas" charset="0"/>
-                <a:cs typeface="Consolas" charset="0"/>
-              </a:rPr>
-              <a:t>"&gt;";</a:t>
-            </a:r>
-          </a:p>
-          <a:p>
-            <a:pPr eaLnBrk="1" hangingPunct="1"/>
-            <a:r>
-              <a:rPr lang="en-US">
-                <a:latin typeface="Consolas" charset="0"/>
-                <a:cs typeface="Consolas" charset="0"/>
-              </a:rPr>
-              <a:t>… </a:t>
-            </a:r>
-          </a:p>
-          <a:p>
-            <a:pPr eaLnBrk="1" hangingPunct="1"/>
-            <a:r>
-              <a:rPr lang="en-US">
-                <a:latin typeface="Consolas" charset="0"/>
-                <a:cs typeface="Consolas" charset="0"/>
-              </a:rPr>
-              <a:t>}</a:t>
-            </a:r>
-          </a:p>
-          <a:p>
-            <a:pPr eaLnBrk="1" hangingPunct="1"/>
-            <a:endParaRPr lang="en-US">
-              <a:latin typeface="Consolas" charset="0"/>
-              <a:cs typeface="Consolas" charset="0"/>
+              <a:pPr eaLnBrk="0" hangingPunct="0">
+                <a:defRPr/>
+              </a:pPr>
+              <a:t>3</a:t>
+            </a:fld>
+            <a:endParaRPr lang="en-US" sz="1500" b="1" dirty="0">
+              <a:solidFill>
+                <a:srgbClr val="7B7B7B"/>
+              </a:solidFill>
+              <a:ea typeface="ＭＳ Ｐゴシック" pitchFamily="34" charset="-128"/>
+              <a:cs typeface="+mn-cs"/>
             </a:endParaRPr>
           </a:p>
-          <a:p>
-            <a:pPr eaLnBrk="1" hangingPunct="1"/>
-            <a:r>
-              <a:rPr lang="en-US">
-                <a:latin typeface="Consolas" charset="0"/>
-                <a:cs typeface="Consolas" charset="0"/>
-              </a:rPr>
-              <a:t>function </a:t>
-            </a:r>
-            <a:r>
-              <a:rPr lang="en-US">
-                <a:solidFill>
-                  <a:srgbClr val="FF0000"/>
-                </a:solidFill>
-                <a:latin typeface="Consolas" charset="0"/>
-                <a:cs typeface="Consolas" charset="0"/>
-              </a:rPr>
-              <a:t>playVideo(id) </a:t>
-            </a:r>
-            <a:r>
-              <a:rPr lang="en-US">
-                <a:latin typeface="Consolas" charset="0"/>
-                <a:cs typeface="Consolas" charset="0"/>
-              </a:rPr>
-              <a:t>{</a:t>
-            </a:r>
-          </a:p>
-          <a:p>
-            <a:pPr eaLnBrk="1" hangingPunct="1"/>
-            <a:r>
-              <a:rPr lang="en-US">
-                <a:latin typeface="Consolas" charset="0"/>
-                <a:cs typeface="Consolas" charset="0"/>
-              </a:rPr>
-              <a:t>  videoPlayer.loadVideo(id);</a:t>
-            </a:r>
-          </a:p>
-          <a:p>
-            <a:pPr eaLnBrk="1" hangingPunct="1"/>
-            <a:r>
-              <a:rPr lang="en-US">
-                <a:latin typeface="Consolas" charset="0"/>
-                <a:cs typeface="Consolas" charset="0"/>
-              </a:rPr>
-              <a:t>}</a:t>
-            </a:r>
-          </a:p>
-          <a:p>
-            <a:pPr eaLnBrk="1" hangingPunct="1"/>
-            <a:endParaRPr lang="en-US">
-              <a:latin typeface="Monaco" charset="0"/>
-              <a:cs typeface="Monaco" charset="0"/>
-            </a:endParaRPr>
-          </a:p>
-        </p:txBody>
-      </p:sp>
-      <p:sp>
-        <p:nvSpPr>
-          <p:cNvPr id="57349" name="TextBox 5"/>
-          <p:cNvSpPr txBox="1">
-            <a:spLocks noChangeArrowheads="1"/>
-          </p:cNvSpPr>
-          <p:nvPr/>
-        </p:nvSpPr>
-        <p:spPr bwMode="auto">
+        </p:txBody>
+      </p:sp>
+      <p:sp>
+        <p:nvSpPr>
+          <p:cNvPr id="5" name="Text Placeholder 4"/>
+          <p:cNvSpPr>
+            <a:spLocks noGrp="1"/>
+          </p:cNvSpPr>
+          <p:nvPr>
+            <p:ph type="body" sz="quarter" idx="10"/>
+          </p:nvPr>
+        </p:nvSpPr>
+        <p:spPr>
           <a:xfrm>
-            <a:off x="1993900" y="8231188"/>
-            <a:ext cx="11942763" cy="679450"/>
+            <a:off x="842320" y="4224829"/>
+            <a:ext cx="11649981" cy="2125382"/>
           </a:xfrm>
-          <a:prstGeom prst="rect">
-            <a:avLst/>
-          </a:prstGeom>
-          <a:noFill/>
-          <a:ln>
-            <a:noFill/>
-          </a:ln>
-          <a:extLst>
-            <a:ext uri="{909E8E84-426E-40dd-AFC4-6F175D3DCCD1}">
-              <a14:hiddenFill xmlns:a14="http://schemas.microsoft.com/office/drawing/2010/main">
-                <a:solidFill>
-                  <a:srgbClr val="FFFFFF"/>
-                </a:solidFill>
-              </a14:hiddenFill>
-            </a:ext>
-            <a:ext uri="{91240B29-F687-4f45-9708-019B960494DF}">
-              <a14:hiddenLine xmlns:a14="http://schemas.microsoft.com/office/drawing/2010/main" w="9525">
-                <a:solidFill>
-                  <a:srgbClr val="000000"/>
-                </a:solidFill>
-                <a:miter lim="800000"/>
-                <a:headEnd/>
-                <a:tailEnd/>
-              </a14:hiddenLine>
-            </a:ext>
-          </a:extLst>
         </p:spPr>
         <p:txBody>
-          <a:bodyPr wrap="none" lIns="154707" tIns="77354" rIns="154707" bIns="77354">
-            <a:spAutoFit/>
-          </a:bodyPr>
-          <a:lstStyle>
-            <a:lvl1pPr eaLnBrk="0" hangingPunct="0">
-              <a:defRPr sz="3000">
-                <a:solidFill>
-                  <a:schemeClr val="tx1"/>
-                </a:solidFill>
-                <a:latin typeface="Arial" charset="0"/>
-                <a:ea typeface="ＭＳ Ｐゴシック" charset="0"/>
-                <a:cs typeface="ＭＳ Ｐゴシック" charset="0"/>
-              </a:defRPr>
-            </a:lvl1pPr>
-            <a:lvl2pPr marL="742950" indent="-285750" eaLnBrk="0" hangingPunct="0">
-              <a:defRPr sz="3000">
-                <a:solidFill>
-                  <a:schemeClr val="tx1"/>
-                </a:solidFill>
-                <a:latin typeface="Arial" charset="0"/>
-                <a:ea typeface="ＭＳ Ｐゴシック" charset="0"/>
-              </a:defRPr>
-            </a:lvl2pPr>
-            <a:lvl3pPr marL="1143000" indent="-228600" eaLnBrk="0" hangingPunct="0">
-              <a:defRPr sz="3000">
-                <a:solidFill>
-                  <a:schemeClr val="tx1"/>
-                </a:solidFill>
-                <a:latin typeface="Arial" charset="0"/>
-                <a:ea typeface="ＭＳ Ｐゴシック" charset="0"/>
-              </a:defRPr>
-            </a:lvl3pPr>
-            <a:lvl4pPr marL="1600200" indent="-228600" eaLnBrk="0" hangingPunct="0">
-              <a:defRPr sz="3000">
-                <a:solidFill>
-                  <a:schemeClr val="tx1"/>
-                </a:solidFill>
-                <a:latin typeface="Arial" charset="0"/>
-                <a:ea typeface="ＭＳ Ｐゴシック" charset="0"/>
-              </a:defRPr>
-            </a:lvl4pPr>
-            <a:lvl5pPr marL="2057400" indent="-228600" eaLnBrk="0" hangingPunct="0">
-              <a:defRPr sz="3000">
-                <a:solidFill>
-                  <a:schemeClr val="tx1"/>
-                </a:solidFill>
-                <a:latin typeface="Arial" charset="0"/>
-                <a:ea typeface="ＭＳ Ｐゴシック" charset="0"/>
-              </a:defRPr>
-            </a:lvl5pPr>
-            <a:lvl6pPr marL="2514600" indent="-228600" defTabSz="773113" eaLnBrk="0" fontAlgn="base" hangingPunct="0">
-              <a:spcBef>
-                <a:spcPct val="0"/>
-              </a:spcBef>
-              <a:spcAft>
-                <a:spcPct val="0"/>
-              </a:spcAft>
-              <a:defRPr sz="3000">
-                <a:solidFill>
-                  <a:schemeClr val="tx1"/>
-                </a:solidFill>
-                <a:latin typeface="Arial" charset="0"/>
-                <a:ea typeface="ＭＳ Ｐゴシック" charset="0"/>
-              </a:defRPr>
-            </a:lvl6pPr>
-            <a:lvl7pPr marL="2971800" indent="-228600" defTabSz="773113" eaLnBrk="0" fontAlgn="base" hangingPunct="0">
-              <a:spcBef>
-                <a:spcPct val="0"/>
-              </a:spcBef>
-              <a:spcAft>
-                <a:spcPct val="0"/>
-              </a:spcAft>
-              <a:defRPr sz="3000">
-                <a:solidFill>
-                  <a:schemeClr val="tx1"/>
-                </a:solidFill>
-                <a:latin typeface="Arial" charset="0"/>
-                <a:ea typeface="ＭＳ Ｐゴシック" charset="0"/>
-              </a:defRPr>
-            </a:lvl7pPr>
-            <a:lvl8pPr marL="3429000" indent="-228600" defTabSz="773113" eaLnBrk="0" fontAlgn="base" hangingPunct="0">
-              <a:spcBef>
-                <a:spcPct val="0"/>
-              </a:spcBef>
-              <a:spcAft>
-                <a:spcPct val="0"/>
-              </a:spcAft>
-              <a:defRPr sz="3000">
-                <a:solidFill>
-                  <a:schemeClr val="tx1"/>
-                </a:solidFill>
-                <a:latin typeface="Arial" charset="0"/>
-                <a:ea typeface="ＭＳ Ｐゴシック" charset="0"/>
-              </a:defRPr>
-            </a:lvl8pPr>
-            <a:lvl9pPr marL="3886200" indent="-228600" defTabSz="773113" eaLnBrk="0" fontAlgn="base" hangingPunct="0">
-              <a:spcBef>
-                <a:spcPct val="0"/>
-              </a:spcBef>
-              <a:spcAft>
-                <a:spcPct val="0"/>
-              </a:spcAft>
-              <a:defRPr sz="3000">
-                <a:solidFill>
-                  <a:schemeClr val="tx1"/>
-                </a:solidFill>
-                <a:latin typeface="Arial" charset="0"/>
-                <a:ea typeface="ＭＳ Ｐゴシック" charset="0"/>
-              </a:defRPr>
-            </a:lvl9pPr>
-          </a:lstStyle>
-          <a:p>
-            <a:pPr eaLnBrk="1" hangingPunct="1"/>
-            <a:r>
-              <a:rPr lang="en-US" sz="3400"/>
-              <a:t>Take the companion course: </a:t>
-            </a:r>
-            <a:r>
-              <a:rPr lang="en-US" sz="3400" i="1"/>
-              <a:t>Developing with the Player API</a:t>
-            </a:r>
+          <a:bodyPr/>
+          <a:lstStyle/>
+          <a:p>
+            <a:r>
+              <a:rPr lang="en-US" dirty="0" smtClean="0"/>
+              <a:t>Demo</a:t>
+            </a:r>
+            <a:r>
+              <a:rPr lang="en-US" dirty="0" smtClean="0"/>
+              <a:t> 6: Using Dynamic Search Criteria</a:t>
+            </a:r>
+            <a:endParaRPr lang="en-US" dirty="0" smtClean="0"/>
           </a:p>
         </p:txBody>
       </p:sp>
     </p:spTree>
     <p:extLst>
       <p:ext uri="{BB962C8B-B14F-4D97-AF65-F5344CB8AC3E}">
-        <p14:creationId xmlns:p14="http://schemas.microsoft.com/office/powerpoint/2010/main" val="555172548"/>
+        <p14:creationId xmlns:p14="http://schemas.microsoft.com/office/powerpoint/2010/main" xmlns:p="http://schemas.openxmlformats.org/presentationml/2006/main" xmlns:r="http://schemas.openxmlformats.org/officeDocument/2006/relationships" xmlns:a="http://schemas.openxmlformats.org/drawingml/2006/main" xmlns="" val="3539376714"/>
       </p:ext>
     </p:extLst>
   </p:cSld>
   <p:clrMapOvr>
     <a:masterClrMapping/>
   </p:clrMapOvr>
+  <p:transition/>
   <p:timing>
     <p:tnLst>
       <p:par>
-        <p:cTn xmlns:p14="http://schemas.microsoft.com/office/powerpoint/2010/main" id="1" dur="indefinite" restart="never" nodeType="tmRoot"/>
+        <p:cTn id="1" dur="indefinite" restart="never" nodeType="tmRoot"/>
       </p:par>
     </p:tnLst>
   </p:timing>
@@ -6279,7 +5456,7 @@
 </file>
 
 <file path=ppt/slides/slide4.xml><?xml version="1.0" encoding="utf-8"?>
-<p:sld xmlns:a="http://schemas.openxmlformats.org/drawingml/2006/main" xmlns:r="http://schemas.openxmlformats.org/officeDocument/2006/relationships" xmlns:p="http://schemas.openxmlformats.org/presentationml/2006/main">
+<p:sld xmlns:a="http://schemas.openxmlformats.org/drawingml/2006/main" xmlns:r="http://schemas.openxmlformats.org/officeDocument/2006/relationships" xmlns:mc="http://schemas.openxmlformats.org/markup-compatibility/2006" xmlns:mv="urn:schemas-microsoft-com:mac:vml" xmlns:p="http://schemas.openxmlformats.org/presentationml/2006/main" mc:Ignorable="mv" mc:PreserveAttributes="mv:*">
   <p:cSld>
     <p:spTree>
       <p:nvGrpSpPr>
@@ -6297,476 +5474,6 @@
       </p:grpSpPr>
       <p:sp>
         <p:nvSpPr>
-          <p:cNvPr id="3" name="Title 2"/>
-          <p:cNvSpPr>
-            <a:spLocks noGrp="1"/>
-          </p:cNvSpPr>
-          <p:nvPr>
-            <p:ph type="title"/>
-          </p:nvPr>
-        </p:nvSpPr>
-        <p:spPr/>
-        <p:txBody>
-          <a:bodyPr/>
-          <a:lstStyle/>
-          <a:p>
-            <a:r>
-              <a:rPr lang="en-US" dirty="0" smtClean="0"/>
-              <a:t>Title</a:t>
-            </a:r>
-            <a:endParaRPr lang="en-US" dirty="0"/>
-          </a:p>
-        </p:txBody>
-      </p:sp>
-      <p:sp>
-        <p:nvSpPr>
-          <p:cNvPr id="4" name="Content Placeholder 3"/>
-          <p:cNvSpPr>
-            <a:spLocks noGrp="1"/>
-          </p:cNvSpPr>
-          <p:nvPr>
-            <p:ph idx="1"/>
-          </p:nvPr>
-        </p:nvSpPr>
-        <p:spPr/>
-        <p:txBody>
-          <a:bodyPr>
-            <a:normAutofit/>
-          </a:bodyPr>
-          <a:lstStyle/>
-          <a:p>
-            <a:r>
-              <a:rPr lang="en-US" sz="3200" dirty="0" smtClean="0"/>
-              <a:t>Content</a:t>
-            </a:r>
-          </a:p>
-          <a:p>
-            <a:endParaRPr lang="en-US" sz="3200" dirty="0"/>
-          </a:p>
-        </p:txBody>
-      </p:sp>
-    </p:spTree>
-    <p:extLst>
-      <p:ext uri="{BB962C8B-B14F-4D97-AF65-F5344CB8AC3E}">
-        <p14:creationId xmlns:p14="http://schemas.microsoft.com/office/powerpoint/2010/main" val="1723545958"/>
-      </p:ext>
-    </p:extLst>
-  </p:cSld>
-  <p:clrMapOvr>
-    <a:masterClrMapping/>
-  </p:clrMapOvr>
-  <p:timing>
-    <p:tnLst>
-      <p:par>
-        <p:cTn xmlns:p14="http://schemas.microsoft.com/office/powerpoint/2010/main" id="1" dur="indefinite" restart="never" nodeType="tmRoot"/>
-      </p:par>
-    </p:tnLst>
-  </p:timing>
-</p:sld>
-</file>
-
-<file path=ppt/slides/slide5.xml><?xml version="1.0" encoding="utf-8"?>
-<p:sld xmlns:a="http://schemas.openxmlformats.org/drawingml/2006/main" xmlns:r="http://schemas.openxmlformats.org/officeDocument/2006/relationships" xmlns:p="http://schemas.openxmlformats.org/presentationml/2006/main">
-  <p:cSld>
-    <p:spTree>
-      <p:nvGrpSpPr>
-        <p:cNvPr id="1" name=""/>
-        <p:cNvGrpSpPr/>
-        <p:nvPr/>
-      </p:nvGrpSpPr>
-      <p:grpSpPr>
-        <a:xfrm>
-          <a:off x="0" y="0"/>
-          <a:ext cx="0" cy="0"/>
-          <a:chOff x="0" y="0"/>
-          <a:chExt cx="0" cy="0"/>
-        </a:xfrm>
-      </p:grpSpPr>
-      <p:sp>
-        <p:nvSpPr>
-          <p:cNvPr id="3" name="Title 2"/>
-          <p:cNvSpPr>
-            <a:spLocks noGrp="1"/>
-          </p:cNvSpPr>
-          <p:nvPr>
-            <p:ph type="title"/>
-          </p:nvPr>
-        </p:nvSpPr>
-        <p:spPr/>
-        <p:txBody>
-          <a:bodyPr/>
-          <a:lstStyle/>
-          <a:p>
-            <a:r>
-              <a:rPr lang="en-US" dirty="0" smtClean="0"/>
-              <a:t>Title</a:t>
-            </a:r>
-            <a:endParaRPr lang="en-US" dirty="0"/>
-          </a:p>
-        </p:txBody>
-      </p:sp>
-      <p:sp>
-        <p:nvSpPr>
-          <p:cNvPr id="4" name="Content Placeholder 3"/>
-          <p:cNvSpPr>
-            <a:spLocks noGrp="1"/>
-          </p:cNvSpPr>
-          <p:nvPr>
-            <p:ph idx="1"/>
-          </p:nvPr>
-        </p:nvSpPr>
-        <p:spPr/>
-        <p:txBody>
-          <a:bodyPr>
-            <a:normAutofit/>
-          </a:bodyPr>
-          <a:lstStyle/>
-          <a:p>
-            <a:r>
-              <a:rPr lang="en-US" sz="3200" dirty="0" smtClean="0"/>
-              <a:t>Content</a:t>
-            </a:r>
-          </a:p>
-          <a:p>
-            <a:endParaRPr lang="en-US" sz="3200" dirty="0"/>
-          </a:p>
-        </p:txBody>
-      </p:sp>
-    </p:spTree>
-    <p:extLst>
-      <p:ext uri="{BB962C8B-B14F-4D97-AF65-F5344CB8AC3E}">
-        <p14:creationId xmlns:p14="http://schemas.microsoft.com/office/powerpoint/2010/main" val="2108713422"/>
-      </p:ext>
-    </p:extLst>
-  </p:cSld>
-  <p:clrMapOvr>
-    <a:masterClrMapping/>
-  </p:clrMapOvr>
-  <p:timing>
-    <p:tnLst>
-      <p:par>
-        <p:cTn xmlns:p14="http://schemas.microsoft.com/office/powerpoint/2010/main" id="1" dur="indefinite" restart="never" nodeType="tmRoot"/>
-      </p:par>
-    </p:tnLst>
-  </p:timing>
-</p:sld>
-</file>
-
-<file path=ppt/slides/slide6.xml><?xml version="1.0" encoding="utf-8"?>
-<p:sld xmlns:a="http://schemas.openxmlformats.org/drawingml/2006/main" xmlns:r="http://schemas.openxmlformats.org/officeDocument/2006/relationships" xmlns:p="http://schemas.openxmlformats.org/presentationml/2006/main">
-  <p:cSld>
-    <p:spTree>
-      <p:nvGrpSpPr>
-        <p:cNvPr id="1" name=""/>
-        <p:cNvGrpSpPr/>
-        <p:nvPr/>
-      </p:nvGrpSpPr>
-      <p:grpSpPr>
-        <a:xfrm>
-          <a:off x="0" y="0"/>
-          <a:ext cx="0" cy="0"/>
-          <a:chOff x="0" y="0"/>
-          <a:chExt cx="0" cy="0"/>
-        </a:xfrm>
-      </p:grpSpPr>
-      <p:sp>
-        <p:nvSpPr>
-          <p:cNvPr id="3" name="Title 2"/>
-          <p:cNvSpPr>
-            <a:spLocks noGrp="1"/>
-          </p:cNvSpPr>
-          <p:nvPr>
-            <p:ph type="title"/>
-          </p:nvPr>
-        </p:nvSpPr>
-        <p:spPr/>
-        <p:txBody>
-          <a:bodyPr/>
-          <a:lstStyle/>
-          <a:p>
-            <a:r>
-              <a:rPr lang="en-US" dirty="0" smtClean="0"/>
-              <a:t>Title</a:t>
-            </a:r>
-            <a:endParaRPr lang="en-US" dirty="0"/>
-          </a:p>
-        </p:txBody>
-      </p:sp>
-      <p:sp>
-        <p:nvSpPr>
-          <p:cNvPr id="4" name="Content Placeholder 3"/>
-          <p:cNvSpPr>
-            <a:spLocks noGrp="1"/>
-          </p:cNvSpPr>
-          <p:nvPr>
-            <p:ph idx="1"/>
-          </p:nvPr>
-        </p:nvSpPr>
-        <p:spPr/>
-        <p:txBody>
-          <a:bodyPr>
-            <a:normAutofit/>
-          </a:bodyPr>
-          <a:lstStyle/>
-          <a:p>
-            <a:r>
-              <a:rPr lang="en-US" sz="3200" dirty="0" smtClean="0"/>
-              <a:t>Content</a:t>
-            </a:r>
-          </a:p>
-          <a:p>
-            <a:endParaRPr lang="en-US" sz="3200" dirty="0"/>
-          </a:p>
-        </p:txBody>
-      </p:sp>
-    </p:spTree>
-    <p:extLst>
-      <p:ext uri="{BB962C8B-B14F-4D97-AF65-F5344CB8AC3E}">
-        <p14:creationId xmlns:p14="http://schemas.microsoft.com/office/powerpoint/2010/main" val="2805855639"/>
-      </p:ext>
-    </p:extLst>
-  </p:cSld>
-  <p:clrMapOvr>
-    <a:masterClrMapping/>
-  </p:clrMapOvr>
-  <p:timing>
-    <p:tnLst>
-      <p:par>
-        <p:cTn xmlns:p14="http://schemas.microsoft.com/office/powerpoint/2010/main" id="1" dur="indefinite" restart="never" nodeType="tmRoot"/>
-      </p:par>
-    </p:tnLst>
-  </p:timing>
-</p:sld>
-</file>
-
-<file path=ppt/slides/slide7.xml><?xml version="1.0" encoding="utf-8"?>
-<p:sld xmlns:a="http://schemas.openxmlformats.org/drawingml/2006/main" xmlns:r="http://schemas.openxmlformats.org/officeDocument/2006/relationships" xmlns:p="http://schemas.openxmlformats.org/presentationml/2006/main">
-  <p:cSld>
-    <p:spTree>
-      <p:nvGrpSpPr>
-        <p:cNvPr id="1" name=""/>
-        <p:cNvGrpSpPr/>
-        <p:nvPr/>
-      </p:nvGrpSpPr>
-      <p:grpSpPr>
-        <a:xfrm>
-          <a:off x="0" y="0"/>
-          <a:ext cx="0" cy="0"/>
-          <a:chOff x="0" y="0"/>
-          <a:chExt cx="0" cy="0"/>
-        </a:xfrm>
-      </p:grpSpPr>
-      <p:sp>
-        <p:nvSpPr>
-          <p:cNvPr id="3" name="Title 2"/>
-          <p:cNvSpPr>
-            <a:spLocks noGrp="1"/>
-          </p:cNvSpPr>
-          <p:nvPr>
-            <p:ph type="title"/>
-          </p:nvPr>
-        </p:nvSpPr>
-        <p:spPr/>
-        <p:txBody>
-          <a:bodyPr/>
-          <a:lstStyle/>
-          <a:p>
-            <a:r>
-              <a:rPr lang="en-US" dirty="0" smtClean="0"/>
-              <a:t>Title</a:t>
-            </a:r>
-            <a:endParaRPr lang="en-US" dirty="0"/>
-          </a:p>
-        </p:txBody>
-      </p:sp>
-      <p:sp>
-        <p:nvSpPr>
-          <p:cNvPr id="4" name="Content Placeholder 3"/>
-          <p:cNvSpPr>
-            <a:spLocks noGrp="1"/>
-          </p:cNvSpPr>
-          <p:nvPr>
-            <p:ph idx="1"/>
-          </p:nvPr>
-        </p:nvSpPr>
-        <p:spPr/>
-        <p:txBody>
-          <a:bodyPr>
-            <a:normAutofit/>
-          </a:bodyPr>
-          <a:lstStyle/>
-          <a:p>
-            <a:r>
-              <a:rPr lang="en-US" sz="3200" dirty="0" smtClean="0"/>
-              <a:t>Content</a:t>
-            </a:r>
-          </a:p>
-          <a:p>
-            <a:endParaRPr lang="en-US" sz="3200" dirty="0"/>
-          </a:p>
-        </p:txBody>
-      </p:sp>
-    </p:spTree>
-    <p:extLst>
-      <p:ext uri="{BB962C8B-B14F-4D97-AF65-F5344CB8AC3E}">
-        <p14:creationId xmlns:p14="http://schemas.microsoft.com/office/powerpoint/2010/main" val="2514608167"/>
-      </p:ext>
-    </p:extLst>
-  </p:cSld>
-  <p:clrMapOvr>
-    <a:masterClrMapping/>
-  </p:clrMapOvr>
-  <p:timing>
-    <p:tnLst>
-      <p:par>
-        <p:cTn xmlns:p14="http://schemas.microsoft.com/office/powerpoint/2010/main" id="1" dur="indefinite" restart="never" nodeType="tmRoot"/>
-      </p:par>
-    </p:tnLst>
-  </p:timing>
-</p:sld>
-</file>
-
-<file path=ppt/slides/slide8.xml><?xml version="1.0" encoding="utf-8"?>
-<p:sld xmlns:a="http://schemas.openxmlformats.org/drawingml/2006/main" xmlns:r="http://schemas.openxmlformats.org/officeDocument/2006/relationships" xmlns:p="http://schemas.openxmlformats.org/presentationml/2006/main">
-  <p:cSld>
-    <p:spTree>
-      <p:nvGrpSpPr>
-        <p:cNvPr id="1" name=""/>
-        <p:cNvGrpSpPr/>
-        <p:nvPr/>
-      </p:nvGrpSpPr>
-      <p:grpSpPr>
-        <a:xfrm>
-          <a:off x="0" y="0"/>
-          <a:ext cx="0" cy="0"/>
-          <a:chOff x="0" y="0"/>
-          <a:chExt cx="0" cy="0"/>
-        </a:xfrm>
-      </p:grpSpPr>
-      <p:sp>
-        <p:nvSpPr>
-          <p:cNvPr id="303106" name="Slide Number Placeholder 3"/>
-          <p:cNvSpPr txBox="1">
-            <a:spLocks noGrp="1"/>
-          </p:cNvSpPr>
-          <p:nvPr/>
-        </p:nvSpPr>
-        <p:spPr bwMode="auto">
-          <a:xfrm>
-            <a:off x="315868" y="9189943"/>
-            <a:ext cx="866378" cy="541514"/>
-          </a:xfrm>
-          <a:prstGeom prst="rect">
-            <a:avLst/>
-          </a:prstGeom>
-          <a:noFill/>
-          <a:ln>
-            <a:miter lim="800000"/>
-            <a:headEnd/>
-            <a:tailEnd/>
-          </a:ln>
-        </p:spPr>
-        <p:txBody>
-          <a:bodyPr lIns="154707" tIns="77354" rIns="154707" bIns="77354"/>
-          <a:lstStyle/>
-          <a:p>
-            <a:pPr eaLnBrk="0" hangingPunct="0">
-              <a:defRPr/>
-            </a:pPr>
-            <a:fld id="{1BD3BB7B-F997-4B7C-BCBE-A063D59C732E}" type="slidenum">
-              <a:rPr lang="en-US" sz="1500" b="1">
-                <a:solidFill>
-                  <a:srgbClr val="7B7B7B"/>
-                </a:solidFill>
-                <a:ea typeface="ＭＳ Ｐゴシック" pitchFamily="34" charset="-128"/>
-                <a:cs typeface="+mn-cs"/>
-              </a:rPr>
-              <a:pPr eaLnBrk="0" hangingPunct="0">
-                <a:defRPr/>
-              </a:pPr>
-              <a:t>8</a:t>
-            </a:fld>
-            <a:endParaRPr lang="en-US" sz="1500" b="1" dirty="0">
-              <a:solidFill>
-                <a:srgbClr val="7B7B7B"/>
-              </a:solidFill>
-              <a:ea typeface="ＭＳ Ｐゴシック" pitchFamily="34" charset="-128"/>
-              <a:cs typeface="+mn-cs"/>
-            </a:endParaRPr>
-          </a:p>
-        </p:txBody>
-      </p:sp>
-      <p:sp>
-        <p:nvSpPr>
-          <p:cNvPr id="5" name="Text Placeholder 4"/>
-          <p:cNvSpPr>
-            <a:spLocks noGrp="1"/>
-          </p:cNvSpPr>
-          <p:nvPr>
-            <p:ph type="body" sz="quarter" idx="10"/>
-          </p:nvPr>
-        </p:nvSpPr>
-        <p:spPr/>
-        <p:txBody>
-          <a:bodyPr/>
-          <a:lstStyle/>
-          <a:p>
-            <a:r>
-              <a:rPr lang="en-US" dirty="0" smtClean="0"/>
-              <a:t>Demo 5: Using User Input as </a:t>
-            </a:r>
-            <a:r>
-              <a:rPr lang="en-US" smtClean="0"/>
-              <a:t>Limiting </a:t>
-            </a:r>
-            <a:r>
-              <a:rPr lang="en-US" smtClean="0"/>
-              <a:t>Parameters</a:t>
-            </a:r>
-            <a:endParaRPr lang="en-US" dirty="0" smtClean="0"/>
-          </a:p>
-        </p:txBody>
-      </p:sp>
-    </p:spTree>
-    <p:extLst>
-      <p:ext uri="{BB962C8B-B14F-4D97-AF65-F5344CB8AC3E}">
-        <p14:creationId xmlns:p14="http://schemas.microsoft.com/office/powerpoint/2010/main" val="3539376714"/>
-      </p:ext>
-    </p:extLst>
-  </p:cSld>
-  <p:clrMapOvr>
-    <a:masterClrMapping/>
-  </p:clrMapOvr>
-  <p:transition xmlns:p14="http://schemas.microsoft.com/office/powerpoint/2010/main"/>
-  <p:timing>
-    <p:tnLst>
-      <p:par>
-        <p:cTn xmlns:p14="http://schemas.microsoft.com/office/powerpoint/2010/main" id="1" dur="indefinite" restart="never" nodeType="tmRoot"/>
-      </p:par>
-    </p:tnLst>
-  </p:timing>
-</p:sld>
-</file>
-
-<file path=ppt/slides/slide9.xml><?xml version="1.0" encoding="utf-8"?>
-<p:sld xmlns:a="http://schemas.openxmlformats.org/drawingml/2006/main" xmlns:r="http://schemas.openxmlformats.org/officeDocument/2006/relationships" xmlns:p="http://schemas.openxmlformats.org/presentationml/2006/main">
-  <p:cSld>
-    <p:spTree>
-      <p:nvGrpSpPr>
-        <p:cNvPr id="1" name=""/>
-        <p:cNvGrpSpPr/>
-        <p:nvPr/>
-      </p:nvGrpSpPr>
-      <p:grpSpPr>
-        <a:xfrm>
-          <a:off x="0" y="0"/>
-          <a:ext cx="0" cy="0"/>
-          <a:chOff x="0" y="0"/>
-          <a:chExt cx="0" cy="0"/>
-        </a:xfrm>
-      </p:grpSpPr>
-      <p:sp>
-        <p:nvSpPr>
           <p:cNvPr id="3" name="Text Placeholder 2"/>
           <p:cNvSpPr>
             <a:spLocks noGrp="1"/>
@@ -6841,7 +5548,7 @@
               <a:pPr>
                 <a:defRPr/>
               </a:pPr>
-              <a:t>9</a:t>
+              <a:t>4</a:t>
             </a:fld>
             <a:endParaRPr lang="en-US" dirty="0"/>
           </a:p>
@@ -6850,20 +5557,20 @@
     </p:spTree>
     <p:extLst>
       <p:ext uri="{BB962C8B-B14F-4D97-AF65-F5344CB8AC3E}">
-        <p14:creationId xmlns:p14="http://schemas.microsoft.com/office/powerpoint/2010/main" val="3700295984"/>
+        <p14:creationId xmlns:p14="http://schemas.microsoft.com/office/powerpoint/2010/main" xmlns:p="http://schemas.openxmlformats.org/presentationml/2006/main" xmlns:r="http://schemas.openxmlformats.org/officeDocument/2006/relationships" xmlns:a="http://schemas.openxmlformats.org/drawingml/2006/main" xmlns="" val="3700295984"/>
       </p:ext>
     </p:extLst>
   </p:cSld>
   <p:clrMapOvr>
     <a:masterClrMapping/>
   </p:clrMapOvr>
-  <p:transition xmlns:p14="http://schemas.microsoft.com/office/powerpoint/2010/main" spd="med">
+  <p:transition spd="med">
     <p:fade/>
   </p:transition>
   <p:timing>
     <p:tnLst>
       <p:par>
-        <p:cTn xmlns:p14="http://schemas.microsoft.com/office/powerpoint/2010/main" id="1" dur="indefinite" restart="never" nodeType="tmRoot"/>
+        <p:cTn id="1" dur="indefinite" restart="never" nodeType="tmRoot"/>
       </p:par>
     </p:tnLst>
   </p:timing>

--- a/VideoSessionsMaterials/getting-user-input.pptx
+++ b/VideoSessionsMaterials/getting-user-input.pptx
@@ -1,6 +1,6 @@
 
 <file path=ppt/presentation.xml><?xml version="1.0" encoding="utf-8"?>
-<p:presentation xmlns:a="http://schemas.openxmlformats.org/drawingml/2006/main" xmlns:r="http://schemas.openxmlformats.org/officeDocument/2006/relationships" xmlns:mc="http://schemas.openxmlformats.org/markup-compatibility/2006" xmlns:mv="urn:schemas-microsoft-com:mac:vml" xmlns:p="http://schemas.openxmlformats.org/presentationml/2006/main" mc:Ignorable="mv" mc:PreserveAttributes="mv:*" showSpecialPlsOnTitleSld="0" saveSubsetFonts="1" autoCompressPictures="0">
+<p:presentation xmlns:a="http://schemas.openxmlformats.org/drawingml/2006/main" xmlns:r="http://schemas.openxmlformats.org/officeDocument/2006/relationships" xmlns:p="http://schemas.openxmlformats.org/presentationml/2006/main" showSpecialPlsOnTitleSld="0" saveSubsetFonts="1" autoCompressPictures="0">
   <p:sldMasterIdLst>
     <p:sldMasterId id="2147483648" r:id="rId1"/>
   </p:sldMasterIdLst>
@@ -144,7 +144,7 @@
 </file>
 
 <file path=ppt/notesMasters/notesMaster1.xml><?xml version="1.0" encoding="utf-8"?>
-<p:notesMaster xmlns:a="http://schemas.openxmlformats.org/drawingml/2006/main" xmlns:r="http://schemas.openxmlformats.org/officeDocument/2006/relationships" xmlns:mc="http://schemas.openxmlformats.org/markup-compatibility/2006" xmlns:mv="urn:schemas-microsoft-com:mac:vml" xmlns:p="http://schemas.openxmlformats.org/presentationml/2006/main" mc:Ignorable="mv" mc:PreserveAttributes="mv:*">
+<p:notesMaster xmlns:a="http://schemas.openxmlformats.org/drawingml/2006/main" xmlns:r="http://schemas.openxmlformats.org/officeDocument/2006/relationships" xmlns:p="http://schemas.openxmlformats.org/presentationml/2006/main">
   <p:cSld>
     <p:bg>
       <p:bgRef idx="1001">
@@ -395,7 +395,7 @@
     </p:spTree>
     <p:extLst>
       <p:ext uri="{BB962C8B-B14F-4D97-AF65-F5344CB8AC3E}">
-        <p14:creationId xmlns:p14="http://schemas.microsoft.com/office/powerpoint/2010/main" xmlns:p="http://schemas.openxmlformats.org/presentationml/2006/main" xmlns:r="http://schemas.openxmlformats.org/officeDocument/2006/relationships" xmlns:a="http://schemas.openxmlformats.org/drawingml/2006/main" xmlns="" val="4045051341"/>
+        <p14:creationId xmlns:p14="http://schemas.microsoft.com/office/powerpoint/2010/main" val="4045051341"/>
       </p:ext>
     </p:extLst>
   </p:cSld>
@@ -496,7 +496,7 @@
 </file>
 
 <file path=ppt/notesSlides/notesSlide1.xml><?xml version="1.0" encoding="utf-8"?>
-<p:notes xmlns:a="http://schemas.openxmlformats.org/drawingml/2006/main" xmlns:r="http://schemas.openxmlformats.org/officeDocument/2006/relationships" xmlns:mc="http://schemas.openxmlformats.org/markup-compatibility/2006" xmlns:mv="urn:schemas-microsoft-com:mac:vml" xmlns:p="http://schemas.openxmlformats.org/presentationml/2006/main" mc:Ignorable="mv" mc:PreserveAttributes="mv:*">
+<p:notes xmlns:a="http://schemas.openxmlformats.org/drawingml/2006/main" xmlns:r="http://schemas.openxmlformats.org/officeDocument/2006/relationships" xmlns:p="http://schemas.openxmlformats.org/presentationml/2006/main">
   <p:cSld>
     <p:spTree>
       <p:nvGrpSpPr>
@@ -570,7 +570,7 @@
     </p:spTree>
     <p:extLst>
       <p:ext uri="{BB962C8B-B14F-4D97-AF65-F5344CB8AC3E}">
-        <p14:creationId xmlns:p14="http://schemas.microsoft.com/office/powerpoint/2010/main" xmlns:p="http://schemas.openxmlformats.org/presentationml/2006/main" xmlns:r="http://schemas.openxmlformats.org/officeDocument/2006/relationships" xmlns:a="http://schemas.openxmlformats.org/drawingml/2006/main" xmlns="" val="3250658828"/>
+        <p14:creationId xmlns:p14="http://schemas.microsoft.com/office/powerpoint/2010/main" val="3250658828"/>
       </p:ext>
     </p:extLst>
   </p:cSld>
@@ -581,7 +581,7 @@
 </file>
 
 <file path=ppt/notesSlides/notesSlide2.xml><?xml version="1.0" encoding="utf-8"?>
-<p:notes xmlns:a="http://schemas.openxmlformats.org/drawingml/2006/main" xmlns:r="http://schemas.openxmlformats.org/officeDocument/2006/relationships" xmlns:mc="http://schemas.openxmlformats.org/markup-compatibility/2006" xmlns:mv="urn:schemas-microsoft-com:mac:vml" xmlns:p="http://schemas.openxmlformats.org/presentationml/2006/main" mc:Ignorable="mv" mc:PreserveAttributes="mv:*">
+<p:notes xmlns:a="http://schemas.openxmlformats.org/drawingml/2006/main" xmlns:r="http://schemas.openxmlformats.org/officeDocument/2006/relationships" xmlns:p="http://schemas.openxmlformats.org/presentationml/2006/main">
   <p:cSld>
     <p:spTree>
       <p:nvGrpSpPr>
@@ -692,7 +692,7 @@
 </file>
 
 <file path=ppt/notesSlides/notesSlide3.xml><?xml version="1.0" encoding="utf-8"?>
-<p:notes xmlns:a="http://schemas.openxmlformats.org/drawingml/2006/main" xmlns:r="http://schemas.openxmlformats.org/officeDocument/2006/relationships" xmlns:mc="http://schemas.openxmlformats.org/markup-compatibility/2006" xmlns:mv="urn:schemas-microsoft-com:mac:vml" xmlns:p="http://schemas.openxmlformats.org/presentationml/2006/main" mc:Ignorable="mv" mc:PreserveAttributes="mv:*">
+<p:notes xmlns:a="http://schemas.openxmlformats.org/drawingml/2006/main" xmlns:r="http://schemas.openxmlformats.org/officeDocument/2006/relationships" xmlns:p="http://schemas.openxmlformats.org/presentationml/2006/main">
   <p:cSld>
     <p:spTree>
       <p:nvGrpSpPr>
@@ -766,7 +766,7 @@
     </p:spTree>
     <p:extLst>
       <p:ext uri="{BB962C8B-B14F-4D97-AF65-F5344CB8AC3E}">
-        <p14:creationId xmlns:p14="http://schemas.microsoft.com/office/powerpoint/2010/main" xmlns:p="http://schemas.openxmlformats.org/presentationml/2006/main" xmlns:r="http://schemas.openxmlformats.org/officeDocument/2006/relationships" xmlns:a="http://schemas.openxmlformats.org/drawingml/2006/main" xmlns="" val="1443086944"/>
+        <p14:creationId xmlns:p14="http://schemas.microsoft.com/office/powerpoint/2010/main" val="1443086944"/>
       </p:ext>
     </p:extLst>
   </p:cSld>
@@ -777,7 +777,7 @@
 </file>
 
 <file path=ppt/slideLayouts/slideLayout1.xml><?xml version="1.0" encoding="utf-8"?>
-<p:sldLayout xmlns:a="http://schemas.openxmlformats.org/drawingml/2006/main" xmlns:r="http://schemas.openxmlformats.org/officeDocument/2006/relationships" xmlns:mc="http://schemas.openxmlformats.org/markup-compatibility/2006" xmlns:mv="urn:schemas-microsoft-com:mac:vml" xmlns:p="http://schemas.openxmlformats.org/presentationml/2006/main" mc:Ignorable="mv" mc:PreserveAttributes="mv:*" type="title" preserve="1">
+<p:sldLayout xmlns:a="http://schemas.openxmlformats.org/drawingml/2006/main" xmlns:r="http://schemas.openxmlformats.org/officeDocument/2006/relationships" xmlns:p="http://schemas.openxmlformats.org/presentationml/2006/main" type="title" preserve="1">
   <p:cSld name="Title Slide">
     <p:bg>
       <p:bgPr>
@@ -1001,7 +1001,7 @@
 </file>
 
 <file path=ppt/slideLayouts/slideLayout10.xml><?xml version="1.0" encoding="utf-8"?>
-<p:sldLayout xmlns:a="http://schemas.openxmlformats.org/drawingml/2006/main" xmlns:r="http://schemas.openxmlformats.org/officeDocument/2006/relationships" xmlns:mc="http://schemas.openxmlformats.org/markup-compatibility/2006" xmlns:mv="urn:schemas-microsoft-com:mac:vml" xmlns:p="http://schemas.openxmlformats.org/presentationml/2006/main" mc:Ignorable="mv" mc:PreserveAttributes="mv:*" preserve="1" userDrawn="1">
+<p:sldLayout xmlns:a="http://schemas.openxmlformats.org/drawingml/2006/main" xmlns:r="http://schemas.openxmlformats.org/officeDocument/2006/relationships" xmlns:p="http://schemas.openxmlformats.org/presentationml/2006/main" preserve="1" userDrawn="1">
   <p:cSld name="Impact Slide - Pink">
     <p:bg>
       <p:bgPr>
@@ -1074,7 +1074,7 @@
 </file>
 
 <file path=ppt/slideLayouts/slideLayout11.xml><?xml version="1.0" encoding="utf-8"?>
-<p:sldLayout xmlns:a="http://schemas.openxmlformats.org/drawingml/2006/main" xmlns:r="http://schemas.openxmlformats.org/officeDocument/2006/relationships" xmlns:mc="http://schemas.openxmlformats.org/markup-compatibility/2006" xmlns:mv="urn:schemas-microsoft-com:mac:vml" xmlns:p="http://schemas.openxmlformats.org/presentationml/2006/main" mc:Ignorable="mv" mc:PreserveAttributes="mv:*" preserve="1" userDrawn="1">
+<p:sldLayout xmlns:a="http://schemas.openxmlformats.org/drawingml/2006/main" xmlns:r="http://schemas.openxmlformats.org/officeDocument/2006/relationships" xmlns:p="http://schemas.openxmlformats.org/presentationml/2006/main" preserve="1" userDrawn="1">
   <p:cSld name="Quote Slide - Neutral">
     <p:bg>
       <p:bgPr>
@@ -1233,7 +1233,7 @@
 </file>
 
 <file path=ppt/slideLayouts/slideLayout12.xml><?xml version="1.0" encoding="utf-8"?>
-<p:sldLayout xmlns:a="http://schemas.openxmlformats.org/drawingml/2006/main" xmlns:r="http://schemas.openxmlformats.org/officeDocument/2006/relationships" xmlns:mc="http://schemas.openxmlformats.org/markup-compatibility/2006" xmlns:mv="urn:schemas-microsoft-com:mac:vml" xmlns:p="http://schemas.openxmlformats.org/presentationml/2006/main" mc:Ignorable="mv" mc:PreserveAttributes="mv:*" preserve="1" userDrawn="1">
+<p:sldLayout xmlns:a="http://schemas.openxmlformats.org/drawingml/2006/main" xmlns:r="http://schemas.openxmlformats.org/officeDocument/2006/relationships" xmlns:p="http://schemas.openxmlformats.org/presentationml/2006/main" preserve="1" userDrawn="1">
   <p:cSld name="Quote Slide - Teal">
     <p:bg>
       <p:bgPr>
@@ -1386,7 +1386,7 @@
 </file>
 
 <file path=ppt/slideLayouts/slideLayout13.xml><?xml version="1.0" encoding="utf-8"?>
-<p:sldLayout xmlns:a="http://schemas.openxmlformats.org/drawingml/2006/main" xmlns:r="http://schemas.openxmlformats.org/officeDocument/2006/relationships" xmlns:mc="http://schemas.openxmlformats.org/markup-compatibility/2006" xmlns:mv="urn:schemas-microsoft-com:mac:vml" xmlns:p="http://schemas.openxmlformats.org/presentationml/2006/main" mc:Ignorable="mv" mc:PreserveAttributes="mv:*" preserve="1" userDrawn="1">
+<p:sldLayout xmlns:a="http://schemas.openxmlformats.org/drawingml/2006/main" xmlns:r="http://schemas.openxmlformats.org/officeDocument/2006/relationships" xmlns:p="http://schemas.openxmlformats.org/presentationml/2006/main" preserve="1" userDrawn="1">
   <p:cSld name="Quote Slide - Green">
     <p:bg>
       <p:bgPr>
@@ -1539,7 +1539,7 @@
 </file>
 
 <file path=ppt/slideLayouts/slideLayout14.xml><?xml version="1.0" encoding="utf-8"?>
-<p:sldLayout xmlns:a="http://schemas.openxmlformats.org/drawingml/2006/main" xmlns:r="http://schemas.openxmlformats.org/officeDocument/2006/relationships" xmlns:mc="http://schemas.openxmlformats.org/markup-compatibility/2006" xmlns:mv="urn:schemas-microsoft-com:mac:vml" xmlns:p="http://schemas.openxmlformats.org/presentationml/2006/main" mc:Ignorable="mv" mc:PreserveAttributes="mv:*" preserve="1" userDrawn="1">
+<p:sldLayout xmlns:a="http://schemas.openxmlformats.org/drawingml/2006/main" xmlns:r="http://schemas.openxmlformats.org/officeDocument/2006/relationships" xmlns:p="http://schemas.openxmlformats.org/presentationml/2006/main" preserve="1" userDrawn="1">
   <p:cSld name="Orange Quote Slide">
     <p:bg>
       <p:bgPr>
@@ -1692,7 +1692,7 @@
 </file>
 
 <file path=ppt/slideLayouts/slideLayout15.xml><?xml version="1.0" encoding="utf-8"?>
-<p:sldLayout xmlns:a="http://schemas.openxmlformats.org/drawingml/2006/main" xmlns:r="http://schemas.openxmlformats.org/officeDocument/2006/relationships" xmlns:mc="http://schemas.openxmlformats.org/markup-compatibility/2006" xmlns:mv="urn:schemas-microsoft-com:mac:vml" xmlns:p="http://schemas.openxmlformats.org/presentationml/2006/main" mc:Ignorable="mv" mc:PreserveAttributes="mv:*" preserve="1" userDrawn="1">
+<p:sldLayout xmlns:a="http://schemas.openxmlformats.org/drawingml/2006/main" xmlns:r="http://schemas.openxmlformats.org/officeDocument/2006/relationships" xmlns:p="http://schemas.openxmlformats.org/presentationml/2006/main" preserve="1" userDrawn="1">
   <p:cSld name="Quote Slide - Pink">
     <p:bg>
       <p:bgPr>
@@ -1845,7 +1845,7 @@
 </file>
 
 <file path=ppt/slideLayouts/slideLayout16.xml><?xml version="1.0" encoding="utf-8"?>
-<p:sldLayout xmlns:a="http://schemas.openxmlformats.org/drawingml/2006/main" xmlns:r="http://schemas.openxmlformats.org/officeDocument/2006/relationships" xmlns:mc="http://schemas.openxmlformats.org/markup-compatibility/2006" xmlns:mv="urn:schemas-microsoft-com:mac:vml" xmlns:p="http://schemas.openxmlformats.org/presentationml/2006/main" mc:Ignorable="mv" mc:PreserveAttributes="mv:*" preserve="1" userDrawn="1">
+<p:sldLayout xmlns:a="http://schemas.openxmlformats.org/drawingml/2006/main" xmlns:r="http://schemas.openxmlformats.org/officeDocument/2006/relationships" xmlns:p="http://schemas.openxmlformats.org/presentationml/2006/main" preserve="1" userDrawn="1">
   <p:cSld name="Thank You - Teal">
     <p:bg>
       <p:bgPr>
@@ -1976,7 +1976,7 @@
 </file>
 
 <file path=ppt/slideLayouts/slideLayout17.xml><?xml version="1.0" encoding="utf-8"?>
-<p:sldLayout xmlns:a="http://schemas.openxmlformats.org/drawingml/2006/main" xmlns:r="http://schemas.openxmlformats.org/officeDocument/2006/relationships" xmlns:mc="http://schemas.openxmlformats.org/markup-compatibility/2006" xmlns:mv="urn:schemas-microsoft-com:mac:vml" xmlns:p="http://schemas.openxmlformats.org/presentationml/2006/main" mc:Ignorable="mv" mc:PreserveAttributes="mv:*" preserve="1" userDrawn="1">
+<p:sldLayout xmlns:a="http://schemas.openxmlformats.org/drawingml/2006/main" xmlns:r="http://schemas.openxmlformats.org/officeDocument/2006/relationships" xmlns:p="http://schemas.openxmlformats.org/presentationml/2006/main" preserve="1" userDrawn="1">
   <p:cSld name="Thank You - Green">
     <p:bg>
       <p:bgPr>
@@ -2107,7 +2107,7 @@
 </file>
 
 <file path=ppt/slideLayouts/slideLayout18.xml><?xml version="1.0" encoding="utf-8"?>
-<p:sldLayout xmlns:a="http://schemas.openxmlformats.org/drawingml/2006/main" xmlns:r="http://schemas.openxmlformats.org/officeDocument/2006/relationships" xmlns:mc="http://schemas.openxmlformats.org/markup-compatibility/2006" xmlns:mv="urn:schemas-microsoft-com:mac:vml" xmlns:p="http://schemas.openxmlformats.org/presentationml/2006/main" mc:Ignorable="mv" mc:PreserveAttributes="mv:*" userDrawn="1">
+<p:sldLayout xmlns:a="http://schemas.openxmlformats.org/drawingml/2006/main" xmlns:r="http://schemas.openxmlformats.org/officeDocument/2006/relationships" xmlns:p="http://schemas.openxmlformats.org/presentationml/2006/main" userDrawn="1">
   <p:cSld name="Thank You - Orange">
     <p:bg>
       <p:bgPr>
@@ -2238,7 +2238,7 @@
 </file>
 
 <file path=ppt/slideLayouts/slideLayout19.xml><?xml version="1.0" encoding="utf-8"?>
-<p:sldLayout xmlns:a="http://schemas.openxmlformats.org/drawingml/2006/main" xmlns:r="http://schemas.openxmlformats.org/officeDocument/2006/relationships" xmlns:mc="http://schemas.openxmlformats.org/markup-compatibility/2006" xmlns:mv="urn:schemas-microsoft-com:mac:vml" xmlns:p="http://schemas.openxmlformats.org/presentationml/2006/main" mc:Ignorable="mv" mc:PreserveAttributes="mv:*" userDrawn="1">
+<p:sldLayout xmlns:a="http://schemas.openxmlformats.org/drawingml/2006/main" xmlns:r="http://schemas.openxmlformats.org/officeDocument/2006/relationships" xmlns:p="http://schemas.openxmlformats.org/presentationml/2006/main" userDrawn="1">
   <p:cSld name="Thank You - Pink">
     <p:bg>
       <p:bgPr>
@@ -2369,7 +2369,7 @@
 </file>
 
 <file path=ppt/slideLayouts/slideLayout2.xml><?xml version="1.0" encoding="utf-8"?>
-<p:sldLayout xmlns:a="http://schemas.openxmlformats.org/drawingml/2006/main" xmlns:r="http://schemas.openxmlformats.org/officeDocument/2006/relationships" xmlns:mc="http://schemas.openxmlformats.org/markup-compatibility/2006" xmlns:mv="urn:schemas-microsoft-com:mac:vml" xmlns:p="http://schemas.openxmlformats.org/presentationml/2006/main" mc:Ignorable="mv" mc:PreserveAttributes="mv:*" preserve="1" userDrawn="1">
+<p:sldLayout xmlns:a="http://schemas.openxmlformats.org/drawingml/2006/main" xmlns:r="http://schemas.openxmlformats.org/officeDocument/2006/relationships" xmlns:p="http://schemas.openxmlformats.org/presentationml/2006/main" preserve="1" userDrawn="1">
   <p:cSld name="Title and Single Element">
     <p:spTree>
       <p:nvGrpSpPr>
@@ -2700,7 +2700,7 @@
 </file>
 
 <file path=ppt/slideLayouts/slideLayout3.xml><?xml version="1.0" encoding="utf-8"?>
-<p:sldLayout xmlns:a="http://schemas.openxmlformats.org/drawingml/2006/main" xmlns:r="http://schemas.openxmlformats.org/officeDocument/2006/relationships" xmlns:mc="http://schemas.openxmlformats.org/markup-compatibility/2006" xmlns:mv="urn:schemas-microsoft-com:mac:vml" xmlns:p="http://schemas.openxmlformats.org/presentationml/2006/main" mc:Ignorable="mv" mc:PreserveAttributes="mv:*" preserve="1" userDrawn="1">
+<p:sldLayout xmlns:a="http://schemas.openxmlformats.org/drawingml/2006/main" xmlns:r="http://schemas.openxmlformats.org/officeDocument/2006/relationships" xmlns:p="http://schemas.openxmlformats.org/presentationml/2006/main" preserve="1" userDrawn="1">
   <p:cSld name="Title and Two Element">
     <p:spTree>
       <p:nvGrpSpPr>
@@ -3092,7 +3092,7 @@
 </file>
 
 <file path=ppt/slideLayouts/slideLayout4.xml><?xml version="1.0" encoding="utf-8"?>
-<p:sldLayout xmlns:a="http://schemas.openxmlformats.org/drawingml/2006/main" xmlns:r="http://schemas.openxmlformats.org/officeDocument/2006/relationships" xmlns:mc="http://schemas.openxmlformats.org/markup-compatibility/2006" xmlns:mv="urn:schemas-microsoft-com:mac:vml" xmlns:p="http://schemas.openxmlformats.org/presentationml/2006/main" mc:Ignorable="mv" mc:PreserveAttributes="mv:*" preserve="1" userDrawn="1">
+<p:sldLayout xmlns:a="http://schemas.openxmlformats.org/drawingml/2006/main" xmlns:r="http://schemas.openxmlformats.org/officeDocument/2006/relationships" xmlns:p="http://schemas.openxmlformats.org/presentationml/2006/main" preserve="1" userDrawn="1">
   <p:cSld name="Title Only and Blank">
     <p:spTree>
       <p:nvGrpSpPr>
@@ -3366,7 +3366,7 @@
 </file>
 
 <file path=ppt/slideLayouts/slideLayout5.xml><?xml version="1.0" encoding="utf-8"?>
-<p:sldLayout xmlns:a="http://schemas.openxmlformats.org/drawingml/2006/main" xmlns:r="http://schemas.openxmlformats.org/officeDocument/2006/relationships" xmlns:mc="http://schemas.openxmlformats.org/markup-compatibility/2006" xmlns:mv="urn:schemas-microsoft-com:mac:vml" xmlns:p="http://schemas.openxmlformats.org/presentationml/2006/main" mc:Ignorable="mv" mc:PreserveAttributes="mv:*" userDrawn="1">
+<p:sldLayout xmlns:a="http://schemas.openxmlformats.org/drawingml/2006/main" xmlns:r="http://schemas.openxmlformats.org/officeDocument/2006/relationships" xmlns:p="http://schemas.openxmlformats.org/presentationml/2006/main" userDrawn="1">
   <p:cSld name="Left Text and Right Image">
     <p:spTree>
       <p:nvGrpSpPr>
@@ -3727,7 +3727,7 @@
 </file>
 
 <file path=ppt/slideLayouts/slideLayout6.xml><?xml version="1.0" encoding="utf-8"?>
-<p:sldLayout xmlns:a="http://schemas.openxmlformats.org/drawingml/2006/main" xmlns:r="http://schemas.openxmlformats.org/officeDocument/2006/relationships" xmlns:mc="http://schemas.openxmlformats.org/markup-compatibility/2006" xmlns:mv="urn:schemas-microsoft-com:mac:vml" xmlns:p="http://schemas.openxmlformats.org/presentationml/2006/main" mc:Ignorable="mv" mc:PreserveAttributes="mv:*" preserve="1" userDrawn="1">
+<p:sldLayout xmlns:a="http://schemas.openxmlformats.org/drawingml/2006/main" xmlns:r="http://schemas.openxmlformats.org/officeDocument/2006/relationships" xmlns:p="http://schemas.openxmlformats.org/presentationml/2006/main" preserve="1" userDrawn="1">
   <p:cSld name="Left Image and Right Text">
     <p:spTree>
       <p:nvGrpSpPr>
@@ -4088,7 +4088,7 @@
 </file>
 
 <file path=ppt/slideLayouts/slideLayout7.xml><?xml version="1.0" encoding="utf-8"?>
-<p:sldLayout xmlns:a="http://schemas.openxmlformats.org/drawingml/2006/main" xmlns:r="http://schemas.openxmlformats.org/officeDocument/2006/relationships" xmlns:mc="http://schemas.openxmlformats.org/markup-compatibility/2006" xmlns:mv="urn:schemas-microsoft-com:mac:vml" xmlns:p="http://schemas.openxmlformats.org/presentationml/2006/main" mc:Ignorable="mv" mc:PreserveAttributes="mv:*" preserve="1" userDrawn="1">
+<p:sldLayout xmlns:a="http://schemas.openxmlformats.org/drawingml/2006/main" xmlns:r="http://schemas.openxmlformats.org/officeDocument/2006/relationships" xmlns:p="http://schemas.openxmlformats.org/presentationml/2006/main" preserve="1" userDrawn="1">
   <p:cSld name="Impact Slide - Teal">
     <p:bg>
       <p:bgPr>
@@ -4183,7 +4183,7 @@
 </file>
 
 <file path=ppt/slideLayouts/slideLayout8.xml><?xml version="1.0" encoding="utf-8"?>
-<p:sldLayout xmlns:a="http://schemas.openxmlformats.org/drawingml/2006/main" xmlns:r="http://schemas.openxmlformats.org/officeDocument/2006/relationships" xmlns:mc="http://schemas.openxmlformats.org/markup-compatibility/2006" xmlns:mv="urn:schemas-microsoft-com:mac:vml" xmlns:p="http://schemas.openxmlformats.org/presentationml/2006/main" mc:Ignorable="mv" mc:PreserveAttributes="mv:*" preserve="1" userDrawn="1">
+<p:sldLayout xmlns:a="http://schemas.openxmlformats.org/drawingml/2006/main" xmlns:r="http://schemas.openxmlformats.org/officeDocument/2006/relationships" xmlns:p="http://schemas.openxmlformats.org/presentationml/2006/main" preserve="1" userDrawn="1">
   <p:cSld name="Impact Slide - Green">
     <p:bg>
       <p:bgPr>
@@ -4278,7 +4278,7 @@
 </file>
 
 <file path=ppt/slideLayouts/slideLayout9.xml><?xml version="1.0" encoding="utf-8"?>
-<p:sldLayout xmlns:a="http://schemas.openxmlformats.org/drawingml/2006/main" xmlns:r="http://schemas.openxmlformats.org/officeDocument/2006/relationships" xmlns:mc="http://schemas.openxmlformats.org/markup-compatibility/2006" xmlns:mv="urn:schemas-microsoft-com:mac:vml" xmlns:p="http://schemas.openxmlformats.org/presentationml/2006/main" mc:Ignorable="mv" mc:PreserveAttributes="mv:*" preserve="1" userDrawn="1">
+<p:sldLayout xmlns:a="http://schemas.openxmlformats.org/drawingml/2006/main" xmlns:r="http://schemas.openxmlformats.org/officeDocument/2006/relationships" xmlns:p="http://schemas.openxmlformats.org/presentationml/2006/main" preserve="1" userDrawn="1">
   <p:cSld name="Impact Slide - Orange">
     <p:bg>
       <p:bgPr>
@@ -4373,7 +4373,7 @@
 </file>
 
 <file path=ppt/slideMasters/slideMaster1.xml><?xml version="1.0" encoding="utf-8"?>
-<p:sldMaster xmlns:a="http://schemas.openxmlformats.org/drawingml/2006/main" xmlns:r="http://schemas.openxmlformats.org/officeDocument/2006/relationships" xmlns:mc="http://schemas.openxmlformats.org/markup-compatibility/2006" xmlns:mv="urn:schemas-microsoft-com:mac:vml" xmlns:p="http://schemas.openxmlformats.org/presentationml/2006/main" mc:Ignorable="mv" mc:PreserveAttributes="mv:*">
+<p:sldMaster xmlns:a="http://schemas.openxmlformats.org/drawingml/2006/main" xmlns:r="http://schemas.openxmlformats.org/officeDocument/2006/relationships" xmlns:p="http://schemas.openxmlformats.org/presentationml/2006/main">
   <p:cSld>
     <p:bg>
       <p:bgPr>
@@ -4995,7 +4995,7 @@
 </file>
 
 <file path=ppt/slides/slide1.xml><?xml version="1.0" encoding="utf-8"?>
-<p:sld xmlns:a="http://schemas.openxmlformats.org/drawingml/2006/main" xmlns:r="http://schemas.openxmlformats.org/officeDocument/2006/relationships" xmlns:mc="http://schemas.openxmlformats.org/markup-compatibility/2006" xmlns:mv="urn:schemas-microsoft-com:mac:vml" xmlns:p="http://schemas.openxmlformats.org/presentationml/2006/main" mc:Ignorable="mv" mc:PreserveAttributes="mv:*">
+<p:sld xmlns:a="http://schemas.openxmlformats.org/drawingml/2006/main" xmlns:r="http://schemas.openxmlformats.org/officeDocument/2006/relationships" xmlns:p="http://schemas.openxmlformats.org/presentationml/2006/main">
   <p:cSld>
     <p:spTree>
       <p:nvGrpSpPr>
@@ -5075,20 +5075,20 @@
     </p:spTree>
     <p:extLst>
       <p:ext uri="{BB962C8B-B14F-4D97-AF65-F5344CB8AC3E}">
-        <p14:creationId xmlns:p14="http://schemas.microsoft.com/office/powerpoint/2010/main" xmlns:p="http://schemas.openxmlformats.org/presentationml/2006/main" xmlns:r="http://schemas.openxmlformats.org/officeDocument/2006/relationships" xmlns:a="http://schemas.openxmlformats.org/drawingml/2006/main" xmlns="" val="2352184382"/>
+        <p14:creationId xmlns:p14="http://schemas.microsoft.com/office/powerpoint/2010/main" val="2352184382"/>
       </p:ext>
     </p:extLst>
   </p:cSld>
   <p:clrMapOvr>
     <a:masterClrMapping/>
   </p:clrMapOvr>
-  <p:transition spd="med">
+  <p:transition xmlns:p14="http://schemas.microsoft.com/office/powerpoint/2010/main" spd="med">
     <p:fade/>
   </p:transition>
   <p:timing>
     <p:tnLst>
       <p:par>
-        <p:cTn id="1" dur="indefinite" restart="never" nodeType="tmRoot"/>
+        <p:cTn xmlns:p14="http://schemas.microsoft.com/office/powerpoint/2010/main" id="1" dur="indefinite" restart="never" nodeType="tmRoot"/>
       </p:par>
     </p:tnLst>
   </p:timing>
@@ -5096,7 +5096,7 @@
 </file>
 
 <file path=ppt/slides/slide2.xml><?xml version="1.0" encoding="utf-8"?>
-<p:sld xmlns:a="http://schemas.openxmlformats.org/drawingml/2006/main" xmlns:r="http://schemas.openxmlformats.org/officeDocument/2006/relationships" xmlns:mc="http://schemas.openxmlformats.org/markup-compatibility/2006" xmlns:mv="urn:schemas-microsoft-com:mac:vml" xmlns:p="http://schemas.openxmlformats.org/presentationml/2006/main" mc:Ignorable="mv" mc:PreserveAttributes="mv:*">
+<p:sld xmlns:a="http://schemas.openxmlformats.org/drawingml/2006/main" xmlns:r="http://schemas.openxmlformats.org/officeDocument/2006/relationships" xmlns:p="http://schemas.openxmlformats.org/presentationml/2006/main">
   <p:cSld>
     <p:spTree>
       <p:nvGrpSpPr>
@@ -5163,7 +5163,7 @@
           <a:lstStyle/>
           <a:p>
             <a:r>
-              <a:rPr lang="en-US" sz="3000" dirty="0">
+              <a:rPr lang="en-US" sz="3200" dirty="0">
                 <a:latin typeface="Arial" charset="0"/>
                 <a:ea typeface="ＭＳ Ｐゴシック" charset="0"/>
               </a:rPr>
@@ -5173,34 +5173,77 @@
           <a:p>
             <a:pPr lvl="1"/>
             <a:r>
-              <a:rPr lang="en-US" sz="3000" dirty="0">
+              <a:rPr lang="en-US" sz="3200" dirty="0">
                 <a:latin typeface="Arial" charset="0"/>
                 <a:ea typeface="ＭＳ Ｐゴシック" charset="0"/>
               </a:rPr>
               <a:t>From</a:t>
             </a:r>
             <a:r>
-              <a:rPr lang="en-US" sz="3000" dirty="0" smtClean="0">
+              <a:rPr lang="en-US" sz="3200" dirty="0" smtClean="0">
                 <a:latin typeface="Arial" charset="0"/>
                 <a:ea typeface="ＭＳ Ｐゴシック" charset="0"/>
               </a:rPr>
-              <a:t> </a:t>
-            </a:r>
-            <a:r>
-              <a:rPr lang="en-US" sz="3000" smtClean="0">
+              <a:t> user input</a:t>
+            </a:r>
+          </a:p>
+          <a:p>
+            <a:pPr lvl="1"/>
+            <a:r>
+              <a:rPr lang="en-US" sz="3200" dirty="0">
                 <a:latin typeface="Arial" charset="0"/>
                 <a:ea typeface="ＭＳ Ｐゴシック" charset="0"/>
               </a:rPr>
-              <a:t>user </a:t>
-            </a:r>
-            <a:r>
-              <a:rPr lang="en-US" sz="3000" smtClean="0">
+              <a:t>From metadata for the currently playing video</a:t>
+            </a:r>
+          </a:p>
+          <a:p>
+            <a:pPr lvl="1"/>
+            <a:r>
+              <a:rPr lang="en-US" sz="3200" dirty="0">
+                <a:latin typeface="Arial" charset="0"/>
+                <a:ea typeface="ＭＳ Ｐゴシック" charset="0"/>
+              </a:rPr>
+              <a:t>From other content on the </a:t>
+            </a:r>
+            <a:r>
+              <a:rPr lang="en-US" sz="3200" dirty="0" smtClean="0">
+                <a:latin typeface="Arial" charset="0"/>
+                <a:ea typeface="ＭＳ Ｐゴシック" charset="0"/>
+              </a:rPr>
+              <a:t>page</a:t>
+            </a:r>
+          </a:p>
+          <a:p>
+            <a:r>
+              <a:rPr lang="en-US" sz="3200" dirty="0" smtClean="0">
+                <a:latin typeface="Arial" charset="0"/>
+                <a:ea typeface="ＭＳ Ｐゴシック" charset="0"/>
+              </a:rPr>
+              <a:t>So far search criteria has been hard </a:t>
+            </a:r>
+            <a:r>
+              <a:rPr lang="en-US" sz="3200" dirty="0" smtClean="0">
+                <a:latin typeface="Arial" charset="0"/>
+                <a:ea typeface="ＭＳ Ｐゴシック" charset="0"/>
+              </a:rPr>
+              <a:t>coded; there </a:t>
+            </a:r>
+            <a:r>
+              <a:rPr lang="en-US" sz="3200" dirty="0" smtClean="0">
+                <a:latin typeface="Arial" charset="0"/>
+                <a:ea typeface="ＭＳ Ｐゴシック" charset="0"/>
+              </a:rPr>
+              <a:t>are times when you want user </a:t>
+            </a:r>
+            <a:r>
+              <a:rPr lang="en-US" sz="3200" dirty="0" smtClean="0">
                 <a:latin typeface="Arial" charset="0"/>
                 <a:ea typeface="ＭＳ Ｐゴシック" charset="0"/>
               </a:rPr>
               <a:t>input</a:t>
             </a:r>
-            <a:endParaRPr lang="en-US" sz="3000" smtClean="0">
+            <a:endParaRPr lang="en-US" sz="3200" dirty="0" smtClean="0">
               <a:latin typeface="Arial" charset="0"/>
               <a:ea typeface="ＭＳ Ｐゴシック" charset="0"/>
             </a:endParaRPr>
@@ -5208,72 +5251,55 @@
           <a:p>
             <a:pPr lvl="1"/>
             <a:r>
-              <a:rPr lang="en-US" sz="3000" dirty="0">
+              <a:rPr lang="en-US" sz="3200" dirty="0" smtClean="0">
                 <a:latin typeface="Arial" charset="0"/>
                 <a:ea typeface="ＭＳ Ｐゴシック" charset="0"/>
               </a:rPr>
-              <a:t>From metadata for the currently playing video</a:t>
-            </a:r>
-          </a:p>
-          <a:p>
-            <a:pPr lvl="1"/>
-            <a:r>
-              <a:rPr lang="en-US" sz="3000" dirty="0">
+              <a:t>Add HTML </a:t>
+            </a:r>
+            <a:r>
+              <a:rPr lang="en-US" sz="3200" dirty="0" smtClean="0">
                 <a:latin typeface="Arial" charset="0"/>
                 <a:ea typeface="ＭＳ Ｐゴシック" charset="0"/>
               </a:rPr>
-              <a:t>From other content on the </a:t>
-            </a:r>
-            <a:r>
-              <a:rPr lang="en-US" sz="3000" dirty="0" smtClean="0">
+              <a:t>form </a:t>
+            </a:r>
+            <a:r>
+              <a:rPr lang="en-US" sz="3200" dirty="0" smtClean="0">
                 <a:latin typeface="Arial" charset="0"/>
                 <a:ea typeface="ＭＳ Ｐゴシック" charset="0"/>
               </a:rPr>
-              <a:t>page</a:t>
-            </a:r>
-          </a:p>
-          <a:p>
-            <a:r>
-              <a:rPr lang="en-US" sz="3000" dirty="0" smtClean="0">
+              <a:t>with </a:t>
+            </a:r>
+            <a:r>
+              <a:rPr lang="en-US" sz="3200" dirty="0" smtClean="0">
                 <a:latin typeface="Arial" charset="0"/>
                 <a:ea typeface="ＭＳ Ｐゴシック" charset="0"/>
               </a:rPr>
-              <a:t>So far search criteria has been hard</a:t>
-            </a:r>
-            <a:r>
-              <a:rPr lang="en-US" sz="3000" dirty="0" smtClean="0">
+              <a:t>input </a:t>
+            </a:r>
+            <a:r>
+              <a:rPr lang="en-US" sz="3200" dirty="0" smtClean="0">
                 <a:latin typeface="Arial" charset="0"/>
                 <a:ea typeface="ＭＳ Ｐゴシック" charset="0"/>
               </a:rPr>
-              <a:t> </a:t>
-            </a:r>
-            <a:r>
-              <a:rPr lang="en-US" sz="3000" dirty="0" smtClean="0">
+              <a:t>fields for dynamic </a:t>
+            </a:r>
+            <a:r>
+              <a:rPr lang="en-US" sz="3200" dirty="0" smtClean="0">
                 <a:latin typeface="Arial" charset="0"/>
                 <a:ea typeface="ＭＳ Ｐゴシック" charset="0"/>
               </a:rPr>
-              <a:t>coded. There are times when you want user input.</a:t>
-            </a:r>
-          </a:p>
-          <a:p>
-            <a:pPr lvl="1"/>
-            <a:r>
-              <a:rPr lang="en-US" sz="3000" dirty="0" smtClean="0">
-                <a:latin typeface="Arial" charset="0"/>
-                <a:ea typeface="ＭＳ Ｐゴシック" charset="0"/>
-              </a:rPr>
-              <a:t>Add HTML input fields for dynamic data</a:t>
-            </a:r>
-          </a:p>
-          <a:p>
-            <a:endParaRPr lang="en-US" sz="3000" dirty="0" smtClean="0">
+              <a:t>data</a:t>
+            </a:r>
+            <a:endParaRPr lang="en-US" sz="3200" dirty="0" smtClean="0">
               <a:latin typeface="Arial" charset="0"/>
               <a:ea typeface="ＭＳ Ｐゴシック" charset="0"/>
             </a:endParaRPr>
           </a:p>
           <a:p>
             <a:r>
-              <a:rPr lang="en-US" sz="3000" dirty="0" smtClean="0">
+              <a:rPr lang="en-US" sz="3200" dirty="0" smtClean="0">
                 <a:latin typeface="Arial" charset="0"/>
                 <a:ea typeface="ＭＳ Ｐゴシック" charset="0"/>
               </a:rPr>
@@ -5283,39 +5309,84 @@
           <a:p>
             <a:pPr lvl="1"/>
             <a:r>
-              <a:rPr lang="en-US" sz="3000" dirty="0" smtClean="0">
+              <a:rPr lang="en-US" sz="3200" dirty="0" smtClean="0">
                 <a:latin typeface="Arial" charset="0"/>
                 <a:ea typeface="ＭＳ Ｐゴシック" charset="0"/>
                 <a:hlinkClick r:id="rId2"/>
               </a:rPr>
-              <a:t>http://docs.brightcove.com/en/video-cloud/media/samples/</a:t>
-            </a:r>
-            <a:r>
-              <a:rPr lang="en-US" sz="3000" dirty="0" smtClean="0">
-                <a:latin typeface="Arial" charset="0"/>
-                <a:ea typeface="ＭＳ Ｐゴシック" charset="0"/>
-                <a:hlinkClick r:id="rId2"/>
-              </a:rPr>
-              <a:t>search_videos.html</a:t>
-            </a:r>
-            <a:r>
-              <a:rPr lang="en-US" sz="3000" dirty="0" smtClean="0">
+              <a:t>http://docs.brightcove.com/en/video-cloud/media/samples/search_videos.html</a:t>
+            </a:r>
+            <a:r>
+              <a:rPr lang="en-US" sz="3200" dirty="0" smtClean="0">
                 <a:latin typeface="Arial" charset="0"/>
                 <a:ea typeface="ＭＳ Ｐゴシック" charset="0"/>
               </a:rPr>
               <a:t> </a:t>
             </a:r>
-            <a:endParaRPr lang="en-US" sz="3000" dirty="0">
+            <a:endParaRPr lang="en-US" sz="3200" dirty="0">
               <a:latin typeface="Arial" charset="0"/>
               <a:ea typeface="ＭＳ Ｐゴシック" charset="0"/>
             </a:endParaRPr>
           </a:p>
         </p:txBody>
       </p:sp>
+      <p:sp>
+        <p:nvSpPr>
+          <p:cNvPr id="4" name="Slide Number Placeholder 3"/>
+          <p:cNvSpPr txBox="1">
+            <a:spLocks noGrp="1"/>
+          </p:cNvSpPr>
+          <p:nvPr/>
+        </p:nvSpPr>
+        <p:spPr bwMode="auto">
+          <a:xfrm>
+            <a:off x="315868" y="9189943"/>
+            <a:ext cx="866378" cy="541514"/>
+          </a:xfrm>
+          <a:prstGeom prst="rect">
+            <a:avLst/>
+          </a:prstGeom>
+          <a:noFill/>
+          <a:ln>
+            <a:miter lim="800000"/>
+            <a:headEnd/>
+            <a:tailEnd/>
+          </a:ln>
+        </p:spPr>
+        <p:txBody>
+          <a:bodyPr lIns="154707" tIns="77354" rIns="154707" bIns="77354"/>
+          <a:lstStyle/>
+          <a:p>
+            <a:pPr eaLnBrk="0" hangingPunct="0">
+              <a:defRPr/>
+            </a:pPr>
+            <a:fld id="{1BD3BB7B-F997-4B7C-BCBE-A063D59C732E}" type="slidenum">
+              <a:rPr lang="en-US" sz="1500" b="1">
+                <a:solidFill>
+                  <a:srgbClr val="7B7B7B"/>
+                </a:solidFill>
+                <a:ea typeface="ＭＳ Ｐゴシック" pitchFamily="34" charset="-128"/>
+                <a:cs typeface="+mn-cs"/>
+              </a:rPr>
+              <a:pPr eaLnBrk="0" hangingPunct="0">
+                <a:defRPr/>
+              </a:pPr>
+              <a:t>2</a:t>
+            </a:fld>
+            <a:endParaRPr lang="en-US" sz="1500" b="1" dirty="0">
+              <a:solidFill>
+                <a:srgbClr val="7B7B7B"/>
+              </a:solidFill>
+              <a:ea typeface="ＭＳ Ｐゴシック" pitchFamily="34" charset="-128"/>
+              <a:cs typeface="+mn-cs"/>
+            </a:endParaRPr>
+          </a:p>
+        </p:txBody>
+      </p:sp>
     </p:spTree>
     <p:extLst>
       <p:ext uri="{BB962C8B-B14F-4D97-AF65-F5344CB8AC3E}">
-        <p14:creationId xmlns:p14="http://schemas.microsoft.com/office/powerpoint/2010/main" xmlns:p="http://schemas.openxmlformats.org/presentationml/2006/main" xmlns:r="http://schemas.openxmlformats.org/officeDocument/2006/relationships" xmlns:a="http://schemas.openxmlformats.org/drawingml/2006/main" xmlns="" val="1480419295"/>
+        <p14:creationId xmlns:p14="http://schemas.microsoft.com/office/powerpoint/2010/main" val="1480419295"/>
       </p:ext>
     </p:extLst>
   </p:cSld>
@@ -5325,7 +5396,7 @@
   <p:timing>
     <p:tnLst>
       <p:par>
-        <p:cTn id="1" dur="indefinite" restart="never" nodeType="tmRoot"/>
+        <p:cTn xmlns:p14="http://schemas.microsoft.com/office/powerpoint/2010/main" id="1" dur="indefinite" restart="never" nodeType="tmRoot"/>
       </p:par>
     </p:tnLst>
   </p:timing>
@@ -5333,7 +5404,7 @@
 </file>
 
 <file path=ppt/slides/slide3.xml><?xml version="1.0" encoding="utf-8"?>
-<p:sld xmlns:a="http://schemas.openxmlformats.org/drawingml/2006/main" xmlns:r="http://schemas.openxmlformats.org/officeDocument/2006/relationships" xmlns:mc="http://schemas.openxmlformats.org/markup-compatibility/2006" xmlns:mv="urn:schemas-microsoft-com:mac:vml" xmlns:p="http://schemas.openxmlformats.org/presentationml/2006/main" mc:Ignorable="mv" mc:PreserveAttributes="mv:*">
+<p:sld xmlns:a="http://schemas.openxmlformats.org/drawingml/2006/main" xmlns:r="http://schemas.openxmlformats.org/officeDocument/2006/relationships" xmlns:p="http://schemas.openxmlformats.org/presentationml/2006/main">
   <p:cSld>
     <p:spTree>
       <p:nvGrpSpPr>
@@ -5424,31 +5495,26 @@
           <a:p>
             <a:r>
               <a:rPr lang="en-US" dirty="0" smtClean="0"/>
-              <a:t>Demo</a:t>
-            </a:r>
-            <a:r>
-              <a:rPr lang="en-US" dirty="0" smtClean="0"/>
-              <a:t> 6: Using Dynamic Search Criteria</a:t>
-            </a:r>
-            <a:endParaRPr lang="en-US" dirty="0" smtClean="0"/>
+              <a:t>Demo 6: Using Dynamic Search Criteria</a:t>
+            </a:r>
           </a:p>
         </p:txBody>
       </p:sp>
     </p:spTree>
     <p:extLst>
       <p:ext uri="{BB962C8B-B14F-4D97-AF65-F5344CB8AC3E}">
-        <p14:creationId xmlns:p14="http://schemas.microsoft.com/office/powerpoint/2010/main" xmlns:p="http://schemas.openxmlformats.org/presentationml/2006/main" xmlns:r="http://schemas.openxmlformats.org/officeDocument/2006/relationships" xmlns:a="http://schemas.openxmlformats.org/drawingml/2006/main" xmlns="" val="3539376714"/>
+        <p14:creationId xmlns:p14="http://schemas.microsoft.com/office/powerpoint/2010/main" val="3539376714"/>
       </p:ext>
     </p:extLst>
   </p:cSld>
   <p:clrMapOvr>
     <a:masterClrMapping/>
   </p:clrMapOvr>
-  <p:transition/>
+  <p:transition xmlns:p14="http://schemas.microsoft.com/office/powerpoint/2010/main"/>
   <p:timing>
     <p:tnLst>
       <p:par>
-        <p:cTn id="1" dur="indefinite" restart="never" nodeType="tmRoot"/>
+        <p:cTn xmlns:p14="http://schemas.microsoft.com/office/powerpoint/2010/main" id="1" dur="indefinite" restart="never" nodeType="tmRoot"/>
       </p:par>
     </p:tnLst>
   </p:timing>
@@ -5456,7 +5522,7 @@
 </file>
 
 <file path=ppt/slides/slide4.xml><?xml version="1.0" encoding="utf-8"?>
-<p:sld xmlns:a="http://schemas.openxmlformats.org/drawingml/2006/main" xmlns:r="http://schemas.openxmlformats.org/officeDocument/2006/relationships" xmlns:mc="http://schemas.openxmlformats.org/markup-compatibility/2006" xmlns:mv="urn:schemas-microsoft-com:mac:vml" xmlns:p="http://schemas.openxmlformats.org/presentationml/2006/main" mc:Ignorable="mv" mc:PreserveAttributes="mv:*">
+<p:sld xmlns:a="http://schemas.openxmlformats.org/drawingml/2006/main" xmlns:r="http://schemas.openxmlformats.org/officeDocument/2006/relationships" xmlns:p="http://schemas.openxmlformats.org/presentationml/2006/main">
   <p:cSld>
     <p:spTree>
       <p:nvGrpSpPr>
@@ -5557,20 +5623,20 @@
     </p:spTree>
     <p:extLst>
       <p:ext uri="{BB962C8B-B14F-4D97-AF65-F5344CB8AC3E}">
-        <p14:creationId xmlns:p14="http://schemas.microsoft.com/office/powerpoint/2010/main" xmlns:p="http://schemas.openxmlformats.org/presentationml/2006/main" xmlns:r="http://schemas.openxmlformats.org/officeDocument/2006/relationships" xmlns:a="http://schemas.openxmlformats.org/drawingml/2006/main" xmlns="" val="3700295984"/>
+        <p14:creationId xmlns:p14="http://schemas.microsoft.com/office/powerpoint/2010/main" val="3700295984"/>
       </p:ext>
     </p:extLst>
   </p:cSld>
   <p:clrMapOvr>
     <a:masterClrMapping/>
   </p:clrMapOvr>
-  <p:transition spd="med">
+  <p:transition xmlns:p14="http://schemas.microsoft.com/office/powerpoint/2010/main" spd="med">
     <p:fade/>
   </p:transition>
   <p:timing>
     <p:tnLst>
       <p:par>
-        <p:cTn id="1" dur="indefinite" restart="never" nodeType="tmRoot"/>
+        <p:cTn xmlns:p14="http://schemas.microsoft.com/office/powerpoint/2010/main" id="1" dur="indefinite" restart="never" nodeType="tmRoot"/>
       </p:par>
     </p:tnLst>
   </p:timing>
